--- a/resources/presentation/Abschlusspraesentation Amrein Furrer.pptx
+++ b/resources/presentation/Abschlusspraesentation Amrein Furrer.pptx
@@ -922,8 +922,8 @@
         <a:p>
           <a:pPr rtl="0"/>
           <a:r>
-            <a:rPr lang="de-DE" sz="2800" noProof="0" dirty="0">
-              <a:latin typeface="Times New Roman" panose="02020603050405020304" pitchFamily="18" charset="0"/>
+            <a:rPr lang="de-DE" sz="2600" noProof="0" dirty="0">
+              <a:latin typeface="Bodoni MT" panose="02070603080606020203" pitchFamily="18" charset="77"/>
               <a:cs typeface="Times New Roman" panose="02020603050405020304" pitchFamily="18" charset="0"/>
             </a:rPr>
             <a:t>Gute Datenqualität kostet Zeit</a:t>
@@ -964,8 +964,8 @@
         <a:p>
           <a:pPr rtl="0"/>
           <a:r>
-            <a:rPr lang="de-DE" sz="2800" noProof="0" dirty="0">
-              <a:latin typeface="Times New Roman" panose="02020603050405020304" pitchFamily="18" charset="0"/>
+            <a:rPr lang="de-DE" sz="2600" noProof="0" dirty="0">
+              <a:latin typeface="Bodoni MT" panose="02070603080606020203" pitchFamily="18" charset="77"/>
               <a:cs typeface="Times New Roman" panose="02020603050405020304" pitchFamily="18" charset="0"/>
             </a:rPr>
             <a:t>Rechenleistung für Training und Optimierung ist nicht zu unterschätzen</a:t>
@@ -1006,8 +1006,8 @@
         <a:p>
           <a:pPr rtl="0"/>
           <a:r>
-            <a:rPr lang="de-DE" sz="2800" noProof="0" dirty="0">
-              <a:latin typeface="Times New Roman" panose="02020603050405020304" pitchFamily="18" charset="0"/>
+            <a:rPr lang="de-DE" sz="2600" noProof="0" dirty="0">
+              <a:latin typeface="Bodoni MT" panose="02070603080606020203" pitchFamily="18" charset="77"/>
               <a:cs typeface="Times New Roman" panose="02020603050405020304" pitchFamily="18" charset="0"/>
             </a:rPr>
             <a:t>Python ist eine effiziente Programmiersprache für Data Science </a:t>
@@ -1048,8 +1048,8 @@
         <a:p>
           <a:pPr rtl="0"/>
           <a:r>
-            <a:rPr lang="de-DE" sz="2800" noProof="0" dirty="0">
-              <a:latin typeface="Times New Roman" panose="02020603050405020304" pitchFamily="18" charset="0"/>
+            <a:rPr lang="de-DE" sz="2600" noProof="0" dirty="0">
+              <a:latin typeface="Bodoni MT" panose="02070603080606020203" pitchFamily="18" charset="77"/>
               <a:cs typeface="Times New Roman" panose="02020603050405020304" pitchFamily="18" charset="0"/>
             </a:rPr>
             <a:t>Aufgrund des Datenschutzes waren Daten aus dem Geschäftsumfeld nicht möglich</a:t>
@@ -1090,22 +1090,22 @@
         <a:p>
           <a:pPr rtl="0"/>
           <a:r>
-            <a:rPr lang="de-DE" sz="2800" noProof="0" dirty="0">
-              <a:latin typeface="Times New Roman" panose="02020603050405020304" pitchFamily="18" charset="0"/>
+            <a:rPr lang="de-DE" sz="2600" noProof="0" dirty="0">
+              <a:latin typeface="Bodoni MT" panose="02070603080606020203" pitchFamily="18" charset="77"/>
               <a:cs typeface="Times New Roman" panose="02020603050405020304" pitchFamily="18" charset="0"/>
             </a:rPr>
             <a:t>Praxisbeispiel zeigt Komplexität von </a:t>
           </a:r>
           <a:r>
-            <a:rPr lang="de-DE" sz="2800" noProof="0" dirty="0" err="1">
-              <a:latin typeface="Times New Roman" panose="02020603050405020304" pitchFamily="18" charset="0"/>
+            <a:rPr lang="de-DE" sz="2600" noProof="0" dirty="0" err="1">
+              <a:latin typeface="Bodoni MT" panose="02070603080606020203" pitchFamily="18" charset="77"/>
               <a:cs typeface="Times New Roman" panose="02020603050405020304" pitchFamily="18" charset="0"/>
             </a:rPr>
             <a:t>Machine</a:t>
           </a:r>
           <a:r>
-            <a:rPr lang="de-DE" sz="2800" noProof="0" dirty="0">
-              <a:latin typeface="Times New Roman" panose="02020603050405020304" pitchFamily="18" charset="0"/>
+            <a:rPr lang="de-DE" sz="2600" noProof="0" dirty="0">
+              <a:latin typeface="Bodoni MT" panose="02070603080606020203" pitchFamily="18" charset="77"/>
               <a:cs typeface="Times New Roman" panose="02020603050405020304" pitchFamily="18" charset="0"/>
             </a:rPr>
             <a:t> Learning auf, im Vergleich zu konstruierten Beispielen</a:t>
@@ -1390,12 +1390,12 @@
         <a:fontRef idx="minor"/>
       </dsp:style>
       <dsp:txBody>
-        <a:bodyPr spcFirstLastPara="0" vert="horz" wrap="square" lIns="106680" tIns="106680" rIns="106680" bIns="106680" numCol="1" spcCol="1270" rtlCol="0" anchor="t" anchorCtr="0">
+        <a:bodyPr spcFirstLastPara="0" vert="horz" wrap="square" lIns="99060" tIns="99060" rIns="99060" bIns="99060" numCol="1" spcCol="1270" rtlCol="0" anchor="t" anchorCtr="0">
           <a:noAutofit/>
         </a:bodyPr>
         <a:lstStyle/>
         <a:p>
-          <a:pPr marL="0" lvl="0" indent="0" algn="l" defTabSz="1244600" rtl="0">
+          <a:pPr marL="0" lvl="0" indent="0" algn="l" defTabSz="1155700" rtl="0">
             <a:lnSpc>
               <a:spcPct val="90000"/>
             </a:lnSpc>
@@ -1408,8 +1408,8 @@
             <a:buNone/>
           </a:pPr>
           <a:r>
-            <a:rPr lang="de-DE" sz="2800" kern="1200" noProof="0" dirty="0">
-              <a:latin typeface="Times New Roman" panose="02020603050405020304" pitchFamily="18" charset="0"/>
+            <a:rPr lang="de-DE" sz="2600" kern="1200" noProof="0" dirty="0">
+              <a:latin typeface="Bodoni MT" panose="02070603080606020203" pitchFamily="18" charset="77"/>
               <a:cs typeface="Times New Roman" panose="02020603050405020304" pitchFamily="18" charset="0"/>
             </a:rPr>
             <a:t>Gute Datenqualität kostet Zeit</a:t>
@@ -1532,12 +1532,12 @@
         <a:fontRef idx="minor"/>
       </dsp:style>
       <dsp:txBody>
-        <a:bodyPr spcFirstLastPara="0" vert="horz" wrap="square" lIns="106680" tIns="106680" rIns="106680" bIns="106680" numCol="1" spcCol="1270" rtlCol="0" anchor="t" anchorCtr="0">
+        <a:bodyPr spcFirstLastPara="0" vert="horz" wrap="square" lIns="99060" tIns="99060" rIns="99060" bIns="99060" numCol="1" spcCol="1270" rtlCol="0" anchor="t" anchorCtr="0">
           <a:noAutofit/>
         </a:bodyPr>
         <a:lstStyle/>
         <a:p>
-          <a:pPr marL="0" lvl="0" indent="0" algn="l" defTabSz="1244600" rtl="0">
+          <a:pPr marL="0" lvl="0" indent="0" algn="l" defTabSz="1155700" rtl="0">
             <a:lnSpc>
               <a:spcPct val="90000"/>
             </a:lnSpc>
@@ -1550,8 +1550,8 @@
             <a:buNone/>
           </a:pPr>
           <a:r>
-            <a:rPr lang="de-DE" sz="2800" kern="1200" noProof="0" dirty="0">
-              <a:latin typeface="Times New Roman" panose="02020603050405020304" pitchFamily="18" charset="0"/>
+            <a:rPr lang="de-DE" sz="2600" kern="1200" noProof="0" dirty="0">
+              <a:latin typeface="Bodoni MT" panose="02070603080606020203" pitchFamily="18" charset="77"/>
               <a:cs typeface="Times New Roman" panose="02020603050405020304" pitchFamily="18" charset="0"/>
             </a:rPr>
             <a:t>Rechenleistung für Training und Optimierung ist nicht zu unterschätzen</a:t>
@@ -1674,12 +1674,12 @@
         <a:fontRef idx="minor"/>
       </dsp:style>
       <dsp:txBody>
-        <a:bodyPr spcFirstLastPara="0" vert="horz" wrap="square" lIns="106680" tIns="106680" rIns="106680" bIns="106680" numCol="1" spcCol="1270" rtlCol="0" anchor="t" anchorCtr="0">
+        <a:bodyPr spcFirstLastPara="0" vert="horz" wrap="square" lIns="99060" tIns="99060" rIns="99060" bIns="99060" numCol="1" spcCol="1270" rtlCol="0" anchor="t" anchorCtr="0">
           <a:noAutofit/>
         </a:bodyPr>
         <a:lstStyle/>
         <a:p>
-          <a:pPr marL="0" lvl="0" indent="0" algn="l" defTabSz="1244600" rtl="0">
+          <a:pPr marL="0" lvl="0" indent="0" algn="l" defTabSz="1155700" rtl="0">
             <a:lnSpc>
               <a:spcPct val="90000"/>
             </a:lnSpc>
@@ -1692,8 +1692,8 @@
             <a:buNone/>
           </a:pPr>
           <a:r>
-            <a:rPr lang="de-DE" sz="2800" kern="1200" noProof="0" dirty="0">
-              <a:latin typeface="Times New Roman" panose="02020603050405020304" pitchFamily="18" charset="0"/>
+            <a:rPr lang="de-DE" sz="2600" kern="1200" noProof="0" dirty="0">
+              <a:latin typeface="Bodoni MT" panose="02070603080606020203" pitchFamily="18" charset="77"/>
               <a:cs typeface="Times New Roman" panose="02020603050405020304" pitchFamily="18" charset="0"/>
             </a:rPr>
             <a:t>Python ist eine effiziente Programmiersprache für Data Science </a:t>
@@ -1816,12 +1816,12 @@
         <a:fontRef idx="minor"/>
       </dsp:style>
       <dsp:txBody>
-        <a:bodyPr spcFirstLastPara="0" vert="horz" wrap="square" lIns="106680" tIns="106680" rIns="106680" bIns="106680" numCol="1" spcCol="1270" rtlCol="0" anchor="t" anchorCtr="0">
+        <a:bodyPr spcFirstLastPara="0" vert="horz" wrap="square" lIns="99060" tIns="99060" rIns="99060" bIns="99060" numCol="1" spcCol="1270" rtlCol="0" anchor="t" anchorCtr="0">
           <a:noAutofit/>
         </a:bodyPr>
         <a:lstStyle/>
         <a:p>
-          <a:pPr marL="0" lvl="0" indent="0" algn="l" defTabSz="1244600" rtl="0">
+          <a:pPr marL="0" lvl="0" indent="0" algn="l" defTabSz="1155700" rtl="0">
             <a:lnSpc>
               <a:spcPct val="90000"/>
             </a:lnSpc>
@@ -1834,8 +1834,8 @@
             <a:buNone/>
           </a:pPr>
           <a:r>
-            <a:rPr lang="de-DE" sz="2800" kern="1200" noProof="0" dirty="0">
-              <a:latin typeface="Times New Roman" panose="02020603050405020304" pitchFamily="18" charset="0"/>
+            <a:rPr lang="de-DE" sz="2600" kern="1200" noProof="0" dirty="0">
+              <a:latin typeface="Bodoni MT" panose="02070603080606020203" pitchFamily="18" charset="77"/>
               <a:cs typeface="Times New Roman" panose="02020603050405020304" pitchFamily="18" charset="0"/>
             </a:rPr>
             <a:t>Aufgrund des Datenschutzes waren Daten aus dem Geschäftsumfeld nicht möglich</a:t>
@@ -1958,12 +1958,12 @@
         <a:fontRef idx="minor"/>
       </dsp:style>
       <dsp:txBody>
-        <a:bodyPr spcFirstLastPara="0" vert="horz" wrap="square" lIns="106680" tIns="106680" rIns="106680" bIns="106680" numCol="1" spcCol="1270" rtlCol="0" anchor="t" anchorCtr="0">
+        <a:bodyPr spcFirstLastPara="0" vert="horz" wrap="square" lIns="99060" tIns="99060" rIns="99060" bIns="99060" numCol="1" spcCol="1270" rtlCol="0" anchor="t" anchorCtr="0">
           <a:noAutofit/>
         </a:bodyPr>
         <a:lstStyle/>
         <a:p>
-          <a:pPr marL="0" lvl="0" indent="0" algn="l" defTabSz="1244600" rtl="0">
+          <a:pPr marL="0" lvl="0" indent="0" algn="l" defTabSz="1155700" rtl="0">
             <a:lnSpc>
               <a:spcPct val="90000"/>
             </a:lnSpc>
@@ -1976,22 +1976,22 @@
             <a:buNone/>
           </a:pPr>
           <a:r>
-            <a:rPr lang="de-DE" sz="2800" kern="1200" noProof="0" dirty="0">
-              <a:latin typeface="Times New Roman" panose="02020603050405020304" pitchFamily="18" charset="0"/>
+            <a:rPr lang="de-DE" sz="2600" kern="1200" noProof="0" dirty="0">
+              <a:latin typeface="Bodoni MT" panose="02070603080606020203" pitchFamily="18" charset="77"/>
               <a:cs typeface="Times New Roman" panose="02020603050405020304" pitchFamily="18" charset="0"/>
             </a:rPr>
             <a:t>Praxisbeispiel zeigt Komplexität von </a:t>
           </a:r>
           <a:r>
-            <a:rPr lang="de-DE" sz="2800" kern="1200" noProof="0" dirty="0" err="1">
-              <a:latin typeface="Times New Roman" panose="02020603050405020304" pitchFamily="18" charset="0"/>
+            <a:rPr lang="de-DE" sz="2600" kern="1200" noProof="0" dirty="0" err="1">
+              <a:latin typeface="Bodoni MT" panose="02070603080606020203" pitchFamily="18" charset="77"/>
               <a:cs typeface="Times New Roman" panose="02020603050405020304" pitchFamily="18" charset="0"/>
             </a:rPr>
             <a:t>Machine</a:t>
           </a:r>
           <a:r>
-            <a:rPr lang="de-DE" sz="2800" kern="1200" noProof="0" dirty="0">
-              <a:latin typeface="Times New Roman" panose="02020603050405020304" pitchFamily="18" charset="0"/>
+            <a:rPr lang="de-DE" sz="2600" kern="1200" noProof="0" dirty="0">
+              <a:latin typeface="Bodoni MT" panose="02070603080606020203" pitchFamily="18" charset="77"/>
               <a:cs typeface="Times New Roman" panose="02020603050405020304" pitchFamily="18" charset="0"/>
             </a:rPr>
             <a:t> Learning auf, im Vergleich zu konstruierten Beispielen</a:t>
@@ -17129,7 +17129,7 @@
             <p:ph idx="1"/>
             <p:extLst>
               <p:ext uri="{D42A27DB-BD31-4B8C-83A1-F6EECF244321}">
-                <p14:modId xmlns:p14="http://schemas.microsoft.com/office/powerpoint/2010/main" val="2544730267"/>
+                <p14:modId xmlns:p14="http://schemas.microsoft.com/office/powerpoint/2010/main" val="584519754"/>
               </p:ext>
             </p:extLst>
           </p:nvPr>

--- a/resources/presentation/Abschlusspraesentation Amrein Furrer.pptx
+++ b/resources/presentation/Abschlusspraesentation Amrein Furrer.pptx
@@ -5,10 +5,10 @@
     <p:sldMasterId id="2147483660" r:id="rId1"/>
   </p:sldMasterIdLst>
   <p:notesMasterIdLst>
-    <p:notesMasterId r:id="rId13"/>
+    <p:notesMasterId r:id="rId14"/>
   </p:notesMasterIdLst>
   <p:handoutMasterIdLst>
-    <p:handoutMasterId r:id="rId14"/>
+    <p:handoutMasterId r:id="rId15"/>
   </p:handoutMasterIdLst>
   <p:sldIdLst>
     <p:sldId id="256" r:id="rId2"/>
@@ -16,12 +16,13 @@
     <p:sldId id="266" r:id="rId4"/>
     <p:sldId id="267" r:id="rId5"/>
     <p:sldId id="271" r:id="rId6"/>
-    <p:sldId id="272" r:id="rId7"/>
-    <p:sldId id="269" r:id="rId8"/>
-    <p:sldId id="273" r:id="rId9"/>
-    <p:sldId id="260" r:id="rId10"/>
-    <p:sldId id="263" r:id="rId11"/>
-    <p:sldId id="265" r:id="rId12"/>
+    <p:sldId id="274" r:id="rId7"/>
+    <p:sldId id="272" r:id="rId8"/>
+    <p:sldId id="269" r:id="rId9"/>
+    <p:sldId id="273" r:id="rId10"/>
+    <p:sldId id="260" r:id="rId11"/>
+    <p:sldId id="263" r:id="rId12"/>
+    <p:sldId id="265" r:id="rId13"/>
   </p:sldIdLst>
   <p:sldSz cx="12192000" cy="6858000"/>
   <p:notesSz cx="6858000" cy="9144000"/>
@@ -3601,7 +3602,7 @@
           <a:p>
             <a:fld id="{65A80223-0394-4653-850A-5CFB486BDE83}" type="datetime1">
               <a:rPr lang="de-DE" smtClean="0"/>
-              <a:t>17.01.22</a:t>
+              <a:t>18.01.22</a:t>
             </a:fld>
             <a:endParaRPr lang="de-DE" dirty="0"/>
           </a:p>
@@ -3779,7 +3780,7 @@
             <a:fld id="{AFB9EE13-CF4B-4779-BA20-982008386F3C}" type="datetime1">
               <a:rPr lang="de-DE" smtClean="0"/>
               <a:pPr/>
-              <a:t>17.01.22</a:t>
+              <a:t>18.01.22</a:t>
             </a:fld>
             <a:endParaRPr lang="de-DE" dirty="0"/>
           </a:p>
@@ -4198,7 +4199,7 @@
           <a:p>
             <a:fld id="{D4C745B4-E2A0-42CC-9FED-47B6EC2BC2F2}" type="slidenum">
               <a:rPr lang="de-DE" smtClean="0"/>
-              <a:t>10</a:t>
+              <a:t>11</a:t>
             </a:fld>
             <a:endParaRPr lang="de-DE"/>
           </a:p>
@@ -4282,7 +4283,7 @@
           <a:p>
             <a:fld id="{D4C745B4-E2A0-42CC-9FED-47B6EC2BC2F2}" type="slidenum">
               <a:rPr lang="de-DE" smtClean="0"/>
-              <a:t>11</a:t>
+              <a:t>12</a:t>
             </a:fld>
             <a:endParaRPr lang="de-DE"/>
           </a:p>
@@ -4732,7 +4733,7 @@
           <a:p>
             <a:fld id="{D4C745B4-E2A0-42CC-9FED-47B6EC2BC2F2}" type="slidenum">
               <a:rPr lang="de-DE" noProof="0" smtClean="0"/>
-              <a:t>6</a:t>
+              <a:t>7</a:t>
             </a:fld>
             <a:endParaRPr lang="de-DE" noProof="0"/>
           </a:p>
@@ -4819,7 +4820,7 @@
           <a:p>
             <a:fld id="{D4C745B4-E2A0-42CC-9FED-47B6EC2BC2F2}" type="slidenum">
               <a:rPr lang="de-DE" noProof="0" smtClean="0"/>
-              <a:t>7</a:t>
+              <a:t>8</a:t>
             </a:fld>
             <a:endParaRPr lang="de-DE" noProof="0"/>
           </a:p>
@@ -4906,7 +4907,7 @@
           <a:p>
             <a:fld id="{D4C745B4-E2A0-42CC-9FED-47B6EC2BC2F2}" type="slidenum">
               <a:rPr lang="de-DE" noProof="0" smtClean="0"/>
-              <a:t>8</a:t>
+              <a:t>9</a:t>
             </a:fld>
             <a:endParaRPr lang="de-DE" noProof="0"/>
           </a:p>
@@ -5037,7 +5038,7 @@
           <a:p>
             <a:fld id="{D4C745B4-E2A0-42CC-9FED-47B6EC2BC2F2}" type="slidenum">
               <a:rPr lang="de-DE" smtClean="0"/>
-              <a:t>9</a:t>
+              <a:t>10</a:t>
             </a:fld>
             <a:endParaRPr lang="de-DE"/>
           </a:p>
@@ -6268,7 +6269,7 @@
             <a:pPr rtl="0"/>
             <a:fld id="{35695855-2C3C-4607-B286-469A5D649551}" type="datetime1">
               <a:rPr lang="de-DE" noProof="0" smtClean="0"/>
-              <a:t>17.01.22</a:t>
+              <a:t>18.01.22</a:t>
             </a:fld>
             <a:endParaRPr lang="de-DE" noProof="0"/>
           </a:p>
@@ -6508,7 +6509,7 @@
             <a:pPr rtl="0"/>
             <a:fld id="{FC18E9E9-BFF0-4EF4-A26D-5D19B0036F5D}" type="datetime1">
               <a:rPr lang="de-DE" noProof="0" smtClean="0"/>
-              <a:t>17.01.22</a:t>
+              <a:t>18.01.22</a:t>
             </a:fld>
             <a:endParaRPr lang="de-DE" noProof="0"/>
           </a:p>
@@ -6690,7 +6691,7 @@
             <a:pPr rtl="0"/>
             <a:fld id="{20A0FE2A-C243-49A6-85D6-34B528E67EA2}" type="datetime1">
               <a:rPr lang="de-DE" noProof="0" smtClean="0"/>
-              <a:t>17.01.22</a:t>
+              <a:t>18.01.22</a:t>
             </a:fld>
             <a:endParaRPr lang="de-DE" noProof="0"/>
           </a:p>
@@ -6862,7 +6863,7 @@
             <a:pPr rtl="0"/>
             <a:fld id="{EE50C6DB-F1C6-467F-8CE0-A0346EFFE638}" type="datetime1">
               <a:rPr lang="de-DE" noProof="0" smtClean="0"/>
-              <a:t>17.01.22</a:t>
+              <a:t>18.01.22</a:t>
             </a:fld>
             <a:endParaRPr lang="de-DE" noProof="0"/>
           </a:p>
@@ -7141,7 +7142,7 @@
             <a:pPr rtl="0"/>
             <a:fld id="{88FC6C5A-E802-4462-B445-3752E9FABE21}" type="datetime1">
               <a:rPr lang="de-DE" noProof="0" smtClean="0"/>
-              <a:t>17.01.22</a:t>
+              <a:t>18.01.22</a:t>
             </a:fld>
             <a:endParaRPr lang="de-DE" noProof="0"/>
           </a:p>
@@ -8343,7 +8344,7 @@
             <a:pPr rtl="0"/>
             <a:fld id="{7C978EDB-C11C-4C48-AD02-A27E3A9F3021}" type="datetime1">
               <a:rPr lang="de-DE" noProof="0" smtClean="0"/>
-              <a:t>17.01.22</a:t>
+              <a:t>18.01.22</a:t>
             </a:fld>
             <a:endParaRPr lang="de-DE" noProof="0"/>
           </a:p>
@@ -8734,7 +8735,7 @@
             <a:pPr rtl="0"/>
             <a:fld id="{30E61D66-BCE1-42A2-A51D-4FFAED4B1900}" type="datetime1">
               <a:rPr lang="de-DE" noProof="0" smtClean="0"/>
-              <a:t>17.01.22</a:t>
+              <a:t>18.01.22</a:t>
             </a:fld>
             <a:endParaRPr lang="de-DE" noProof="0"/>
           </a:p>
@@ -8860,7 +8861,7 @@
             <a:pPr rtl="0"/>
             <a:fld id="{82A6A6CE-ADEF-490B-8885-487C6BE9CCEF}" type="datetime1">
               <a:rPr lang="de-DE" noProof="0" smtClean="0"/>
-              <a:t>17.01.22</a:t>
+              <a:t>18.01.22</a:t>
             </a:fld>
             <a:endParaRPr lang="de-DE" noProof="0"/>
           </a:p>
@@ -8958,7 +8959,7 @@
             <a:pPr rtl="0"/>
             <a:fld id="{EC55321E-64B6-4F7B-B90E-E11BD8C9B303}" type="datetime1">
               <a:rPr lang="de-DE" noProof="0" smtClean="0"/>
-              <a:t>17.01.22</a:t>
+              <a:t>18.01.22</a:t>
             </a:fld>
             <a:endParaRPr lang="de-DE" noProof="0"/>
           </a:p>
@@ -9723,7 +9724,7 @@
             <a:pPr rtl="0"/>
             <a:fld id="{2D8B6F82-F16F-4314-B31A-6A12CD9F4D25}" type="datetime1">
               <a:rPr lang="de-DE" noProof="0" smtClean="0"/>
-              <a:t>17.01.22</a:t>
+              <a:t>18.01.22</a:t>
             </a:fld>
             <a:endParaRPr lang="de-DE" noProof="0"/>
           </a:p>
@@ -10566,7 +10567,7 @@
             <a:pPr rtl="0"/>
             <a:fld id="{1C3C8E23-E973-42ED-B43B-DAF54C52B003}" type="datetime1">
               <a:rPr lang="de-DE" noProof="0" smtClean="0"/>
-              <a:t>17.01.22</a:t>
+              <a:t>18.01.22</a:t>
             </a:fld>
             <a:endParaRPr lang="de-DE" noProof="0"/>
           </a:p>
@@ -10795,7 +10796,7 @@
             <a:pPr rtl="0"/>
             <a:fld id="{E6CB7931-7355-4552-BD02-BEFEB20ABB1F}" type="datetime1">
               <a:rPr lang="de-DE" noProof="0" smtClean="0"/>
-              <a:t>17.01.22</a:t>
+              <a:t>18.01.22</a:t>
             </a:fld>
             <a:endParaRPr lang="de-DE" noProof="0"/>
           </a:p>
@@ -12138,3509 +12139,6 @@
 </file>
 
 <file path=ppt/slides/slide10.xml><?xml version="1.0" encoding="utf-8"?>
-<p:sld xmlns:a="http://schemas.openxmlformats.org/drawingml/2006/main" xmlns:r="http://schemas.openxmlformats.org/officeDocument/2006/relationships" xmlns:p="http://schemas.openxmlformats.org/presentationml/2006/main">
-  <p:cSld>
-    <p:bg>
-      <p:bgPr>
-        <a:solidFill>
-          <a:schemeClr val="bg1"/>
-        </a:solidFill>
-        <a:effectLst/>
-      </p:bgPr>
-    </p:bg>
-    <p:spTree>
-      <p:nvGrpSpPr>
-        <p:cNvPr id="1" name=""/>
-        <p:cNvGrpSpPr/>
-        <p:nvPr/>
-      </p:nvGrpSpPr>
-      <p:grpSpPr>
-        <a:xfrm>
-          <a:off x="0" y="0"/>
-          <a:ext cx="0" cy="0"/>
-          <a:chOff x="0" y="0"/>
-          <a:chExt cx="0" cy="0"/>
-        </a:xfrm>
-      </p:grpSpPr>
-      <p:sp>
-        <p:nvSpPr>
-          <p:cNvPr id="10" name="Freihandform 6">
-            <a:extLst>
-              <a:ext uri="{FF2B5EF4-FFF2-40B4-BE49-F238E27FC236}">
-                <a16:creationId xmlns:a16="http://schemas.microsoft.com/office/drawing/2014/main" id="{B217C2AD-51B4-40CE-A71F-F5D3F846D97B}"/>
-              </a:ext>
-              <a:ext uri="{C183D7F6-B498-43B3-948B-1728B52AA6E4}">
-                <adec:decorative xmlns:adec="http://schemas.microsoft.com/office/drawing/2017/decorative" val="1"/>
-              </a:ext>
-            </a:extLst>
-          </p:cNvPr>
-          <p:cNvSpPr>
-            <a:spLocks noGrp="1" noRot="1" noChangeAspect="1" noMove="1" noResize="1" noEditPoints="1" noAdjustHandles="1" noChangeArrowheads="1" noChangeShapeType="1" noTextEdit="1"/>
-          </p:cNvSpPr>
-          <p:nvPr>
-            <p:extLst>
-              <p:ext uri="{386F3935-93C4-4BCD-93E2-E3B085C9AB24}">
-                <p16:designElem xmlns:p16="http://schemas.microsoft.com/office/powerpoint/2015/main" val="1"/>
-              </p:ext>
-            </p:extLst>
-          </p:nvPr>
-        </p:nvSpPr>
-        <p:spPr bwMode="auto">
-          <a:xfrm>
-            <a:off x="3557016" y="630936"/>
-            <a:ext cx="5235575" cy="5229225"/>
-          </a:xfrm>
-          <a:custGeom>
-            <a:avLst/>
-            <a:gdLst/>
-            <a:ahLst/>
-            <a:cxnLst/>
-            <a:rect l="0" t="0" r="r" b="b"/>
-            <a:pathLst>
-              <a:path w="3298" h="3294">
-                <a:moveTo>
-                  <a:pt x="1649" y="0"/>
-                </a:moveTo>
-                <a:lnTo>
-                  <a:pt x="1681" y="3"/>
-                </a:lnTo>
-                <a:lnTo>
-                  <a:pt x="1712" y="11"/>
-                </a:lnTo>
-                <a:lnTo>
-                  <a:pt x="1742" y="23"/>
-                </a:lnTo>
-                <a:lnTo>
-                  <a:pt x="1773" y="38"/>
-                </a:lnTo>
-                <a:lnTo>
-                  <a:pt x="1802" y="55"/>
-                </a:lnTo>
-                <a:lnTo>
-                  <a:pt x="1832" y="73"/>
-                </a:lnTo>
-                <a:lnTo>
-                  <a:pt x="1862" y="89"/>
-                </a:lnTo>
-                <a:lnTo>
-                  <a:pt x="1892" y="105"/>
-                </a:lnTo>
-                <a:lnTo>
-                  <a:pt x="1921" y="117"/>
-                </a:lnTo>
-                <a:lnTo>
-                  <a:pt x="1953" y="125"/>
-                </a:lnTo>
-                <a:lnTo>
-                  <a:pt x="1984" y="129"/>
-                </a:lnTo>
-                <a:lnTo>
-                  <a:pt x="2017" y="129"/>
-                </a:lnTo>
-                <a:lnTo>
-                  <a:pt x="2051" y="127"/>
-                </a:lnTo>
-                <a:lnTo>
-                  <a:pt x="2085" y="123"/>
-                </a:lnTo>
-                <a:lnTo>
-                  <a:pt x="2119" y="118"/>
-                </a:lnTo>
-                <a:lnTo>
-                  <a:pt x="2153" y="114"/>
-                </a:lnTo>
-                <a:lnTo>
-                  <a:pt x="2187" y="111"/>
-                </a:lnTo>
-                <a:lnTo>
-                  <a:pt x="2219" y="112"/>
-                </a:lnTo>
-                <a:lnTo>
-                  <a:pt x="2250" y="116"/>
-                </a:lnTo>
-                <a:lnTo>
-                  <a:pt x="2280" y="125"/>
-                </a:lnTo>
-                <a:lnTo>
-                  <a:pt x="2305" y="138"/>
-                </a:lnTo>
-                <a:lnTo>
-                  <a:pt x="2329" y="155"/>
-                </a:lnTo>
-                <a:lnTo>
-                  <a:pt x="2350" y="175"/>
-                </a:lnTo>
-                <a:lnTo>
-                  <a:pt x="2371" y="198"/>
-                </a:lnTo>
-                <a:lnTo>
-                  <a:pt x="2390" y="222"/>
-                </a:lnTo>
-                <a:lnTo>
-                  <a:pt x="2409" y="247"/>
-                </a:lnTo>
-                <a:lnTo>
-                  <a:pt x="2428" y="272"/>
-                </a:lnTo>
-                <a:lnTo>
-                  <a:pt x="2447" y="296"/>
-                </a:lnTo>
-                <a:lnTo>
-                  <a:pt x="2467" y="319"/>
-                </a:lnTo>
-                <a:lnTo>
-                  <a:pt x="2490" y="339"/>
-                </a:lnTo>
-                <a:lnTo>
-                  <a:pt x="2512" y="357"/>
-                </a:lnTo>
-                <a:lnTo>
-                  <a:pt x="2537" y="371"/>
-                </a:lnTo>
-                <a:lnTo>
-                  <a:pt x="2564" y="383"/>
-                </a:lnTo>
-                <a:lnTo>
-                  <a:pt x="2593" y="393"/>
-                </a:lnTo>
-                <a:lnTo>
-                  <a:pt x="2623" y="402"/>
-                </a:lnTo>
-                <a:lnTo>
-                  <a:pt x="2653" y="410"/>
-                </a:lnTo>
-                <a:lnTo>
-                  <a:pt x="2684" y="418"/>
-                </a:lnTo>
-                <a:lnTo>
-                  <a:pt x="2713" y="427"/>
-                </a:lnTo>
-                <a:lnTo>
-                  <a:pt x="2742" y="437"/>
-                </a:lnTo>
-                <a:lnTo>
-                  <a:pt x="2769" y="449"/>
-                </a:lnTo>
-                <a:lnTo>
-                  <a:pt x="2793" y="464"/>
-                </a:lnTo>
-                <a:lnTo>
-                  <a:pt x="2815" y="482"/>
-                </a:lnTo>
-                <a:lnTo>
-                  <a:pt x="2833" y="504"/>
-                </a:lnTo>
-                <a:lnTo>
-                  <a:pt x="2848" y="528"/>
-                </a:lnTo>
-                <a:lnTo>
-                  <a:pt x="2860" y="555"/>
-                </a:lnTo>
-                <a:lnTo>
-                  <a:pt x="2870" y="584"/>
-                </a:lnTo>
-                <a:lnTo>
-                  <a:pt x="2879" y="613"/>
-                </a:lnTo>
-                <a:lnTo>
-                  <a:pt x="2887" y="644"/>
-                </a:lnTo>
-                <a:lnTo>
-                  <a:pt x="2895" y="674"/>
-                </a:lnTo>
-                <a:lnTo>
-                  <a:pt x="2904" y="704"/>
-                </a:lnTo>
-                <a:lnTo>
-                  <a:pt x="2914" y="733"/>
-                </a:lnTo>
-                <a:lnTo>
-                  <a:pt x="2926" y="760"/>
-                </a:lnTo>
-                <a:lnTo>
-                  <a:pt x="2940" y="785"/>
-                </a:lnTo>
-                <a:lnTo>
-                  <a:pt x="2958" y="807"/>
-                </a:lnTo>
-                <a:lnTo>
-                  <a:pt x="2978" y="830"/>
-                </a:lnTo>
-                <a:lnTo>
-                  <a:pt x="3001" y="850"/>
-                </a:lnTo>
-                <a:lnTo>
-                  <a:pt x="3025" y="869"/>
-                </a:lnTo>
-                <a:lnTo>
-                  <a:pt x="3051" y="888"/>
-                </a:lnTo>
-                <a:lnTo>
-                  <a:pt x="3076" y="907"/>
-                </a:lnTo>
-                <a:lnTo>
-                  <a:pt x="3100" y="926"/>
-                </a:lnTo>
-                <a:lnTo>
-                  <a:pt x="3123" y="947"/>
-                </a:lnTo>
-                <a:lnTo>
-                  <a:pt x="3143" y="968"/>
-                </a:lnTo>
-                <a:lnTo>
-                  <a:pt x="3160" y="992"/>
-                </a:lnTo>
-                <a:lnTo>
-                  <a:pt x="3173" y="1017"/>
-                </a:lnTo>
-                <a:lnTo>
-                  <a:pt x="3182" y="1047"/>
-                </a:lnTo>
-                <a:lnTo>
-                  <a:pt x="3186" y="1078"/>
-                </a:lnTo>
-                <a:lnTo>
-                  <a:pt x="3187" y="1110"/>
-                </a:lnTo>
-                <a:lnTo>
-                  <a:pt x="3184" y="1144"/>
-                </a:lnTo>
-                <a:lnTo>
-                  <a:pt x="3180" y="1178"/>
-                </a:lnTo>
-                <a:lnTo>
-                  <a:pt x="3175" y="1212"/>
-                </a:lnTo>
-                <a:lnTo>
-                  <a:pt x="3171" y="1246"/>
-                </a:lnTo>
-                <a:lnTo>
-                  <a:pt x="3169" y="1280"/>
-                </a:lnTo>
-                <a:lnTo>
-                  <a:pt x="3169" y="1313"/>
-                </a:lnTo>
-                <a:lnTo>
-                  <a:pt x="3173" y="1344"/>
-                </a:lnTo>
-                <a:lnTo>
-                  <a:pt x="3181" y="1375"/>
-                </a:lnTo>
-                <a:lnTo>
-                  <a:pt x="3193" y="1404"/>
-                </a:lnTo>
-                <a:lnTo>
-                  <a:pt x="3209" y="1434"/>
-                </a:lnTo>
-                <a:lnTo>
-                  <a:pt x="3225" y="1464"/>
-                </a:lnTo>
-                <a:lnTo>
-                  <a:pt x="3243" y="1494"/>
-                </a:lnTo>
-                <a:lnTo>
-                  <a:pt x="3260" y="1523"/>
-                </a:lnTo>
-                <a:lnTo>
-                  <a:pt x="3275" y="1554"/>
-                </a:lnTo>
-                <a:lnTo>
-                  <a:pt x="3287" y="1584"/>
-                </a:lnTo>
-                <a:lnTo>
-                  <a:pt x="3295" y="1615"/>
-                </a:lnTo>
-                <a:lnTo>
-                  <a:pt x="3298" y="1647"/>
-                </a:lnTo>
-                <a:lnTo>
-                  <a:pt x="3295" y="1679"/>
-                </a:lnTo>
-                <a:lnTo>
-                  <a:pt x="3287" y="1710"/>
-                </a:lnTo>
-                <a:lnTo>
-                  <a:pt x="3275" y="1740"/>
-                </a:lnTo>
-                <a:lnTo>
-                  <a:pt x="3260" y="1771"/>
-                </a:lnTo>
-                <a:lnTo>
-                  <a:pt x="3243" y="1800"/>
-                </a:lnTo>
-                <a:lnTo>
-                  <a:pt x="3225" y="1830"/>
-                </a:lnTo>
-                <a:lnTo>
-                  <a:pt x="3209" y="1860"/>
-                </a:lnTo>
-                <a:lnTo>
-                  <a:pt x="3193" y="1890"/>
-                </a:lnTo>
-                <a:lnTo>
-                  <a:pt x="3181" y="1919"/>
-                </a:lnTo>
-                <a:lnTo>
-                  <a:pt x="3173" y="1950"/>
-                </a:lnTo>
-                <a:lnTo>
-                  <a:pt x="3169" y="1981"/>
-                </a:lnTo>
-                <a:lnTo>
-                  <a:pt x="3169" y="2014"/>
-                </a:lnTo>
-                <a:lnTo>
-                  <a:pt x="3171" y="2048"/>
-                </a:lnTo>
-                <a:lnTo>
-                  <a:pt x="3175" y="2082"/>
-                </a:lnTo>
-                <a:lnTo>
-                  <a:pt x="3180" y="2116"/>
-                </a:lnTo>
-                <a:lnTo>
-                  <a:pt x="3184" y="2150"/>
-                </a:lnTo>
-                <a:lnTo>
-                  <a:pt x="3187" y="2184"/>
-                </a:lnTo>
-                <a:lnTo>
-                  <a:pt x="3186" y="2216"/>
-                </a:lnTo>
-                <a:lnTo>
-                  <a:pt x="3182" y="2247"/>
-                </a:lnTo>
-                <a:lnTo>
-                  <a:pt x="3173" y="2277"/>
-                </a:lnTo>
-                <a:lnTo>
-                  <a:pt x="3160" y="2302"/>
-                </a:lnTo>
-                <a:lnTo>
-                  <a:pt x="3143" y="2326"/>
-                </a:lnTo>
-                <a:lnTo>
-                  <a:pt x="3123" y="2347"/>
-                </a:lnTo>
-                <a:lnTo>
-                  <a:pt x="3100" y="2368"/>
-                </a:lnTo>
-                <a:lnTo>
-                  <a:pt x="3076" y="2387"/>
-                </a:lnTo>
-                <a:lnTo>
-                  <a:pt x="3051" y="2406"/>
-                </a:lnTo>
-                <a:lnTo>
-                  <a:pt x="3025" y="2425"/>
-                </a:lnTo>
-                <a:lnTo>
-                  <a:pt x="3001" y="2444"/>
-                </a:lnTo>
-                <a:lnTo>
-                  <a:pt x="2978" y="2464"/>
-                </a:lnTo>
-                <a:lnTo>
-                  <a:pt x="2958" y="2487"/>
-                </a:lnTo>
-                <a:lnTo>
-                  <a:pt x="2940" y="2509"/>
-                </a:lnTo>
-                <a:lnTo>
-                  <a:pt x="2926" y="2534"/>
-                </a:lnTo>
-                <a:lnTo>
-                  <a:pt x="2914" y="2561"/>
-                </a:lnTo>
-                <a:lnTo>
-                  <a:pt x="2904" y="2590"/>
-                </a:lnTo>
-                <a:lnTo>
-                  <a:pt x="2895" y="2620"/>
-                </a:lnTo>
-                <a:lnTo>
-                  <a:pt x="2887" y="2650"/>
-                </a:lnTo>
-                <a:lnTo>
-                  <a:pt x="2879" y="2681"/>
-                </a:lnTo>
-                <a:lnTo>
-                  <a:pt x="2870" y="2710"/>
-                </a:lnTo>
-                <a:lnTo>
-                  <a:pt x="2860" y="2739"/>
-                </a:lnTo>
-                <a:lnTo>
-                  <a:pt x="2848" y="2766"/>
-                </a:lnTo>
-                <a:lnTo>
-                  <a:pt x="2833" y="2790"/>
-                </a:lnTo>
-                <a:lnTo>
-                  <a:pt x="2815" y="2812"/>
-                </a:lnTo>
-                <a:lnTo>
-                  <a:pt x="2793" y="2830"/>
-                </a:lnTo>
-                <a:lnTo>
-                  <a:pt x="2769" y="2845"/>
-                </a:lnTo>
-                <a:lnTo>
-                  <a:pt x="2742" y="2857"/>
-                </a:lnTo>
-                <a:lnTo>
-                  <a:pt x="2713" y="2867"/>
-                </a:lnTo>
-                <a:lnTo>
-                  <a:pt x="2684" y="2876"/>
-                </a:lnTo>
-                <a:lnTo>
-                  <a:pt x="2653" y="2884"/>
-                </a:lnTo>
-                <a:lnTo>
-                  <a:pt x="2623" y="2892"/>
-                </a:lnTo>
-                <a:lnTo>
-                  <a:pt x="2593" y="2901"/>
-                </a:lnTo>
-                <a:lnTo>
-                  <a:pt x="2564" y="2911"/>
-                </a:lnTo>
-                <a:lnTo>
-                  <a:pt x="2537" y="2923"/>
-                </a:lnTo>
-                <a:lnTo>
-                  <a:pt x="2512" y="2937"/>
-                </a:lnTo>
-                <a:lnTo>
-                  <a:pt x="2490" y="2955"/>
-                </a:lnTo>
-                <a:lnTo>
-                  <a:pt x="2467" y="2975"/>
-                </a:lnTo>
-                <a:lnTo>
-                  <a:pt x="2447" y="2998"/>
-                </a:lnTo>
-                <a:lnTo>
-                  <a:pt x="2428" y="3022"/>
-                </a:lnTo>
-                <a:lnTo>
-                  <a:pt x="2409" y="3047"/>
-                </a:lnTo>
-                <a:lnTo>
-                  <a:pt x="2390" y="3072"/>
-                </a:lnTo>
-                <a:lnTo>
-                  <a:pt x="2371" y="3096"/>
-                </a:lnTo>
-                <a:lnTo>
-                  <a:pt x="2350" y="3119"/>
-                </a:lnTo>
-                <a:lnTo>
-                  <a:pt x="2329" y="3139"/>
-                </a:lnTo>
-                <a:lnTo>
-                  <a:pt x="2305" y="3156"/>
-                </a:lnTo>
-                <a:lnTo>
-                  <a:pt x="2280" y="3169"/>
-                </a:lnTo>
-                <a:lnTo>
-                  <a:pt x="2250" y="3178"/>
-                </a:lnTo>
-                <a:lnTo>
-                  <a:pt x="2219" y="3182"/>
-                </a:lnTo>
-                <a:lnTo>
-                  <a:pt x="2187" y="3183"/>
-                </a:lnTo>
-                <a:lnTo>
-                  <a:pt x="2153" y="3180"/>
-                </a:lnTo>
-                <a:lnTo>
-                  <a:pt x="2119" y="3176"/>
-                </a:lnTo>
-                <a:lnTo>
-                  <a:pt x="2085" y="3171"/>
-                </a:lnTo>
-                <a:lnTo>
-                  <a:pt x="2051" y="3167"/>
-                </a:lnTo>
-                <a:lnTo>
-                  <a:pt x="2017" y="3165"/>
-                </a:lnTo>
-                <a:lnTo>
-                  <a:pt x="1984" y="3165"/>
-                </a:lnTo>
-                <a:lnTo>
-                  <a:pt x="1953" y="3169"/>
-                </a:lnTo>
-                <a:lnTo>
-                  <a:pt x="1921" y="3177"/>
-                </a:lnTo>
-                <a:lnTo>
-                  <a:pt x="1892" y="3189"/>
-                </a:lnTo>
-                <a:lnTo>
-                  <a:pt x="1862" y="3205"/>
-                </a:lnTo>
-                <a:lnTo>
-                  <a:pt x="1832" y="3221"/>
-                </a:lnTo>
-                <a:lnTo>
-                  <a:pt x="1802" y="3239"/>
-                </a:lnTo>
-                <a:lnTo>
-                  <a:pt x="1773" y="3256"/>
-                </a:lnTo>
-                <a:lnTo>
-                  <a:pt x="1742" y="3271"/>
-                </a:lnTo>
-                <a:lnTo>
-                  <a:pt x="1712" y="3283"/>
-                </a:lnTo>
-                <a:lnTo>
-                  <a:pt x="1681" y="3291"/>
-                </a:lnTo>
-                <a:lnTo>
-                  <a:pt x="1649" y="3294"/>
-                </a:lnTo>
-                <a:lnTo>
-                  <a:pt x="1617" y="3291"/>
-                </a:lnTo>
-                <a:lnTo>
-                  <a:pt x="1586" y="3283"/>
-                </a:lnTo>
-                <a:lnTo>
-                  <a:pt x="1556" y="3271"/>
-                </a:lnTo>
-                <a:lnTo>
-                  <a:pt x="1525" y="3256"/>
-                </a:lnTo>
-                <a:lnTo>
-                  <a:pt x="1496" y="3239"/>
-                </a:lnTo>
-                <a:lnTo>
-                  <a:pt x="1466" y="3221"/>
-                </a:lnTo>
-                <a:lnTo>
-                  <a:pt x="1436" y="3205"/>
-                </a:lnTo>
-                <a:lnTo>
-                  <a:pt x="1406" y="3189"/>
-                </a:lnTo>
-                <a:lnTo>
-                  <a:pt x="1376" y="3177"/>
-                </a:lnTo>
-                <a:lnTo>
-                  <a:pt x="1345" y="3169"/>
-                </a:lnTo>
-                <a:lnTo>
-                  <a:pt x="1314" y="3165"/>
-                </a:lnTo>
-                <a:lnTo>
-                  <a:pt x="1281" y="3165"/>
-                </a:lnTo>
-                <a:lnTo>
-                  <a:pt x="1247" y="3167"/>
-                </a:lnTo>
-                <a:lnTo>
-                  <a:pt x="1213" y="3171"/>
-                </a:lnTo>
-                <a:lnTo>
-                  <a:pt x="1179" y="3176"/>
-                </a:lnTo>
-                <a:lnTo>
-                  <a:pt x="1145" y="3180"/>
-                </a:lnTo>
-                <a:lnTo>
-                  <a:pt x="1111" y="3183"/>
-                </a:lnTo>
-                <a:lnTo>
-                  <a:pt x="1079" y="3182"/>
-                </a:lnTo>
-                <a:lnTo>
-                  <a:pt x="1048" y="3178"/>
-                </a:lnTo>
-                <a:lnTo>
-                  <a:pt x="1018" y="3169"/>
-                </a:lnTo>
-                <a:lnTo>
-                  <a:pt x="993" y="3156"/>
-                </a:lnTo>
-                <a:lnTo>
-                  <a:pt x="969" y="3139"/>
-                </a:lnTo>
-                <a:lnTo>
-                  <a:pt x="948" y="3119"/>
-                </a:lnTo>
-                <a:lnTo>
-                  <a:pt x="927" y="3096"/>
-                </a:lnTo>
-                <a:lnTo>
-                  <a:pt x="908" y="3072"/>
-                </a:lnTo>
-                <a:lnTo>
-                  <a:pt x="889" y="3047"/>
-                </a:lnTo>
-                <a:lnTo>
-                  <a:pt x="870" y="3022"/>
-                </a:lnTo>
-                <a:lnTo>
-                  <a:pt x="851" y="2998"/>
-                </a:lnTo>
-                <a:lnTo>
-                  <a:pt x="831" y="2975"/>
-                </a:lnTo>
-                <a:lnTo>
-                  <a:pt x="808" y="2955"/>
-                </a:lnTo>
-                <a:lnTo>
-                  <a:pt x="786" y="2937"/>
-                </a:lnTo>
-                <a:lnTo>
-                  <a:pt x="761" y="2923"/>
-                </a:lnTo>
-                <a:lnTo>
-                  <a:pt x="734" y="2911"/>
-                </a:lnTo>
-                <a:lnTo>
-                  <a:pt x="705" y="2901"/>
-                </a:lnTo>
-                <a:lnTo>
-                  <a:pt x="675" y="2892"/>
-                </a:lnTo>
-                <a:lnTo>
-                  <a:pt x="645" y="2884"/>
-                </a:lnTo>
-                <a:lnTo>
-                  <a:pt x="614" y="2876"/>
-                </a:lnTo>
-                <a:lnTo>
-                  <a:pt x="585" y="2867"/>
-                </a:lnTo>
-                <a:lnTo>
-                  <a:pt x="556" y="2857"/>
-                </a:lnTo>
-                <a:lnTo>
-                  <a:pt x="529" y="2845"/>
-                </a:lnTo>
-                <a:lnTo>
-                  <a:pt x="505" y="2830"/>
-                </a:lnTo>
-                <a:lnTo>
-                  <a:pt x="483" y="2812"/>
-                </a:lnTo>
-                <a:lnTo>
-                  <a:pt x="465" y="2790"/>
-                </a:lnTo>
-                <a:lnTo>
-                  <a:pt x="450" y="2766"/>
-                </a:lnTo>
-                <a:lnTo>
-                  <a:pt x="438" y="2739"/>
-                </a:lnTo>
-                <a:lnTo>
-                  <a:pt x="428" y="2710"/>
-                </a:lnTo>
-                <a:lnTo>
-                  <a:pt x="419" y="2681"/>
-                </a:lnTo>
-                <a:lnTo>
-                  <a:pt x="411" y="2650"/>
-                </a:lnTo>
-                <a:lnTo>
-                  <a:pt x="403" y="2620"/>
-                </a:lnTo>
-                <a:lnTo>
-                  <a:pt x="394" y="2590"/>
-                </a:lnTo>
-                <a:lnTo>
-                  <a:pt x="384" y="2561"/>
-                </a:lnTo>
-                <a:lnTo>
-                  <a:pt x="372" y="2534"/>
-                </a:lnTo>
-                <a:lnTo>
-                  <a:pt x="358" y="2509"/>
-                </a:lnTo>
-                <a:lnTo>
-                  <a:pt x="340" y="2487"/>
-                </a:lnTo>
-                <a:lnTo>
-                  <a:pt x="320" y="2464"/>
-                </a:lnTo>
-                <a:lnTo>
-                  <a:pt x="297" y="2444"/>
-                </a:lnTo>
-                <a:lnTo>
-                  <a:pt x="272" y="2425"/>
-                </a:lnTo>
-                <a:lnTo>
-                  <a:pt x="247" y="2406"/>
-                </a:lnTo>
-                <a:lnTo>
-                  <a:pt x="222" y="2387"/>
-                </a:lnTo>
-                <a:lnTo>
-                  <a:pt x="198" y="2368"/>
-                </a:lnTo>
-                <a:lnTo>
-                  <a:pt x="175" y="2347"/>
-                </a:lnTo>
-                <a:lnTo>
-                  <a:pt x="155" y="2326"/>
-                </a:lnTo>
-                <a:lnTo>
-                  <a:pt x="138" y="2302"/>
-                </a:lnTo>
-                <a:lnTo>
-                  <a:pt x="125" y="2277"/>
-                </a:lnTo>
-                <a:lnTo>
-                  <a:pt x="116" y="2247"/>
-                </a:lnTo>
-                <a:lnTo>
-                  <a:pt x="112" y="2216"/>
-                </a:lnTo>
-                <a:lnTo>
-                  <a:pt x="111" y="2184"/>
-                </a:lnTo>
-                <a:lnTo>
-                  <a:pt x="114" y="2150"/>
-                </a:lnTo>
-                <a:lnTo>
-                  <a:pt x="118" y="2116"/>
-                </a:lnTo>
-                <a:lnTo>
-                  <a:pt x="123" y="2082"/>
-                </a:lnTo>
-                <a:lnTo>
-                  <a:pt x="127" y="2048"/>
-                </a:lnTo>
-                <a:lnTo>
-                  <a:pt x="129" y="2014"/>
-                </a:lnTo>
-                <a:lnTo>
-                  <a:pt x="129" y="1981"/>
-                </a:lnTo>
-                <a:lnTo>
-                  <a:pt x="125" y="1950"/>
-                </a:lnTo>
-                <a:lnTo>
-                  <a:pt x="117" y="1919"/>
-                </a:lnTo>
-                <a:lnTo>
-                  <a:pt x="105" y="1890"/>
-                </a:lnTo>
-                <a:lnTo>
-                  <a:pt x="90" y="1860"/>
-                </a:lnTo>
-                <a:lnTo>
-                  <a:pt x="73" y="1830"/>
-                </a:lnTo>
-                <a:lnTo>
-                  <a:pt x="55" y="1800"/>
-                </a:lnTo>
-                <a:lnTo>
-                  <a:pt x="38" y="1771"/>
-                </a:lnTo>
-                <a:lnTo>
-                  <a:pt x="23" y="1740"/>
-                </a:lnTo>
-                <a:lnTo>
-                  <a:pt x="11" y="1710"/>
-                </a:lnTo>
-                <a:lnTo>
-                  <a:pt x="3" y="1679"/>
-                </a:lnTo>
-                <a:lnTo>
-                  <a:pt x="0" y="1647"/>
-                </a:lnTo>
-                <a:lnTo>
-                  <a:pt x="3" y="1615"/>
-                </a:lnTo>
-                <a:lnTo>
-                  <a:pt x="11" y="1584"/>
-                </a:lnTo>
-                <a:lnTo>
-                  <a:pt x="23" y="1554"/>
-                </a:lnTo>
-                <a:lnTo>
-                  <a:pt x="38" y="1523"/>
-                </a:lnTo>
-                <a:lnTo>
-                  <a:pt x="55" y="1494"/>
-                </a:lnTo>
-                <a:lnTo>
-                  <a:pt x="73" y="1464"/>
-                </a:lnTo>
-                <a:lnTo>
-                  <a:pt x="90" y="1434"/>
-                </a:lnTo>
-                <a:lnTo>
-                  <a:pt x="105" y="1404"/>
-                </a:lnTo>
-                <a:lnTo>
-                  <a:pt x="117" y="1375"/>
-                </a:lnTo>
-                <a:lnTo>
-                  <a:pt x="125" y="1344"/>
-                </a:lnTo>
-                <a:lnTo>
-                  <a:pt x="129" y="1313"/>
-                </a:lnTo>
-                <a:lnTo>
-                  <a:pt x="129" y="1280"/>
-                </a:lnTo>
-                <a:lnTo>
-                  <a:pt x="127" y="1246"/>
-                </a:lnTo>
-                <a:lnTo>
-                  <a:pt x="123" y="1212"/>
-                </a:lnTo>
-                <a:lnTo>
-                  <a:pt x="118" y="1178"/>
-                </a:lnTo>
-                <a:lnTo>
-                  <a:pt x="114" y="1144"/>
-                </a:lnTo>
-                <a:lnTo>
-                  <a:pt x="111" y="1110"/>
-                </a:lnTo>
-                <a:lnTo>
-                  <a:pt x="112" y="1078"/>
-                </a:lnTo>
-                <a:lnTo>
-                  <a:pt x="116" y="1047"/>
-                </a:lnTo>
-                <a:lnTo>
-                  <a:pt x="125" y="1017"/>
-                </a:lnTo>
-                <a:lnTo>
-                  <a:pt x="138" y="992"/>
-                </a:lnTo>
-                <a:lnTo>
-                  <a:pt x="155" y="968"/>
-                </a:lnTo>
-                <a:lnTo>
-                  <a:pt x="175" y="947"/>
-                </a:lnTo>
-                <a:lnTo>
-                  <a:pt x="198" y="926"/>
-                </a:lnTo>
-                <a:lnTo>
-                  <a:pt x="222" y="907"/>
-                </a:lnTo>
-                <a:lnTo>
-                  <a:pt x="247" y="888"/>
-                </a:lnTo>
-                <a:lnTo>
-                  <a:pt x="272" y="869"/>
-                </a:lnTo>
-                <a:lnTo>
-                  <a:pt x="297" y="850"/>
-                </a:lnTo>
-                <a:lnTo>
-                  <a:pt x="320" y="830"/>
-                </a:lnTo>
-                <a:lnTo>
-                  <a:pt x="340" y="807"/>
-                </a:lnTo>
-                <a:lnTo>
-                  <a:pt x="358" y="785"/>
-                </a:lnTo>
-                <a:lnTo>
-                  <a:pt x="372" y="760"/>
-                </a:lnTo>
-                <a:lnTo>
-                  <a:pt x="384" y="733"/>
-                </a:lnTo>
-                <a:lnTo>
-                  <a:pt x="394" y="704"/>
-                </a:lnTo>
-                <a:lnTo>
-                  <a:pt x="403" y="674"/>
-                </a:lnTo>
-                <a:lnTo>
-                  <a:pt x="411" y="644"/>
-                </a:lnTo>
-                <a:lnTo>
-                  <a:pt x="419" y="613"/>
-                </a:lnTo>
-                <a:lnTo>
-                  <a:pt x="428" y="584"/>
-                </a:lnTo>
-                <a:lnTo>
-                  <a:pt x="438" y="555"/>
-                </a:lnTo>
-                <a:lnTo>
-                  <a:pt x="450" y="528"/>
-                </a:lnTo>
-                <a:lnTo>
-                  <a:pt x="465" y="504"/>
-                </a:lnTo>
-                <a:lnTo>
-                  <a:pt x="483" y="482"/>
-                </a:lnTo>
-                <a:lnTo>
-                  <a:pt x="505" y="464"/>
-                </a:lnTo>
-                <a:lnTo>
-                  <a:pt x="529" y="449"/>
-                </a:lnTo>
-                <a:lnTo>
-                  <a:pt x="556" y="437"/>
-                </a:lnTo>
-                <a:lnTo>
-                  <a:pt x="585" y="427"/>
-                </a:lnTo>
-                <a:lnTo>
-                  <a:pt x="614" y="418"/>
-                </a:lnTo>
-                <a:lnTo>
-                  <a:pt x="645" y="410"/>
-                </a:lnTo>
-                <a:lnTo>
-                  <a:pt x="675" y="402"/>
-                </a:lnTo>
-                <a:lnTo>
-                  <a:pt x="705" y="393"/>
-                </a:lnTo>
-                <a:lnTo>
-                  <a:pt x="734" y="383"/>
-                </a:lnTo>
-                <a:lnTo>
-                  <a:pt x="761" y="371"/>
-                </a:lnTo>
-                <a:lnTo>
-                  <a:pt x="786" y="357"/>
-                </a:lnTo>
-                <a:lnTo>
-                  <a:pt x="808" y="339"/>
-                </a:lnTo>
-                <a:lnTo>
-                  <a:pt x="831" y="319"/>
-                </a:lnTo>
-                <a:lnTo>
-                  <a:pt x="851" y="296"/>
-                </a:lnTo>
-                <a:lnTo>
-                  <a:pt x="870" y="272"/>
-                </a:lnTo>
-                <a:lnTo>
-                  <a:pt x="889" y="247"/>
-                </a:lnTo>
-                <a:lnTo>
-                  <a:pt x="908" y="222"/>
-                </a:lnTo>
-                <a:lnTo>
-                  <a:pt x="927" y="198"/>
-                </a:lnTo>
-                <a:lnTo>
-                  <a:pt x="948" y="175"/>
-                </a:lnTo>
-                <a:lnTo>
-                  <a:pt x="969" y="155"/>
-                </a:lnTo>
-                <a:lnTo>
-                  <a:pt x="993" y="138"/>
-                </a:lnTo>
-                <a:lnTo>
-                  <a:pt x="1018" y="125"/>
-                </a:lnTo>
-                <a:lnTo>
-                  <a:pt x="1048" y="116"/>
-                </a:lnTo>
-                <a:lnTo>
-                  <a:pt x="1079" y="112"/>
-                </a:lnTo>
-                <a:lnTo>
-                  <a:pt x="1111" y="111"/>
-                </a:lnTo>
-                <a:lnTo>
-                  <a:pt x="1145" y="114"/>
-                </a:lnTo>
-                <a:lnTo>
-                  <a:pt x="1179" y="118"/>
-                </a:lnTo>
-                <a:lnTo>
-                  <a:pt x="1213" y="123"/>
-                </a:lnTo>
-                <a:lnTo>
-                  <a:pt x="1247" y="127"/>
-                </a:lnTo>
-                <a:lnTo>
-                  <a:pt x="1281" y="129"/>
-                </a:lnTo>
-                <a:lnTo>
-                  <a:pt x="1314" y="129"/>
-                </a:lnTo>
-                <a:lnTo>
-                  <a:pt x="1345" y="125"/>
-                </a:lnTo>
-                <a:lnTo>
-                  <a:pt x="1376" y="117"/>
-                </a:lnTo>
-                <a:lnTo>
-                  <a:pt x="1406" y="105"/>
-                </a:lnTo>
-                <a:lnTo>
-                  <a:pt x="1436" y="89"/>
-                </a:lnTo>
-                <a:lnTo>
-                  <a:pt x="1466" y="73"/>
-                </a:lnTo>
-                <a:lnTo>
-                  <a:pt x="1496" y="55"/>
-                </a:lnTo>
-                <a:lnTo>
-                  <a:pt x="1525" y="38"/>
-                </a:lnTo>
-                <a:lnTo>
-                  <a:pt x="1556" y="23"/>
-                </a:lnTo>
-                <a:lnTo>
-                  <a:pt x="1586" y="11"/>
-                </a:lnTo>
-                <a:lnTo>
-                  <a:pt x="1617" y="3"/>
-                </a:lnTo>
-                <a:lnTo>
-                  <a:pt x="1649" y="0"/>
-                </a:lnTo>
-                <a:close/>
-              </a:path>
-            </a:pathLst>
-          </a:custGeom>
-          <a:solidFill>
-            <a:schemeClr val="bg2"/>
-          </a:solidFill>
-          <a:ln w="0">
-            <a:noFill/>
-            <a:prstDash val="solid"/>
-            <a:round/>
-            <a:headEnd/>
-            <a:tailEnd/>
-          </a:ln>
-        </p:spPr>
-      </p:sp>
-      <p:sp>
-        <p:nvSpPr>
-          <p:cNvPr id="12" name="Rechteck 11">
-            <a:extLst>
-              <a:ext uri="{FF2B5EF4-FFF2-40B4-BE49-F238E27FC236}">
-                <a16:creationId xmlns:a16="http://schemas.microsoft.com/office/drawing/2014/main" id="{6F1BF92E-23CF-4BFE-9E1F-C359BACFA3C5}"/>
-              </a:ext>
-              <a:ext uri="{C183D7F6-B498-43B3-948B-1728B52AA6E4}">
-                <adec:decorative xmlns:adec="http://schemas.microsoft.com/office/drawing/2017/decorative" val="1"/>
-              </a:ext>
-            </a:extLst>
-          </p:cNvPr>
-          <p:cNvSpPr>
-            <a:spLocks noGrp="1" noRot="1" noChangeAspect="1" noMove="1" noResize="1" noEditPoints="1" noAdjustHandles="1" noChangeArrowheads="1" noChangeShapeType="1" noTextEdit="1"/>
-          </p:cNvSpPr>
-          <p:nvPr>
-            <p:extLst>
-              <p:ext uri="{386F3935-93C4-4BCD-93E2-E3B085C9AB24}">
-                <p16:designElem xmlns:p16="http://schemas.microsoft.com/office/powerpoint/2015/main" val="1"/>
-              </p:ext>
-            </p:extLst>
-          </p:nvPr>
-        </p:nvSpPr>
-        <p:spPr>
-          <a:xfrm>
-            <a:off x="0" y="0"/>
-            <a:ext cx="283464" cy="6858000"/>
-          </a:xfrm>
-          <a:prstGeom prst="rect">
-            <a:avLst/>
-          </a:prstGeom>
-          <a:solidFill>
-            <a:schemeClr val="tx2"/>
-          </a:solidFill>
-          <a:ln>
-            <a:noFill/>
-          </a:ln>
-        </p:spPr>
-        <p:style>
-          <a:lnRef idx="2">
-            <a:schemeClr val="accent1">
-              <a:shade val="50000"/>
-            </a:schemeClr>
-          </a:lnRef>
-          <a:fillRef idx="1">
-            <a:schemeClr val="accent1"/>
-          </a:fillRef>
-          <a:effectRef idx="0">
-            <a:schemeClr val="accent1"/>
-          </a:effectRef>
-          <a:fontRef idx="minor">
-            <a:schemeClr val="lt1"/>
-          </a:fontRef>
-        </p:style>
-      </p:sp>
-      <p:sp useBgFill="1">
-        <p:nvSpPr>
-          <p:cNvPr id="14" name="Rechteck 13">
-            <a:extLst>
-              <a:ext uri="{FF2B5EF4-FFF2-40B4-BE49-F238E27FC236}">
-                <a16:creationId xmlns:a16="http://schemas.microsoft.com/office/drawing/2014/main" id="{B89090F2-B101-458B-9AFF-27327443BB09}"/>
-              </a:ext>
-              <a:ext uri="{C183D7F6-B498-43B3-948B-1728B52AA6E4}">
-                <adec:decorative xmlns:adec="http://schemas.microsoft.com/office/drawing/2017/decorative" val="1"/>
-              </a:ext>
-            </a:extLst>
-          </p:cNvPr>
-          <p:cNvSpPr>
-            <a:spLocks noGrp="1" noRot="1" noChangeAspect="1" noMove="1" noResize="1" noEditPoints="1" noAdjustHandles="1" noChangeArrowheads="1" noChangeShapeType="1" noTextEdit="1"/>
-          </p:cNvSpPr>
-          <p:nvPr>
-            <p:extLst>
-              <p:ext uri="{386F3935-93C4-4BCD-93E2-E3B085C9AB24}">
-                <p16:designElem xmlns:p16="http://schemas.microsoft.com/office/powerpoint/2015/main" val="1"/>
-              </p:ext>
-            </p:extLst>
-          </p:nvPr>
-        </p:nvSpPr>
-        <p:spPr bwMode="white">
-          <a:xfrm>
-            <a:off x="0" y="0"/>
-            <a:ext cx="12192000" cy="6858000"/>
-          </a:xfrm>
-          <a:prstGeom prst="rect">
-            <a:avLst/>
-          </a:prstGeom>
-          <a:ln>
-            <a:noFill/>
-          </a:ln>
-        </p:spPr>
-        <p:style>
-          <a:lnRef idx="2">
-            <a:schemeClr val="accent1">
-              <a:shade val="50000"/>
-            </a:schemeClr>
-          </a:lnRef>
-          <a:fillRef idx="1">
-            <a:schemeClr val="accent1"/>
-          </a:fillRef>
-          <a:effectRef idx="0">
-            <a:schemeClr val="accent1"/>
-          </a:effectRef>
-          <a:fontRef idx="minor">
-            <a:schemeClr val="lt1"/>
-          </a:fontRef>
-        </p:style>
-        <p:txBody>
-          <a:bodyPr rot="0" spcFirstLastPara="0" vert="horz" wrap="square" lIns="91440" tIns="45720" rIns="91440" bIns="45720" numCol="1" spcCol="0" rtlCol="0" fromWordArt="0" anchor="ctr" anchorCtr="0" forceAA="0" compatLnSpc="1">
-            <a:prstTxWarp prst="textNoShape">
-              <a:avLst/>
-            </a:prstTxWarp>
-            <a:noAutofit/>
-          </a:bodyPr>
-          <a:lstStyle>
-            <a:defPPr>
-              <a:defRPr lang="en-US"/>
-            </a:defPPr>
-            <a:lvl1pPr marL="0" algn="l" defTabSz="914400" rtl="0" eaLnBrk="1" latinLnBrk="0" hangingPunct="1">
-              <a:defRPr sz="1800" kern="1200">
-                <a:solidFill>
-                  <a:schemeClr val="lt1"/>
-                </a:solidFill>
-                <a:latin typeface="+mn-lt"/>
-                <a:ea typeface="+mn-ea"/>
-                <a:cs typeface="+mn-cs"/>
-              </a:defRPr>
-            </a:lvl1pPr>
-            <a:lvl2pPr marL="457200" algn="l" defTabSz="914400" rtl="0" eaLnBrk="1" latinLnBrk="0" hangingPunct="1">
-              <a:defRPr sz="1800" kern="1200">
-                <a:solidFill>
-                  <a:schemeClr val="lt1"/>
-                </a:solidFill>
-                <a:latin typeface="+mn-lt"/>
-                <a:ea typeface="+mn-ea"/>
-                <a:cs typeface="+mn-cs"/>
-              </a:defRPr>
-            </a:lvl2pPr>
-            <a:lvl3pPr marL="914400" algn="l" defTabSz="914400" rtl="0" eaLnBrk="1" latinLnBrk="0" hangingPunct="1">
-              <a:defRPr sz="1800" kern="1200">
-                <a:solidFill>
-                  <a:schemeClr val="lt1"/>
-                </a:solidFill>
-                <a:latin typeface="+mn-lt"/>
-                <a:ea typeface="+mn-ea"/>
-                <a:cs typeface="+mn-cs"/>
-              </a:defRPr>
-            </a:lvl3pPr>
-            <a:lvl4pPr marL="1371600" algn="l" defTabSz="914400" rtl="0" eaLnBrk="1" latinLnBrk="0" hangingPunct="1">
-              <a:defRPr sz="1800" kern="1200">
-                <a:solidFill>
-                  <a:schemeClr val="lt1"/>
-                </a:solidFill>
-                <a:latin typeface="+mn-lt"/>
-                <a:ea typeface="+mn-ea"/>
-                <a:cs typeface="+mn-cs"/>
-              </a:defRPr>
-            </a:lvl4pPr>
-            <a:lvl5pPr marL="1828800" algn="l" defTabSz="914400" rtl="0" eaLnBrk="1" latinLnBrk="0" hangingPunct="1">
-              <a:defRPr sz="1800" kern="1200">
-                <a:solidFill>
-                  <a:schemeClr val="lt1"/>
-                </a:solidFill>
-                <a:latin typeface="+mn-lt"/>
-                <a:ea typeface="+mn-ea"/>
-                <a:cs typeface="+mn-cs"/>
-              </a:defRPr>
-            </a:lvl5pPr>
-            <a:lvl6pPr marL="2286000" algn="l" defTabSz="914400" rtl="0" eaLnBrk="1" latinLnBrk="0" hangingPunct="1">
-              <a:defRPr sz="1800" kern="1200">
-                <a:solidFill>
-                  <a:schemeClr val="lt1"/>
-                </a:solidFill>
-                <a:latin typeface="+mn-lt"/>
-                <a:ea typeface="+mn-ea"/>
-                <a:cs typeface="+mn-cs"/>
-              </a:defRPr>
-            </a:lvl6pPr>
-            <a:lvl7pPr marL="2743200" algn="l" defTabSz="914400" rtl="0" eaLnBrk="1" latinLnBrk="0" hangingPunct="1">
-              <a:defRPr sz="1800" kern="1200">
-                <a:solidFill>
-                  <a:schemeClr val="lt1"/>
-                </a:solidFill>
-                <a:latin typeface="+mn-lt"/>
-                <a:ea typeface="+mn-ea"/>
-                <a:cs typeface="+mn-cs"/>
-              </a:defRPr>
-            </a:lvl7pPr>
-            <a:lvl8pPr marL="3200400" algn="l" defTabSz="914400" rtl="0" eaLnBrk="1" latinLnBrk="0" hangingPunct="1">
-              <a:defRPr sz="1800" kern="1200">
-                <a:solidFill>
-                  <a:schemeClr val="lt1"/>
-                </a:solidFill>
-                <a:latin typeface="+mn-lt"/>
-                <a:ea typeface="+mn-ea"/>
-                <a:cs typeface="+mn-cs"/>
-              </a:defRPr>
-            </a:lvl8pPr>
-            <a:lvl9pPr marL="3657600" algn="l" defTabSz="914400" rtl="0" eaLnBrk="1" latinLnBrk="0" hangingPunct="1">
-              <a:defRPr sz="1800" kern="1200">
-                <a:solidFill>
-                  <a:schemeClr val="lt1"/>
-                </a:solidFill>
-                <a:latin typeface="+mn-lt"/>
-                <a:ea typeface="+mn-ea"/>
-                <a:cs typeface="+mn-cs"/>
-              </a:defRPr>
-            </a:lvl9pPr>
-          </a:lstStyle>
-          <a:p>
-            <a:pPr algn="ctr" rtl="0"/>
-            <a:endParaRPr lang="de-DE"/>
-          </a:p>
-        </p:txBody>
-      </p:sp>
-      <p:sp>
-        <p:nvSpPr>
-          <p:cNvPr id="16" name="Freihandform 6">
-            <a:extLst>
-              <a:ext uri="{FF2B5EF4-FFF2-40B4-BE49-F238E27FC236}">
-                <a16:creationId xmlns:a16="http://schemas.microsoft.com/office/drawing/2014/main" id="{526C103B-17BD-4B48-AB6F-0D9EF826AAC4}"/>
-              </a:ext>
-              <a:ext uri="{C183D7F6-B498-43B3-948B-1728B52AA6E4}">
-                <adec:decorative xmlns:adec="http://schemas.microsoft.com/office/drawing/2017/decorative" val="1"/>
-              </a:ext>
-            </a:extLst>
-          </p:cNvPr>
-          <p:cNvSpPr>
-            <a:spLocks noGrp="1" noRot="1" noChangeAspect="1" noMove="1" noResize="1" noEditPoints="1" noAdjustHandles="1" noChangeArrowheads="1" noChangeShapeType="1" noTextEdit="1"/>
-          </p:cNvSpPr>
-          <p:nvPr>
-            <p:extLst>
-              <p:ext uri="{386F3935-93C4-4BCD-93E2-E3B085C9AB24}">
-                <p16:designElem xmlns:p16="http://schemas.microsoft.com/office/powerpoint/2015/main" val="1"/>
-              </p:ext>
-            </p:extLst>
-          </p:nvPr>
-        </p:nvSpPr>
-        <p:spPr bwMode="auto">
-          <a:xfrm>
-            <a:off x="0" y="0"/>
-            <a:ext cx="885825" cy="6858000"/>
-          </a:xfrm>
-          <a:custGeom>
-            <a:avLst/>
-            <a:gdLst/>
-            <a:ahLst/>
-            <a:cxnLst/>
-            <a:rect l="0" t="0" r="r" b="b"/>
-            <a:pathLst>
-              <a:path w="558" h="4320">
-                <a:moveTo>
-                  <a:pt x="0" y="0"/>
-                </a:moveTo>
-                <a:lnTo>
-                  <a:pt x="447" y="0"/>
-                </a:lnTo>
-                <a:lnTo>
-                  <a:pt x="448" y="43"/>
-                </a:lnTo>
-                <a:lnTo>
-                  <a:pt x="453" y="81"/>
-                </a:lnTo>
-                <a:lnTo>
-                  <a:pt x="460" y="114"/>
-                </a:lnTo>
-                <a:lnTo>
-                  <a:pt x="469" y="143"/>
-                </a:lnTo>
-                <a:lnTo>
-                  <a:pt x="479" y="169"/>
-                </a:lnTo>
-                <a:lnTo>
-                  <a:pt x="491" y="192"/>
-                </a:lnTo>
-                <a:lnTo>
-                  <a:pt x="503" y="216"/>
-                </a:lnTo>
-                <a:lnTo>
-                  <a:pt x="515" y="240"/>
-                </a:lnTo>
-                <a:lnTo>
-                  <a:pt x="525" y="263"/>
-                </a:lnTo>
-                <a:lnTo>
-                  <a:pt x="535" y="289"/>
-                </a:lnTo>
-                <a:lnTo>
-                  <a:pt x="545" y="318"/>
-                </a:lnTo>
-                <a:lnTo>
-                  <a:pt x="552" y="351"/>
-                </a:lnTo>
-                <a:lnTo>
-                  <a:pt x="556" y="389"/>
-                </a:lnTo>
-                <a:lnTo>
-                  <a:pt x="558" y="432"/>
-                </a:lnTo>
-                <a:lnTo>
-                  <a:pt x="556" y="475"/>
-                </a:lnTo>
-                <a:lnTo>
-                  <a:pt x="552" y="513"/>
-                </a:lnTo>
-                <a:lnTo>
-                  <a:pt x="545" y="546"/>
-                </a:lnTo>
-                <a:lnTo>
-                  <a:pt x="535" y="575"/>
-                </a:lnTo>
-                <a:lnTo>
-                  <a:pt x="525" y="601"/>
-                </a:lnTo>
-                <a:lnTo>
-                  <a:pt x="515" y="624"/>
-                </a:lnTo>
-                <a:lnTo>
-                  <a:pt x="503" y="648"/>
-                </a:lnTo>
-                <a:lnTo>
-                  <a:pt x="491" y="672"/>
-                </a:lnTo>
-                <a:lnTo>
-                  <a:pt x="479" y="695"/>
-                </a:lnTo>
-                <a:lnTo>
-                  <a:pt x="469" y="721"/>
-                </a:lnTo>
-                <a:lnTo>
-                  <a:pt x="460" y="750"/>
-                </a:lnTo>
-                <a:lnTo>
-                  <a:pt x="453" y="783"/>
-                </a:lnTo>
-                <a:lnTo>
-                  <a:pt x="448" y="821"/>
-                </a:lnTo>
-                <a:lnTo>
-                  <a:pt x="447" y="864"/>
-                </a:lnTo>
-                <a:lnTo>
-                  <a:pt x="448" y="907"/>
-                </a:lnTo>
-                <a:lnTo>
-                  <a:pt x="453" y="945"/>
-                </a:lnTo>
-                <a:lnTo>
-                  <a:pt x="460" y="978"/>
-                </a:lnTo>
-                <a:lnTo>
-                  <a:pt x="469" y="1007"/>
-                </a:lnTo>
-                <a:lnTo>
-                  <a:pt x="479" y="1033"/>
-                </a:lnTo>
-                <a:lnTo>
-                  <a:pt x="491" y="1056"/>
-                </a:lnTo>
-                <a:lnTo>
-                  <a:pt x="503" y="1080"/>
-                </a:lnTo>
-                <a:lnTo>
-                  <a:pt x="515" y="1104"/>
-                </a:lnTo>
-                <a:lnTo>
-                  <a:pt x="525" y="1127"/>
-                </a:lnTo>
-                <a:lnTo>
-                  <a:pt x="535" y="1153"/>
-                </a:lnTo>
-                <a:lnTo>
-                  <a:pt x="545" y="1182"/>
-                </a:lnTo>
-                <a:lnTo>
-                  <a:pt x="552" y="1215"/>
-                </a:lnTo>
-                <a:lnTo>
-                  <a:pt x="556" y="1253"/>
-                </a:lnTo>
-                <a:lnTo>
-                  <a:pt x="558" y="1296"/>
-                </a:lnTo>
-                <a:lnTo>
-                  <a:pt x="556" y="1339"/>
-                </a:lnTo>
-                <a:lnTo>
-                  <a:pt x="552" y="1377"/>
-                </a:lnTo>
-                <a:lnTo>
-                  <a:pt x="545" y="1410"/>
-                </a:lnTo>
-                <a:lnTo>
-                  <a:pt x="535" y="1439"/>
-                </a:lnTo>
-                <a:lnTo>
-                  <a:pt x="525" y="1465"/>
-                </a:lnTo>
-                <a:lnTo>
-                  <a:pt x="515" y="1488"/>
-                </a:lnTo>
-                <a:lnTo>
-                  <a:pt x="503" y="1512"/>
-                </a:lnTo>
-                <a:lnTo>
-                  <a:pt x="491" y="1536"/>
-                </a:lnTo>
-                <a:lnTo>
-                  <a:pt x="479" y="1559"/>
-                </a:lnTo>
-                <a:lnTo>
-                  <a:pt x="469" y="1585"/>
-                </a:lnTo>
-                <a:lnTo>
-                  <a:pt x="460" y="1614"/>
-                </a:lnTo>
-                <a:lnTo>
-                  <a:pt x="453" y="1647"/>
-                </a:lnTo>
-                <a:lnTo>
-                  <a:pt x="448" y="1685"/>
-                </a:lnTo>
-                <a:lnTo>
-                  <a:pt x="447" y="1728"/>
-                </a:lnTo>
-                <a:lnTo>
-                  <a:pt x="448" y="1771"/>
-                </a:lnTo>
-                <a:lnTo>
-                  <a:pt x="453" y="1809"/>
-                </a:lnTo>
-                <a:lnTo>
-                  <a:pt x="460" y="1842"/>
-                </a:lnTo>
-                <a:lnTo>
-                  <a:pt x="469" y="1871"/>
-                </a:lnTo>
-                <a:lnTo>
-                  <a:pt x="479" y="1897"/>
-                </a:lnTo>
-                <a:lnTo>
-                  <a:pt x="491" y="1920"/>
-                </a:lnTo>
-                <a:lnTo>
-                  <a:pt x="503" y="1944"/>
-                </a:lnTo>
-                <a:lnTo>
-                  <a:pt x="515" y="1968"/>
-                </a:lnTo>
-                <a:lnTo>
-                  <a:pt x="525" y="1991"/>
-                </a:lnTo>
-                <a:lnTo>
-                  <a:pt x="535" y="2017"/>
-                </a:lnTo>
-                <a:lnTo>
-                  <a:pt x="545" y="2046"/>
-                </a:lnTo>
-                <a:lnTo>
-                  <a:pt x="552" y="2079"/>
-                </a:lnTo>
-                <a:lnTo>
-                  <a:pt x="556" y="2117"/>
-                </a:lnTo>
-                <a:lnTo>
-                  <a:pt x="558" y="2159"/>
-                </a:lnTo>
-                <a:lnTo>
-                  <a:pt x="556" y="2203"/>
-                </a:lnTo>
-                <a:lnTo>
-                  <a:pt x="552" y="2241"/>
-                </a:lnTo>
-                <a:lnTo>
-                  <a:pt x="545" y="2274"/>
-                </a:lnTo>
-                <a:lnTo>
-                  <a:pt x="535" y="2303"/>
-                </a:lnTo>
-                <a:lnTo>
-                  <a:pt x="525" y="2329"/>
-                </a:lnTo>
-                <a:lnTo>
-                  <a:pt x="515" y="2352"/>
-                </a:lnTo>
-                <a:lnTo>
-                  <a:pt x="503" y="2376"/>
-                </a:lnTo>
-                <a:lnTo>
-                  <a:pt x="491" y="2400"/>
-                </a:lnTo>
-                <a:lnTo>
-                  <a:pt x="479" y="2423"/>
-                </a:lnTo>
-                <a:lnTo>
-                  <a:pt x="469" y="2449"/>
-                </a:lnTo>
-                <a:lnTo>
-                  <a:pt x="460" y="2478"/>
-                </a:lnTo>
-                <a:lnTo>
-                  <a:pt x="453" y="2511"/>
-                </a:lnTo>
-                <a:lnTo>
-                  <a:pt x="448" y="2549"/>
-                </a:lnTo>
-                <a:lnTo>
-                  <a:pt x="447" y="2592"/>
-                </a:lnTo>
-                <a:lnTo>
-                  <a:pt x="448" y="2635"/>
-                </a:lnTo>
-                <a:lnTo>
-                  <a:pt x="453" y="2673"/>
-                </a:lnTo>
-                <a:lnTo>
-                  <a:pt x="460" y="2706"/>
-                </a:lnTo>
-                <a:lnTo>
-                  <a:pt x="469" y="2735"/>
-                </a:lnTo>
-                <a:lnTo>
-                  <a:pt x="479" y="2761"/>
-                </a:lnTo>
-                <a:lnTo>
-                  <a:pt x="491" y="2784"/>
-                </a:lnTo>
-                <a:lnTo>
-                  <a:pt x="515" y="2832"/>
-                </a:lnTo>
-                <a:lnTo>
-                  <a:pt x="525" y="2855"/>
-                </a:lnTo>
-                <a:lnTo>
-                  <a:pt x="535" y="2881"/>
-                </a:lnTo>
-                <a:lnTo>
-                  <a:pt x="545" y="2910"/>
-                </a:lnTo>
-                <a:lnTo>
-                  <a:pt x="552" y="2943"/>
-                </a:lnTo>
-                <a:lnTo>
-                  <a:pt x="556" y="2981"/>
-                </a:lnTo>
-                <a:lnTo>
-                  <a:pt x="558" y="3024"/>
-                </a:lnTo>
-                <a:lnTo>
-                  <a:pt x="556" y="3067"/>
-                </a:lnTo>
-                <a:lnTo>
-                  <a:pt x="552" y="3105"/>
-                </a:lnTo>
-                <a:lnTo>
-                  <a:pt x="545" y="3138"/>
-                </a:lnTo>
-                <a:lnTo>
-                  <a:pt x="535" y="3167"/>
-                </a:lnTo>
-                <a:lnTo>
-                  <a:pt x="525" y="3193"/>
-                </a:lnTo>
-                <a:lnTo>
-                  <a:pt x="515" y="3216"/>
-                </a:lnTo>
-                <a:lnTo>
-                  <a:pt x="503" y="3240"/>
-                </a:lnTo>
-                <a:lnTo>
-                  <a:pt x="491" y="3264"/>
-                </a:lnTo>
-                <a:lnTo>
-                  <a:pt x="479" y="3287"/>
-                </a:lnTo>
-                <a:lnTo>
-                  <a:pt x="469" y="3313"/>
-                </a:lnTo>
-                <a:lnTo>
-                  <a:pt x="460" y="3342"/>
-                </a:lnTo>
-                <a:lnTo>
-                  <a:pt x="453" y="3375"/>
-                </a:lnTo>
-                <a:lnTo>
-                  <a:pt x="448" y="3413"/>
-                </a:lnTo>
-                <a:lnTo>
-                  <a:pt x="447" y="3456"/>
-                </a:lnTo>
-                <a:lnTo>
-                  <a:pt x="448" y="3499"/>
-                </a:lnTo>
-                <a:lnTo>
-                  <a:pt x="453" y="3537"/>
-                </a:lnTo>
-                <a:lnTo>
-                  <a:pt x="460" y="3570"/>
-                </a:lnTo>
-                <a:lnTo>
-                  <a:pt x="469" y="3599"/>
-                </a:lnTo>
-                <a:lnTo>
-                  <a:pt x="479" y="3625"/>
-                </a:lnTo>
-                <a:lnTo>
-                  <a:pt x="491" y="3648"/>
-                </a:lnTo>
-                <a:lnTo>
-                  <a:pt x="503" y="3672"/>
-                </a:lnTo>
-                <a:lnTo>
-                  <a:pt x="515" y="3696"/>
-                </a:lnTo>
-                <a:lnTo>
-                  <a:pt x="525" y="3719"/>
-                </a:lnTo>
-                <a:lnTo>
-                  <a:pt x="535" y="3745"/>
-                </a:lnTo>
-                <a:lnTo>
-                  <a:pt x="545" y="3774"/>
-                </a:lnTo>
-                <a:lnTo>
-                  <a:pt x="552" y="3807"/>
-                </a:lnTo>
-                <a:lnTo>
-                  <a:pt x="556" y="3845"/>
-                </a:lnTo>
-                <a:lnTo>
-                  <a:pt x="558" y="3888"/>
-                </a:lnTo>
-                <a:lnTo>
-                  <a:pt x="556" y="3931"/>
-                </a:lnTo>
-                <a:lnTo>
-                  <a:pt x="552" y="3969"/>
-                </a:lnTo>
-                <a:lnTo>
-                  <a:pt x="545" y="4002"/>
-                </a:lnTo>
-                <a:lnTo>
-                  <a:pt x="535" y="4031"/>
-                </a:lnTo>
-                <a:lnTo>
-                  <a:pt x="525" y="4057"/>
-                </a:lnTo>
-                <a:lnTo>
-                  <a:pt x="515" y="4080"/>
-                </a:lnTo>
-                <a:lnTo>
-                  <a:pt x="503" y="4104"/>
-                </a:lnTo>
-                <a:lnTo>
-                  <a:pt x="491" y="4128"/>
-                </a:lnTo>
-                <a:lnTo>
-                  <a:pt x="479" y="4151"/>
-                </a:lnTo>
-                <a:lnTo>
-                  <a:pt x="469" y="4177"/>
-                </a:lnTo>
-                <a:lnTo>
-                  <a:pt x="460" y="4206"/>
-                </a:lnTo>
-                <a:lnTo>
-                  <a:pt x="453" y="4239"/>
-                </a:lnTo>
-                <a:lnTo>
-                  <a:pt x="448" y="4277"/>
-                </a:lnTo>
-                <a:lnTo>
-                  <a:pt x="447" y="4320"/>
-                </a:lnTo>
-                <a:lnTo>
-                  <a:pt x="0" y="4320"/>
-                </a:lnTo>
-                <a:lnTo>
-                  <a:pt x="0" y="0"/>
-                </a:lnTo>
-                <a:close/>
-              </a:path>
-            </a:pathLst>
-          </a:custGeom>
-          <a:solidFill>
-            <a:schemeClr val="tx2"/>
-          </a:solidFill>
-          <a:ln w="0">
-            <a:noFill/>
-            <a:prstDash val="solid"/>
-            <a:round/>
-            <a:headEnd/>
-            <a:tailEnd/>
-          </a:ln>
-        </p:spPr>
-      </p:sp>
-      <p:pic>
-        <p:nvPicPr>
-          <p:cNvPr id="7" name="Grafik 6" descr="Fragezeichen">
-            <a:extLst>
-              <a:ext uri="{FF2B5EF4-FFF2-40B4-BE49-F238E27FC236}">
-                <a16:creationId xmlns:a16="http://schemas.microsoft.com/office/drawing/2014/main" id="{ACAAF5D7-299C-47E0-BF58-5B55CABE4EA9}"/>
-              </a:ext>
-            </a:extLst>
-          </p:cNvPr>
-          <p:cNvPicPr>
-            <a:picLocks noChangeAspect="1"/>
-          </p:cNvPicPr>
-          <p:nvPr/>
-        </p:nvPicPr>
-        <p:blipFill>
-          <a:blip r:embed="rId3">
-            <a:extLst>
-              <a:ext uri="{28A0092B-C50C-407E-A947-70E740481C1C}">
-                <a14:useLocalDpi xmlns:a14="http://schemas.microsoft.com/office/drawing/2010/main" val="0"/>
-              </a:ext>
-              <a:ext uri="{96DAC541-7B7A-43D3-8B79-37D633B846F1}">
-                <asvg:svgBlip xmlns:asvg="http://schemas.microsoft.com/office/drawing/2016/SVG/main" r:embed="rId4"/>
-              </a:ext>
-            </a:extLst>
-          </a:blip>
-          <a:stretch>
-            <a:fillRect/>
-          </a:stretch>
-        </p:blipFill>
-        <p:spPr>
-          <a:xfrm>
-            <a:off x="1240971" y="1709603"/>
-            <a:ext cx="3398085" cy="3398085"/>
-          </a:xfrm>
-          <a:prstGeom prst="rect">
-            <a:avLst/>
-          </a:prstGeom>
-        </p:spPr>
-      </p:pic>
-      <p:sp>
-        <p:nvSpPr>
-          <p:cNvPr id="18" name="Rechteck 17">
-            <a:extLst>
-              <a:ext uri="{FF2B5EF4-FFF2-40B4-BE49-F238E27FC236}">
-                <a16:creationId xmlns:a16="http://schemas.microsoft.com/office/drawing/2014/main" id="{E9EC3243-CA25-4485-A7FE-8B0141923844}"/>
-              </a:ext>
-              <a:ext uri="{C183D7F6-B498-43B3-948B-1728B52AA6E4}">
-                <adec:decorative xmlns:adec="http://schemas.microsoft.com/office/drawing/2017/decorative" val="1"/>
-              </a:ext>
-            </a:extLst>
-          </p:cNvPr>
-          <p:cNvSpPr>
-            <a:spLocks noGrp="1" noRot="1" noChangeAspect="1" noMove="1" noResize="1" noEditPoints="1" noAdjustHandles="1" noChangeArrowheads="1" noChangeShapeType="1" noTextEdit="1"/>
-          </p:cNvSpPr>
-          <p:nvPr>
-            <p:extLst>
-              <p:ext uri="{386F3935-93C4-4BCD-93E2-E3B085C9AB24}">
-                <p16:designElem xmlns:p16="http://schemas.microsoft.com/office/powerpoint/2015/main" val="1"/>
-              </p:ext>
-            </p:extLst>
-          </p:nvPr>
-        </p:nvSpPr>
-        <p:spPr>
-          <a:xfrm>
-            <a:off x="11908536" y="0"/>
-            <a:ext cx="283464" cy="6858000"/>
-          </a:xfrm>
-          <a:prstGeom prst="rect">
-            <a:avLst/>
-          </a:prstGeom>
-          <a:solidFill>
-            <a:schemeClr val="accent1"/>
-          </a:solidFill>
-          <a:ln>
-            <a:noFill/>
-          </a:ln>
-        </p:spPr>
-        <p:style>
-          <a:lnRef idx="2">
-            <a:schemeClr val="accent1">
-              <a:shade val="50000"/>
-            </a:schemeClr>
-          </a:lnRef>
-          <a:fillRef idx="1">
-            <a:schemeClr val="accent1"/>
-          </a:fillRef>
-          <a:effectRef idx="0">
-            <a:schemeClr val="accent1"/>
-          </a:effectRef>
-          <a:fontRef idx="minor">
-            <a:schemeClr val="lt1"/>
-          </a:fontRef>
-        </p:style>
-      </p:sp>
-      <p:sp>
-        <p:nvSpPr>
-          <p:cNvPr id="2" name="Titel 1">
-            <a:extLst>
-              <a:ext uri="{FF2B5EF4-FFF2-40B4-BE49-F238E27FC236}">
-                <a16:creationId xmlns:a16="http://schemas.microsoft.com/office/drawing/2014/main" id="{E2BA12E3-E0DD-4573-B106-10742AA3E12D}"/>
-              </a:ext>
-            </a:extLst>
-          </p:cNvPr>
-          <p:cNvSpPr>
-            <a:spLocks noGrp="1"/>
-          </p:cNvSpPr>
-          <p:nvPr>
-            <p:ph type="title"/>
-          </p:nvPr>
-        </p:nvSpPr>
-        <p:spPr>
-          <a:xfrm>
-            <a:off x="4914900" y="1235847"/>
-            <a:ext cx="6548882" cy="3325266"/>
-          </a:xfrm>
-        </p:spPr>
-        <p:txBody>
-          <a:bodyPr vert="horz" lIns="91440" tIns="45720" rIns="91440" bIns="45720" rtlCol="0" anchor="ctr">
-            <a:noAutofit/>
-          </a:bodyPr>
-          <a:lstStyle/>
-          <a:p>
-            <a:pPr algn="ctr" rtl="0"/>
-            <a:r>
-              <a:rPr lang="de-DE" sz="4000" spc="800" dirty="0">
-                <a:latin typeface="Bodoni MT" panose="02070603080606020203" pitchFamily="18" charset="0"/>
-              </a:rPr>
-              <a:t>FRAGEN</a:t>
-            </a:r>
-          </a:p>
-        </p:txBody>
-      </p:sp>
-    </p:spTree>
-    <p:extLst>
-      <p:ext uri="{BB962C8B-B14F-4D97-AF65-F5344CB8AC3E}">
-        <p14:creationId xmlns:p14="http://schemas.microsoft.com/office/powerpoint/2010/main" val="1630570103"/>
-      </p:ext>
-    </p:extLst>
-  </p:cSld>
-  <p:clrMapOvr>
-    <a:masterClrMapping/>
-  </p:clrMapOvr>
-</p:sld>
-</file>
-
-<file path=ppt/slides/slide11.xml><?xml version="1.0" encoding="utf-8"?>
-<p:sld xmlns:a="http://schemas.openxmlformats.org/drawingml/2006/main" xmlns:r="http://schemas.openxmlformats.org/officeDocument/2006/relationships" xmlns:p="http://schemas.openxmlformats.org/presentationml/2006/main">
-  <p:cSld>
-    <p:spTree>
-      <p:nvGrpSpPr>
-        <p:cNvPr id="1" name=""/>
-        <p:cNvGrpSpPr/>
-        <p:nvPr/>
-      </p:nvGrpSpPr>
-      <p:grpSpPr>
-        <a:xfrm>
-          <a:off x="0" y="0"/>
-          <a:ext cx="0" cy="0"/>
-          <a:chOff x="0" y="0"/>
-          <a:chExt cx="0" cy="0"/>
-        </a:xfrm>
-      </p:grpSpPr>
-      <p:sp>
-        <p:nvSpPr>
-          <p:cNvPr id="6" name="Textfeld 5">
-            <a:extLst>
-              <a:ext uri="{FF2B5EF4-FFF2-40B4-BE49-F238E27FC236}">
-                <a16:creationId xmlns:a16="http://schemas.microsoft.com/office/drawing/2014/main" id="{51CA1257-66A3-465A-A773-E2D1F421929F}"/>
-              </a:ext>
-            </a:extLst>
-          </p:cNvPr>
-          <p:cNvSpPr txBox="1"/>
-          <p:nvPr/>
-        </p:nvSpPr>
-        <p:spPr>
-          <a:xfrm>
-            <a:off x="3513005" y="2360809"/>
-            <a:ext cx="8487104" cy="707886"/>
-          </a:xfrm>
-          <a:prstGeom prst="rect">
-            <a:avLst/>
-          </a:prstGeom>
-          <a:noFill/>
-        </p:spPr>
-        <p:txBody>
-          <a:bodyPr wrap="square" rtlCol="0">
-            <a:spAutoFit/>
-          </a:bodyPr>
-          <a:lstStyle/>
-          <a:p>
-            <a:pPr rtl="0"/>
-            <a:r>
-              <a:rPr lang="de-DE" sz="4000" dirty="0">
-                <a:latin typeface="Bodoni MT" panose="02070603080606020203" pitchFamily="18" charset="0"/>
-              </a:rPr>
-              <a:t>Danke fürs Zuhören</a:t>
-            </a:r>
-            <a:endParaRPr lang="de-DE" sz="900" dirty="0"/>
-          </a:p>
-        </p:txBody>
-      </p:sp>
-    </p:spTree>
-    <p:extLst>
-      <p:ext uri="{BB962C8B-B14F-4D97-AF65-F5344CB8AC3E}">
-        <p14:creationId xmlns:p14="http://schemas.microsoft.com/office/powerpoint/2010/main" val="1059349071"/>
-      </p:ext>
-    </p:extLst>
-  </p:cSld>
-  <p:clrMapOvr>
-    <a:masterClrMapping/>
-  </p:clrMapOvr>
-</p:sld>
-</file>
-
-<file path=ppt/slides/slide2.xml><?xml version="1.0" encoding="utf-8"?>
-<p:sld xmlns:a="http://schemas.openxmlformats.org/drawingml/2006/main" xmlns:r="http://schemas.openxmlformats.org/officeDocument/2006/relationships" xmlns:p="http://schemas.openxmlformats.org/presentationml/2006/main">
-  <p:cSld>
-    <p:spTree>
-      <p:nvGrpSpPr>
-        <p:cNvPr id="1" name=""/>
-        <p:cNvGrpSpPr/>
-        <p:nvPr/>
-      </p:nvGrpSpPr>
-      <p:grpSpPr>
-        <a:xfrm>
-          <a:off x="0" y="0"/>
-          <a:ext cx="0" cy="0"/>
-          <a:chOff x="0" y="0"/>
-          <a:chExt cx="0" cy="0"/>
-        </a:xfrm>
-      </p:grpSpPr>
-      <p:sp>
-        <p:nvSpPr>
-          <p:cNvPr id="2" name="Titel 1">
-            <a:extLst>
-              <a:ext uri="{FF2B5EF4-FFF2-40B4-BE49-F238E27FC236}">
-                <a16:creationId xmlns:a16="http://schemas.microsoft.com/office/drawing/2014/main" id="{EFB0F45A-7CCC-49F3-8070-6478AD6094E6}"/>
-              </a:ext>
-            </a:extLst>
-          </p:cNvPr>
-          <p:cNvSpPr>
-            <a:spLocks noGrp="1"/>
-          </p:cNvSpPr>
-          <p:nvPr>
-            <p:ph type="title"/>
-          </p:nvPr>
-        </p:nvSpPr>
-        <p:spPr>
-          <a:xfrm>
-            <a:off x="1251678" y="413916"/>
-            <a:ext cx="10178322" cy="1492132"/>
-          </a:xfrm>
-        </p:spPr>
-        <p:txBody>
-          <a:bodyPr/>
-          <a:lstStyle/>
-          <a:p>
-            <a:r>
-              <a:rPr lang="de-CH" dirty="0" err="1"/>
-              <a:t>agENDA</a:t>
-            </a:r>
-            <a:endParaRPr lang="de-CH" dirty="0"/>
-          </a:p>
-        </p:txBody>
-      </p:sp>
-      <p:sp>
-        <p:nvSpPr>
-          <p:cNvPr id="3" name="Inhaltsplatzhalter 2">
-            <a:extLst>
-              <a:ext uri="{FF2B5EF4-FFF2-40B4-BE49-F238E27FC236}">
-                <a16:creationId xmlns:a16="http://schemas.microsoft.com/office/drawing/2014/main" id="{742F6E21-6E3E-481C-A494-3221F8274A41}"/>
-              </a:ext>
-            </a:extLst>
-          </p:cNvPr>
-          <p:cNvSpPr>
-            <a:spLocks noGrp="1"/>
-          </p:cNvSpPr>
-          <p:nvPr>
-            <p:ph idx="1"/>
-          </p:nvPr>
-        </p:nvSpPr>
-        <p:spPr/>
-        <p:txBody>
-          <a:bodyPr>
-            <a:normAutofit/>
-          </a:bodyPr>
-          <a:lstStyle/>
-          <a:p>
-            <a:r>
-              <a:rPr lang="de-CH" dirty="0"/>
-              <a:t>Ziel des Projekts</a:t>
-            </a:r>
-          </a:p>
-          <a:p>
-            <a:r>
-              <a:rPr lang="de-CH" dirty="0"/>
-              <a:t>Methodik / Organisation</a:t>
-            </a:r>
-          </a:p>
-          <a:p>
-            <a:r>
-              <a:rPr lang="de-CH" dirty="0"/>
-              <a:t>Umsetzung</a:t>
-            </a:r>
-          </a:p>
-          <a:p>
-            <a:r>
-              <a:rPr lang="de-CH" dirty="0"/>
-              <a:t>Demo</a:t>
-            </a:r>
-          </a:p>
-          <a:p>
-            <a:r>
-              <a:rPr lang="de-CH" dirty="0"/>
-              <a:t>Resultate</a:t>
-            </a:r>
-          </a:p>
-          <a:p>
-            <a:r>
-              <a:rPr lang="de-CH" dirty="0"/>
-              <a:t>Diskussion der Resultate</a:t>
-            </a:r>
-          </a:p>
-          <a:p>
-            <a:r>
-              <a:rPr lang="de-CH" dirty="0"/>
-              <a:t>Erkenntnisse</a:t>
-            </a:r>
-          </a:p>
-          <a:p>
-            <a:r>
-              <a:rPr lang="de-CH" dirty="0"/>
-              <a:t>Fragen</a:t>
-            </a:r>
-          </a:p>
-        </p:txBody>
-      </p:sp>
-    </p:spTree>
-    <p:extLst>
-      <p:ext uri="{BB962C8B-B14F-4D97-AF65-F5344CB8AC3E}">
-        <p14:creationId xmlns:p14="http://schemas.microsoft.com/office/powerpoint/2010/main" val="3362584694"/>
-      </p:ext>
-    </p:extLst>
-  </p:cSld>
-  <p:clrMapOvr>
-    <a:masterClrMapping/>
-  </p:clrMapOvr>
-</p:sld>
-</file>
-
-<file path=ppt/slides/slide3.xml><?xml version="1.0" encoding="utf-8"?>
-<p:sld xmlns:a="http://schemas.openxmlformats.org/drawingml/2006/main" xmlns:r="http://schemas.openxmlformats.org/officeDocument/2006/relationships" xmlns:p="http://schemas.openxmlformats.org/presentationml/2006/main">
-  <p:cSld>
-    <p:spTree>
-      <p:nvGrpSpPr>
-        <p:cNvPr id="1" name=""/>
-        <p:cNvGrpSpPr/>
-        <p:nvPr/>
-      </p:nvGrpSpPr>
-      <p:grpSpPr>
-        <a:xfrm>
-          <a:off x="0" y="0"/>
-          <a:ext cx="0" cy="0"/>
-          <a:chOff x="0" y="0"/>
-          <a:chExt cx="0" cy="0"/>
-        </a:xfrm>
-      </p:grpSpPr>
-      <p:sp>
-        <p:nvSpPr>
-          <p:cNvPr id="2" name="Titel 1">
-            <a:extLst>
-              <a:ext uri="{FF2B5EF4-FFF2-40B4-BE49-F238E27FC236}">
-                <a16:creationId xmlns:a16="http://schemas.microsoft.com/office/drawing/2014/main" id="{729DD543-30C5-44EB-915D-CCBFFBF7F482}"/>
-              </a:ext>
-            </a:extLst>
-          </p:cNvPr>
-          <p:cNvSpPr>
-            <a:spLocks noGrp="1"/>
-          </p:cNvSpPr>
-          <p:nvPr>
-            <p:ph type="title"/>
-          </p:nvPr>
-        </p:nvSpPr>
-        <p:spPr/>
-        <p:txBody>
-          <a:bodyPr/>
-          <a:lstStyle/>
-          <a:p>
-            <a:r>
-              <a:rPr lang="de-CH" dirty="0"/>
-              <a:t>ZIEL des </a:t>
-            </a:r>
-            <a:r>
-              <a:rPr lang="de-CH" dirty="0" err="1"/>
-              <a:t>projekts</a:t>
-            </a:r>
-            <a:endParaRPr lang="de-CH" dirty="0"/>
-          </a:p>
-        </p:txBody>
-      </p:sp>
-      <p:sp>
-        <p:nvSpPr>
-          <p:cNvPr id="3" name="Inhaltsplatzhalter 2">
-            <a:extLst>
-              <a:ext uri="{FF2B5EF4-FFF2-40B4-BE49-F238E27FC236}">
-                <a16:creationId xmlns:a16="http://schemas.microsoft.com/office/drawing/2014/main" id="{7696C733-AC19-49EF-A7CB-82EEC17E7EC5}"/>
-              </a:ext>
-            </a:extLst>
-          </p:cNvPr>
-          <p:cNvSpPr>
-            <a:spLocks noGrp="1"/>
-          </p:cNvSpPr>
-          <p:nvPr>
-            <p:ph idx="1"/>
-          </p:nvPr>
-        </p:nvSpPr>
-        <p:spPr/>
-        <p:txBody>
-          <a:bodyPr/>
-          <a:lstStyle/>
-          <a:p>
-            <a:r>
-              <a:rPr lang="de-CH" dirty="0"/>
-              <a:t>Vergleich von verschiedenen Modellen zur Vorhersage der Covid-19 Fallzahlen</a:t>
-            </a:r>
-          </a:p>
-          <a:p>
-            <a:r>
-              <a:rPr lang="de-CH" dirty="0"/>
-              <a:t>Pro Modell Mean </a:t>
-            </a:r>
-            <a:r>
-              <a:rPr lang="de-CH" dirty="0" err="1"/>
-              <a:t>Squared</a:t>
-            </a:r>
-            <a:r>
-              <a:rPr lang="de-CH" dirty="0"/>
-              <a:t> Error (MSE), Dauer für Training und </a:t>
-            </a:r>
-            <a:r>
-              <a:rPr lang="de-CH" dirty="0" err="1"/>
-              <a:t>Prediction</a:t>
-            </a:r>
-            <a:r>
-              <a:rPr lang="de-CH" dirty="0"/>
-              <a:t> messen und vergleichen</a:t>
-            </a:r>
-          </a:p>
-          <a:p>
-            <a:endParaRPr lang="de-CH" dirty="0"/>
-          </a:p>
-        </p:txBody>
-      </p:sp>
-      <p:pic>
-        <p:nvPicPr>
-          <p:cNvPr id="8" name="Grafik 7">
-            <a:extLst>
-              <a:ext uri="{FF2B5EF4-FFF2-40B4-BE49-F238E27FC236}">
-                <a16:creationId xmlns:a16="http://schemas.microsoft.com/office/drawing/2014/main" id="{42F50EC9-2BBE-4D90-A911-EFA78016452B}"/>
-              </a:ext>
-            </a:extLst>
-          </p:cNvPr>
-          <p:cNvPicPr>
-            <a:picLocks noChangeAspect="1"/>
-          </p:cNvPicPr>
-          <p:nvPr/>
-        </p:nvPicPr>
-        <p:blipFill>
-          <a:blip r:embed="rId3"/>
-          <a:stretch>
-            <a:fillRect/>
-          </a:stretch>
-        </p:blipFill>
-        <p:spPr>
-          <a:xfrm>
-            <a:off x="1982402" y="3597152"/>
-            <a:ext cx="8227195" cy="2878463"/>
-          </a:xfrm>
-          <a:prstGeom prst="rect">
-            <a:avLst/>
-          </a:prstGeom>
-          <a:ln>
-            <a:noFill/>
-          </a:ln>
-          <a:effectLst>
-            <a:outerShdw blurRad="190500" algn="tl" rotWithShape="0">
-              <a:srgbClr val="000000">
-                <a:alpha val="70000"/>
-              </a:srgbClr>
-            </a:outerShdw>
-          </a:effectLst>
-        </p:spPr>
-      </p:pic>
-    </p:spTree>
-    <p:extLst>
-      <p:ext uri="{BB962C8B-B14F-4D97-AF65-F5344CB8AC3E}">
-        <p14:creationId xmlns:p14="http://schemas.microsoft.com/office/powerpoint/2010/main" val="1526621726"/>
-      </p:ext>
-    </p:extLst>
-  </p:cSld>
-  <p:clrMapOvr>
-    <a:masterClrMapping/>
-  </p:clrMapOvr>
-</p:sld>
-</file>
-
-<file path=ppt/slides/slide4.xml><?xml version="1.0" encoding="utf-8"?>
-<p:sld xmlns:a="http://schemas.openxmlformats.org/drawingml/2006/main" xmlns:r="http://schemas.openxmlformats.org/officeDocument/2006/relationships" xmlns:p="http://schemas.openxmlformats.org/presentationml/2006/main">
-  <p:cSld>
-    <p:spTree>
-      <p:nvGrpSpPr>
-        <p:cNvPr id="1" name=""/>
-        <p:cNvGrpSpPr/>
-        <p:nvPr/>
-      </p:nvGrpSpPr>
-      <p:grpSpPr>
-        <a:xfrm>
-          <a:off x="0" y="0"/>
-          <a:ext cx="0" cy="0"/>
-          <a:chOff x="0" y="0"/>
-          <a:chExt cx="0" cy="0"/>
-        </a:xfrm>
-      </p:grpSpPr>
-      <p:sp>
-        <p:nvSpPr>
-          <p:cNvPr id="2" name="Titel 1">
-            <a:extLst>
-              <a:ext uri="{FF2B5EF4-FFF2-40B4-BE49-F238E27FC236}">
-                <a16:creationId xmlns:a16="http://schemas.microsoft.com/office/drawing/2014/main" id="{B8658500-05DF-4E31-8CAE-7FD1D57C0258}"/>
-              </a:ext>
-            </a:extLst>
-          </p:cNvPr>
-          <p:cNvSpPr>
-            <a:spLocks noGrp="1"/>
-          </p:cNvSpPr>
-          <p:nvPr>
-            <p:ph type="title"/>
-          </p:nvPr>
-        </p:nvSpPr>
-        <p:spPr/>
-        <p:txBody>
-          <a:bodyPr/>
-          <a:lstStyle/>
-          <a:p>
-            <a:r>
-              <a:rPr lang="de-CH" dirty="0"/>
-              <a:t>Methodik / Organisation</a:t>
-            </a:r>
-          </a:p>
-        </p:txBody>
-      </p:sp>
-      <p:sp>
-        <p:nvSpPr>
-          <p:cNvPr id="3" name="Inhaltsplatzhalter 2">
-            <a:extLst>
-              <a:ext uri="{FF2B5EF4-FFF2-40B4-BE49-F238E27FC236}">
-                <a16:creationId xmlns:a16="http://schemas.microsoft.com/office/drawing/2014/main" id="{C42D8B6C-9B59-4EF7-9692-8F252C391E40}"/>
-              </a:ext>
-            </a:extLst>
-          </p:cNvPr>
-          <p:cNvSpPr>
-            <a:spLocks noGrp="1"/>
-          </p:cNvSpPr>
-          <p:nvPr>
-            <p:ph idx="1"/>
-          </p:nvPr>
-        </p:nvSpPr>
-        <p:spPr/>
-        <p:txBody>
-          <a:bodyPr/>
-          <a:lstStyle/>
-          <a:p>
-            <a:r>
-              <a:rPr lang="de-CH" dirty="0"/>
-              <a:t>Code Verwaltungssystem: </a:t>
-            </a:r>
-            <a:r>
-              <a:rPr lang="de-CH" dirty="0">
-                <a:hlinkClick r:id="rId3"/>
-              </a:rPr>
-              <a:t>https://github.com/maggi71/ml-corona</a:t>
-            </a:r>
-            <a:r>
-              <a:rPr lang="de-CH" dirty="0"/>
-              <a:t> </a:t>
-            </a:r>
-          </a:p>
-          <a:p>
-            <a:r>
-              <a:rPr lang="de-CH" dirty="0"/>
-              <a:t>Entwicklungsumgebung: Visual Studio Code mit </a:t>
-            </a:r>
-            <a:r>
-              <a:rPr lang="de-CH" dirty="0" err="1"/>
-              <a:t>Anaconda</a:t>
-            </a:r>
-            <a:r>
-              <a:rPr lang="de-CH" dirty="0"/>
-              <a:t> Environment (Remote)</a:t>
-            </a:r>
-          </a:p>
-          <a:p>
-            <a:r>
-              <a:rPr lang="de-CH" dirty="0"/>
-              <a:t>Kommunikation:  Wöchentliche Videokonferenzen</a:t>
-            </a:r>
-          </a:p>
-          <a:p>
-            <a:r>
-              <a:rPr lang="de-CH" dirty="0"/>
-              <a:t>Qualitätssicherung: Gegenseitige Code Reviews</a:t>
-            </a:r>
-          </a:p>
-        </p:txBody>
-      </p:sp>
-    </p:spTree>
-    <p:extLst>
-      <p:ext uri="{BB962C8B-B14F-4D97-AF65-F5344CB8AC3E}">
-        <p14:creationId xmlns:p14="http://schemas.microsoft.com/office/powerpoint/2010/main" val="4109514122"/>
-      </p:ext>
-    </p:extLst>
-  </p:cSld>
-  <p:clrMapOvr>
-    <a:masterClrMapping/>
-  </p:clrMapOvr>
-</p:sld>
-</file>
-
-<file path=ppt/slides/slide5.xml><?xml version="1.0" encoding="utf-8"?>
-<p:sld xmlns:a="http://schemas.openxmlformats.org/drawingml/2006/main" xmlns:r="http://schemas.openxmlformats.org/officeDocument/2006/relationships" xmlns:p="http://schemas.openxmlformats.org/presentationml/2006/main">
-  <p:cSld>
-    <p:spTree>
-      <p:nvGrpSpPr>
-        <p:cNvPr id="1" name=""/>
-        <p:cNvGrpSpPr/>
-        <p:nvPr/>
-      </p:nvGrpSpPr>
-      <p:grpSpPr>
-        <a:xfrm>
-          <a:off x="0" y="0"/>
-          <a:ext cx="0" cy="0"/>
-          <a:chOff x="0" y="0"/>
-          <a:chExt cx="0" cy="0"/>
-        </a:xfrm>
-      </p:grpSpPr>
-      <p:sp>
-        <p:nvSpPr>
-          <p:cNvPr id="2" name="Titel 1">
-            <a:extLst>
-              <a:ext uri="{FF2B5EF4-FFF2-40B4-BE49-F238E27FC236}">
-                <a16:creationId xmlns:a16="http://schemas.microsoft.com/office/drawing/2014/main" id="{87AF0A59-4443-409D-A634-20253B78B2FB}"/>
-              </a:ext>
-            </a:extLst>
-          </p:cNvPr>
-          <p:cNvSpPr>
-            <a:spLocks noGrp="1"/>
-          </p:cNvSpPr>
-          <p:nvPr>
-            <p:ph type="title"/>
-          </p:nvPr>
-        </p:nvSpPr>
-        <p:spPr/>
-        <p:txBody>
-          <a:bodyPr/>
-          <a:lstStyle/>
-          <a:p>
-            <a:r>
-              <a:rPr lang="de-CH" dirty="0"/>
-              <a:t>UMSETZUNG</a:t>
-            </a:r>
-          </a:p>
-        </p:txBody>
-      </p:sp>
-      <p:sp>
-        <p:nvSpPr>
-          <p:cNvPr id="3" name="Inhaltsplatzhalter 2">
-            <a:extLst>
-              <a:ext uri="{FF2B5EF4-FFF2-40B4-BE49-F238E27FC236}">
-                <a16:creationId xmlns:a16="http://schemas.microsoft.com/office/drawing/2014/main" id="{4A47D760-3A82-4E5B-A602-9AF73EAFC8F7}"/>
-              </a:ext>
-            </a:extLst>
-          </p:cNvPr>
-          <p:cNvSpPr>
-            <a:spLocks noGrp="1"/>
-          </p:cNvSpPr>
-          <p:nvPr>
-            <p:ph idx="1"/>
-          </p:nvPr>
-        </p:nvSpPr>
-        <p:spPr/>
-        <p:txBody>
-          <a:bodyPr>
-            <a:normAutofit lnSpcReduction="10000"/>
-          </a:bodyPr>
-          <a:lstStyle/>
-          <a:p>
-            <a:r>
-              <a:rPr lang="de-CH" dirty="0"/>
-              <a:t>Download der Daten von </a:t>
-            </a:r>
-            <a:r>
-              <a:rPr lang="de-CH" dirty="0" err="1"/>
-              <a:t>Opendata</a:t>
-            </a:r>
-            <a:r>
-              <a:rPr lang="de-CH" dirty="0"/>
-              <a:t> Swiss </a:t>
-            </a:r>
-            <a:r>
-              <a:rPr lang="de-CH" dirty="0">
-                <a:hlinkClick r:id="rId3"/>
-              </a:rPr>
-              <a:t>https://opendata.swiss/de/dataset/covid-19-schweiz</a:t>
-            </a:r>
-            <a:r>
-              <a:rPr lang="de-CH" dirty="0"/>
-              <a:t> als CSV Dateien</a:t>
-            </a:r>
-          </a:p>
-          <a:p>
-            <a:r>
-              <a:rPr lang="de-CH" dirty="0"/>
-              <a:t>Datenanalyse</a:t>
-            </a:r>
-          </a:p>
-          <a:p>
-            <a:r>
-              <a:rPr lang="de-CH" dirty="0"/>
-              <a:t>Aufbereitung und Bereinigung der Daten</a:t>
-            </a:r>
-          </a:p>
-          <a:p>
-            <a:r>
-              <a:rPr lang="de-CH" dirty="0"/>
-              <a:t>Implementierung der Modelle</a:t>
-            </a:r>
-          </a:p>
-          <a:p>
-            <a:pPr lvl="1"/>
-            <a:r>
-              <a:rPr lang="de-CH" dirty="0"/>
-              <a:t>Polynomiale Regression</a:t>
-            </a:r>
-          </a:p>
-          <a:p>
-            <a:pPr lvl="1"/>
-            <a:r>
-              <a:rPr lang="de-CH" dirty="0" err="1"/>
-              <a:t>Convolutional</a:t>
-            </a:r>
-            <a:r>
-              <a:rPr lang="de-CH" dirty="0"/>
-              <a:t> </a:t>
-            </a:r>
-            <a:r>
-              <a:rPr lang="de-CH" dirty="0" err="1"/>
-              <a:t>Neural</a:t>
-            </a:r>
-            <a:r>
-              <a:rPr lang="de-CH" dirty="0"/>
-              <a:t> Network (CNN)</a:t>
-            </a:r>
-          </a:p>
-          <a:p>
-            <a:pPr lvl="1"/>
-            <a:r>
-              <a:rPr lang="en-US" dirty="0"/>
-              <a:t>Long short-term memory (LSTM)</a:t>
-            </a:r>
-            <a:endParaRPr lang="de-CH" dirty="0"/>
-          </a:p>
-          <a:p>
-            <a:r>
-              <a:rPr lang="de-CH" dirty="0"/>
-              <a:t>Optimierung der Hyperparameter mittels </a:t>
-            </a:r>
-            <a:r>
-              <a:rPr lang="de-CH" dirty="0" err="1"/>
-              <a:t>GridSearch</a:t>
-            </a:r>
-            <a:r>
-              <a:rPr lang="de-CH" dirty="0"/>
-              <a:t> und Cross Validation</a:t>
-            </a:r>
-          </a:p>
-        </p:txBody>
-      </p:sp>
-    </p:spTree>
-    <p:extLst>
-      <p:ext uri="{BB962C8B-B14F-4D97-AF65-F5344CB8AC3E}">
-        <p14:creationId xmlns:p14="http://schemas.microsoft.com/office/powerpoint/2010/main" val="1076976264"/>
-      </p:ext>
-    </p:extLst>
-  </p:cSld>
-  <p:clrMapOvr>
-    <a:masterClrMapping/>
-  </p:clrMapOvr>
-</p:sld>
-</file>
-
-<file path=ppt/slides/slide6.xml><?xml version="1.0" encoding="utf-8"?>
-<p:sld xmlns:a="http://schemas.openxmlformats.org/drawingml/2006/main" xmlns:r="http://schemas.openxmlformats.org/officeDocument/2006/relationships" xmlns:p="http://schemas.openxmlformats.org/presentationml/2006/main">
-  <p:cSld>
-    <p:spTree>
-      <p:nvGrpSpPr>
-        <p:cNvPr id="1" name=""/>
-        <p:cNvGrpSpPr/>
-        <p:nvPr/>
-      </p:nvGrpSpPr>
-      <p:grpSpPr>
-        <a:xfrm>
-          <a:off x="0" y="0"/>
-          <a:ext cx="0" cy="0"/>
-          <a:chOff x="0" y="0"/>
-          <a:chExt cx="0" cy="0"/>
-        </a:xfrm>
-      </p:grpSpPr>
-      <p:sp>
-        <p:nvSpPr>
-          <p:cNvPr id="2" name="Titel 1">
-            <a:extLst>
-              <a:ext uri="{FF2B5EF4-FFF2-40B4-BE49-F238E27FC236}">
-                <a16:creationId xmlns:a16="http://schemas.microsoft.com/office/drawing/2014/main" id="{BBBA57B0-8B4B-41A0-82F6-3B990F72F6F7}"/>
-              </a:ext>
-            </a:extLst>
-          </p:cNvPr>
-          <p:cNvSpPr>
-            <a:spLocks noGrp="1"/>
-          </p:cNvSpPr>
-          <p:nvPr>
-            <p:ph type="title"/>
-          </p:nvPr>
-        </p:nvSpPr>
-        <p:spPr/>
-        <p:txBody>
-          <a:bodyPr/>
-          <a:lstStyle/>
-          <a:p>
-            <a:r>
-              <a:rPr lang="de-CH" dirty="0"/>
-              <a:t>DEMO</a:t>
-            </a:r>
-          </a:p>
-        </p:txBody>
-      </p:sp>
-      <p:sp>
-        <p:nvSpPr>
-          <p:cNvPr id="3" name="Inhaltsplatzhalter 2">
-            <a:extLst>
-              <a:ext uri="{FF2B5EF4-FFF2-40B4-BE49-F238E27FC236}">
-                <a16:creationId xmlns:a16="http://schemas.microsoft.com/office/drawing/2014/main" id="{AA4763DE-69D2-4160-8882-C246FAF79FFA}"/>
-              </a:ext>
-            </a:extLst>
-          </p:cNvPr>
-          <p:cNvSpPr>
-            <a:spLocks noGrp="1"/>
-          </p:cNvSpPr>
-          <p:nvPr>
-            <p:ph idx="1"/>
-          </p:nvPr>
-        </p:nvSpPr>
-        <p:spPr/>
-        <p:txBody>
-          <a:bodyPr/>
-          <a:lstStyle/>
-          <a:p>
-            <a:r>
-              <a:rPr lang="de-CH" dirty="0"/>
-              <a:t>Demo des LSTM Modells</a:t>
-            </a:r>
-          </a:p>
-          <a:p>
-            <a:pPr lvl="1"/>
-            <a:r>
-              <a:rPr lang="de-CH" dirty="0"/>
-              <a:t>Trainieren des Netzwerks</a:t>
-            </a:r>
-          </a:p>
-          <a:p>
-            <a:pPr lvl="1"/>
-            <a:r>
-              <a:rPr lang="de-CH" dirty="0" err="1"/>
-              <a:t>Prediction</a:t>
-            </a:r>
-            <a:endParaRPr lang="de-CH" dirty="0"/>
-          </a:p>
-          <a:p>
-            <a:pPr lvl="1"/>
-            <a:r>
-              <a:rPr lang="de-CH" dirty="0"/>
-              <a:t>Vergleich </a:t>
-            </a:r>
-            <a:r>
-              <a:rPr lang="de-CH" dirty="0" err="1"/>
-              <a:t>Prediction</a:t>
-            </a:r>
-            <a:r>
-              <a:rPr lang="de-CH" dirty="0"/>
-              <a:t> mit </a:t>
-            </a:r>
-            <a:r>
-              <a:rPr lang="de-CH" dirty="0" err="1"/>
-              <a:t>Ground</a:t>
-            </a:r>
-            <a:r>
-              <a:rPr lang="de-CH" dirty="0"/>
-              <a:t> </a:t>
-            </a:r>
-            <a:r>
-              <a:rPr lang="de-CH" dirty="0" err="1"/>
-              <a:t>Truth</a:t>
-            </a:r>
-            <a:endParaRPr lang="de-CH" dirty="0"/>
-          </a:p>
-        </p:txBody>
-      </p:sp>
-    </p:spTree>
-    <p:extLst>
-      <p:ext uri="{BB962C8B-B14F-4D97-AF65-F5344CB8AC3E}">
-        <p14:creationId xmlns:p14="http://schemas.microsoft.com/office/powerpoint/2010/main" val="1024991576"/>
-      </p:ext>
-    </p:extLst>
-  </p:cSld>
-  <p:clrMapOvr>
-    <a:masterClrMapping/>
-  </p:clrMapOvr>
-</p:sld>
-</file>
-
-<file path=ppt/slides/slide7.xml><?xml version="1.0" encoding="utf-8"?>
-<p:sld xmlns:a="http://schemas.openxmlformats.org/drawingml/2006/main" xmlns:r="http://schemas.openxmlformats.org/officeDocument/2006/relationships" xmlns:p="http://schemas.openxmlformats.org/presentationml/2006/main">
-  <p:cSld>
-    <p:spTree>
-      <p:nvGrpSpPr>
-        <p:cNvPr id="1" name=""/>
-        <p:cNvGrpSpPr/>
-        <p:nvPr/>
-      </p:nvGrpSpPr>
-      <p:grpSpPr>
-        <a:xfrm>
-          <a:off x="0" y="0"/>
-          <a:ext cx="0" cy="0"/>
-          <a:chOff x="0" y="0"/>
-          <a:chExt cx="0" cy="0"/>
-        </a:xfrm>
-      </p:grpSpPr>
-      <p:sp>
-        <p:nvSpPr>
-          <p:cNvPr id="2" name="Titel 1">
-            <a:extLst>
-              <a:ext uri="{FF2B5EF4-FFF2-40B4-BE49-F238E27FC236}">
-                <a16:creationId xmlns:a16="http://schemas.microsoft.com/office/drawing/2014/main" id="{0795DEED-BDAA-4916-8ADA-83FFA038BD53}"/>
-              </a:ext>
-            </a:extLst>
-          </p:cNvPr>
-          <p:cNvSpPr>
-            <a:spLocks noGrp="1"/>
-          </p:cNvSpPr>
-          <p:nvPr>
-            <p:ph type="title"/>
-          </p:nvPr>
-        </p:nvSpPr>
-        <p:spPr/>
-        <p:txBody>
-          <a:bodyPr/>
-          <a:lstStyle/>
-          <a:p>
-            <a:r>
-              <a:rPr lang="de-CH" dirty="0"/>
-              <a:t>Resultate</a:t>
-            </a:r>
-          </a:p>
-        </p:txBody>
-      </p:sp>
-      <p:graphicFrame>
-        <p:nvGraphicFramePr>
-          <p:cNvPr id="4" name="Inhaltsplatzhalter 3">
-            <a:extLst>
-              <a:ext uri="{FF2B5EF4-FFF2-40B4-BE49-F238E27FC236}">
-                <a16:creationId xmlns:a16="http://schemas.microsoft.com/office/drawing/2014/main" id="{39EFBA79-0AD6-4F3C-9892-AE31F6C807EF}"/>
-              </a:ext>
-            </a:extLst>
-          </p:cNvPr>
-          <p:cNvGraphicFramePr>
-            <a:graphicFrameLocks noGrp="1"/>
-          </p:cNvGraphicFramePr>
-          <p:nvPr>
-            <p:ph idx="1"/>
-            <p:extLst>
-              <p:ext uri="{D42A27DB-BD31-4B8C-83A1-F6EECF244321}">
-                <p14:modId xmlns:p14="http://schemas.microsoft.com/office/powerpoint/2010/main" val="2795193975"/>
-              </p:ext>
-            </p:extLst>
-          </p:nvPr>
-        </p:nvGraphicFramePr>
-        <p:xfrm>
-          <a:off x="1379956" y="2459421"/>
-          <a:ext cx="9921765" cy="2366334"/>
-        </p:xfrm>
-        <a:graphic>
-          <a:graphicData uri="http://schemas.openxmlformats.org/drawingml/2006/table">
-            <a:tbl>
-              <a:tblPr firstRow="1" firstCol="1" bandRow="1">
-                <a:tableStyleId>{5C22544A-7EE6-4342-B048-85BDC9FD1C3A}</a:tableStyleId>
-              </a:tblPr>
-              <a:tblGrid>
-                <a:gridCol w="2780552">
-                  <a:extLst>
-                    <a:ext uri="{9D8B030D-6E8A-4147-A177-3AD203B41FA5}">
-                      <a16:colId xmlns:a16="http://schemas.microsoft.com/office/drawing/2014/main" val="1981516642"/>
-                    </a:ext>
-                  </a:extLst>
-                </a:gridCol>
-                <a:gridCol w="2438972">
-                  <a:extLst>
-                    <a:ext uri="{9D8B030D-6E8A-4147-A177-3AD203B41FA5}">
-                      <a16:colId xmlns:a16="http://schemas.microsoft.com/office/drawing/2014/main" val="1586119989"/>
-                    </a:ext>
-                  </a:extLst>
-                </a:gridCol>
-                <a:gridCol w="2264497">
-                  <a:extLst>
-                    <a:ext uri="{9D8B030D-6E8A-4147-A177-3AD203B41FA5}">
-                      <a16:colId xmlns:a16="http://schemas.microsoft.com/office/drawing/2014/main" val="1533463363"/>
-                    </a:ext>
-                  </a:extLst>
-                </a:gridCol>
-                <a:gridCol w="2437744">
-                  <a:extLst>
-                    <a:ext uri="{9D8B030D-6E8A-4147-A177-3AD203B41FA5}">
-                      <a16:colId xmlns:a16="http://schemas.microsoft.com/office/drawing/2014/main" val="144784447"/>
-                    </a:ext>
-                  </a:extLst>
-                </a:gridCol>
-              </a:tblGrid>
-              <a:tr h="788276">
-                <a:tc>
-                  <a:txBody>
-                    <a:bodyPr/>
-                    <a:lstStyle/>
-                    <a:p>
-                      <a:pPr algn="l">
-                        <a:lnSpc>
-                          <a:spcPct val="107000"/>
-                        </a:lnSpc>
-                        <a:spcAft>
-                          <a:spcPts val="0"/>
-                        </a:spcAft>
-                      </a:pPr>
-                      <a:r>
-                        <a:rPr lang="de-CH" sz="1800" dirty="0">
-                          <a:effectLst/>
-                        </a:rPr>
-                        <a:t>Algorithmus</a:t>
-                      </a:r>
-                      <a:endParaRPr lang="de-CH" sz="1800" dirty="0">
-                        <a:effectLst/>
-                        <a:latin typeface="Arial" panose="020B0604020202020204" pitchFamily="34" charset="0"/>
-                        <a:ea typeface="Calibri" panose="020F0502020204030204" pitchFamily="34" charset="0"/>
-                        <a:cs typeface="Times New Roman" panose="02020603050405020304" pitchFamily="18" charset="0"/>
-                      </a:endParaRPr>
-                    </a:p>
-                  </a:txBody>
-                  <a:tcPr marL="68580" marR="68580" marT="0" marB="0"/>
-                </a:tc>
-                <a:tc>
-                  <a:txBody>
-                    <a:bodyPr/>
-                    <a:lstStyle/>
-                    <a:p>
-                      <a:pPr algn="l">
-                        <a:lnSpc>
-                          <a:spcPct val="107000"/>
-                        </a:lnSpc>
-                        <a:spcAft>
-                          <a:spcPts val="0"/>
-                        </a:spcAft>
-                      </a:pPr>
-                      <a:r>
-                        <a:rPr lang="de-CH" sz="1800" dirty="0">
-                          <a:effectLst/>
-                        </a:rPr>
-                        <a:t>Performance (MSE)</a:t>
-                      </a:r>
-                      <a:endParaRPr lang="de-CH" sz="1800" dirty="0">
-                        <a:effectLst/>
-                        <a:latin typeface="Arial" panose="020B0604020202020204" pitchFamily="34" charset="0"/>
-                        <a:ea typeface="Calibri" panose="020F0502020204030204" pitchFamily="34" charset="0"/>
-                        <a:cs typeface="Times New Roman" panose="02020603050405020304" pitchFamily="18" charset="0"/>
-                      </a:endParaRPr>
-                    </a:p>
-                  </a:txBody>
-                  <a:tcPr marL="68580" marR="68580" marT="0" marB="0"/>
-                </a:tc>
-                <a:tc>
-                  <a:txBody>
-                    <a:bodyPr/>
-                    <a:lstStyle/>
-                    <a:p>
-                      <a:pPr algn="l">
-                        <a:lnSpc>
-                          <a:spcPct val="107000"/>
-                        </a:lnSpc>
-                        <a:spcAft>
-                          <a:spcPts val="0"/>
-                        </a:spcAft>
-                      </a:pPr>
-                      <a:r>
-                        <a:rPr lang="de-CH" sz="1800">
-                          <a:effectLst/>
-                        </a:rPr>
-                        <a:t>Laufzeit für Training</a:t>
-                      </a:r>
-                      <a:endParaRPr lang="de-CH" sz="1800">
-                        <a:effectLst/>
-                        <a:latin typeface="Arial" panose="020B0604020202020204" pitchFamily="34" charset="0"/>
-                        <a:ea typeface="Calibri" panose="020F0502020204030204" pitchFamily="34" charset="0"/>
-                        <a:cs typeface="Times New Roman" panose="02020603050405020304" pitchFamily="18" charset="0"/>
-                      </a:endParaRPr>
-                    </a:p>
-                  </a:txBody>
-                  <a:tcPr marL="68580" marR="68580" marT="0" marB="0"/>
-                </a:tc>
-                <a:tc>
-                  <a:txBody>
-                    <a:bodyPr/>
-                    <a:lstStyle/>
-                    <a:p>
-                      <a:pPr algn="l">
-                        <a:lnSpc>
-                          <a:spcPct val="107000"/>
-                        </a:lnSpc>
-                        <a:spcAft>
-                          <a:spcPts val="0"/>
-                        </a:spcAft>
-                      </a:pPr>
-                      <a:r>
-                        <a:rPr lang="de-CH" sz="1800" dirty="0">
-                          <a:effectLst/>
-                        </a:rPr>
-                        <a:t>Laufzeit für </a:t>
-                      </a:r>
-                      <a:r>
-                        <a:rPr lang="de-CH" sz="1800" dirty="0" err="1">
-                          <a:effectLst/>
-                        </a:rPr>
-                        <a:t>Prediction</a:t>
-                      </a:r>
-                      <a:endParaRPr lang="de-CH" sz="1800" dirty="0">
-                        <a:effectLst/>
-                        <a:latin typeface="Arial" panose="020B0604020202020204" pitchFamily="34" charset="0"/>
-                        <a:ea typeface="Calibri" panose="020F0502020204030204" pitchFamily="34" charset="0"/>
-                        <a:cs typeface="Times New Roman" panose="02020603050405020304" pitchFamily="18" charset="0"/>
-                      </a:endParaRPr>
-                    </a:p>
-                  </a:txBody>
-                  <a:tcPr marL="68580" marR="68580" marT="0" marB="0"/>
-                </a:tc>
-                <a:extLst>
-                  <a:ext uri="{0D108BD9-81ED-4DB2-BD59-A6C34878D82A}">
-                    <a16:rowId xmlns:a16="http://schemas.microsoft.com/office/drawing/2014/main" val="2157604181"/>
-                  </a:ext>
-                </a:extLst>
-              </a:tr>
-              <a:tr h="672662">
-                <a:tc>
-                  <a:txBody>
-                    <a:bodyPr/>
-                    <a:lstStyle/>
-                    <a:p>
-                      <a:pPr algn="just">
-                        <a:lnSpc>
-                          <a:spcPct val="107000"/>
-                        </a:lnSpc>
-                        <a:spcAft>
-                          <a:spcPts val="0"/>
-                        </a:spcAft>
-                      </a:pPr>
-                      <a:r>
-                        <a:rPr lang="de-CH" sz="1800">
-                          <a:effectLst/>
-                        </a:rPr>
-                        <a:t>Polynomiale Regression</a:t>
-                      </a:r>
-                      <a:endParaRPr lang="de-CH" sz="1800">
-                        <a:effectLst/>
-                        <a:latin typeface="Arial" panose="020B0604020202020204" pitchFamily="34" charset="0"/>
-                        <a:ea typeface="Calibri" panose="020F0502020204030204" pitchFamily="34" charset="0"/>
-                        <a:cs typeface="Times New Roman" panose="02020603050405020304" pitchFamily="18" charset="0"/>
-                      </a:endParaRPr>
-                    </a:p>
-                  </a:txBody>
-                  <a:tcPr marL="68580" marR="68580" marT="0" marB="0"/>
-                </a:tc>
-                <a:tc>
-                  <a:txBody>
-                    <a:bodyPr/>
-                    <a:lstStyle/>
-                    <a:p>
-                      <a:pPr algn="just">
-                        <a:lnSpc>
-                          <a:spcPct val="107000"/>
-                        </a:lnSpc>
-                        <a:spcAft>
-                          <a:spcPts val="0"/>
-                        </a:spcAft>
-                      </a:pPr>
-                      <a:r>
-                        <a:rPr lang="de-CH" sz="1800" dirty="0">
-                          <a:effectLst/>
-                        </a:rPr>
-                        <a:t>0.0266</a:t>
-                      </a:r>
-                      <a:endParaRPr lang="de-CH" sz="1800" dirty="0">
-                        <a:effectLst/>
-                        <a:latin typeface="Arial" panose="020B0604020202020204" pitchFamily="34" charset="0"/>
-                        <a:ea typeface="Calibri" panose="020F0502020204030204" pitchFamily="34" charset="0"/>
-                        <a:cs typeface="Times New Roman" panose="02020603050405020304" pitchFamily="18" charset="0"/>
-                      </a:endParaRPr>
-                    </a:p>
-                  </a:txBody>
-                  <a:tcPr marL="68580" marR="68580" marT="0" marB="0"/>
-                </a:tc>
-                <a:tc>
-                  <a:txBody>
-                    <a:bodyPr/>
-                    <a:lstStyle/>
-                    <a:p>
-                      <a:pPr algn="just">
-                        <a:lnSpc>
-                          <a:spcPct val="107000"/>
-                        </a:lnSpc>
-                        <a:spcAft>
-                          <a:spcPts val="0"/>
-                        </a:spcAft>
-                      </a:pPr>
-                      <a:r>
-                        <a:rPr lang="de-CH" sz="1800">
-                          <a:effectLst/>
-                        </a:rPr>
-                        <a:t>0.0030s</a:t>
-                      </a:r>
-                      <a:endParaRPr lang="de-CH" sz="1800">
-                        <a:effectLst/>
-                        <a:latin typeface="Arial" panose="020B0604020202020204" pitchFamily="34" charset="0"/>
-                        <a:ea typeface="Calibri" panose="020F0502020204030204" pitchFamily="34" charset="0"/>
-                        <a:cs typeface="Times New Roman" panose="02020603050405020304" pitchFamily="18" charset="0"/>
-                      </a:endParaRPr>
-                    </a:p>
-                  </a:txBody>
-                  <a:tcPr marL="68580" marR="68580" marT="0" marB="0"/>
-                </a:tc>
-                <a:tc>
-                  <a:txBody>
-                    <a:bodyPr/>
-                    <a:lstStyle/>
-                    <a:p>
-                      <a:pPr algn="just">
-                        <a:lnSpc>
-                          <a:spcPct val="107000"/>
-                        </a:lnSpc>
-                        <a:spcAft>
-                          <a:spcPts val="0"/>
-                        </a:spcAft>
-                      </a:pPr>
-                      <a:r>
-                        <a:rPr lang="de-CH" sz="1800">
-                          <a:effectLst/>
-                        </a:rPr>
-                        <a:t>0.0116s</a:t>
-                      </a:r>
-                      <a:endParaRPr lang="de-CH" sz="1800">
-                        <a:effectLst/>
-                        <a:latin typeface="Arial" panose="020B0604020202020204" pitchFamily="34" charset="0"/>
-                        <a:ea typeface="Calibri" panose="020F0502020204030204" pitchFamily="34" charset="0"/>
-                        <a:cs typeface="Times New Roman" panose="02020603050405020304" pitchFamily="18" charset="0"/>
-                      </a:endParaRPr>
-                    </a:p>
-                  </a:txBody>
-                  <a:tcPr marL="68580" marR="68580" marT="0" marB="0"/>
-                </a:tc>
-                <a:extLst>
-                  <a:ext uri="{0D108BD9-81ED-4DB2-BD59-A6C34878D82A}">
-                    <a16:rowId xmlns:a16="http://schemas.microsoft.com/office/drawing/2014/main" val="2473326065"/>
-                  </a:ext>
-                </a:extLst>
-              </a:tr>
-              <a:tr h="452698">
-                <a:tc>
-                  <a:txBody>
-                    <a:bodyPr/>
-                    <a:lstStyle/>
-                    <a:p>
-                      <a:pPr algn="just">
-                        <a:lnSpc>
-                          <a:spcPct val="107000"/>
-                        </a:lnSpc>
-                        <a:spcAft>
-                          <a:spcPts val="0"/>
-                        </a:spcAft>
-                      </a:pPr>
-                      <a:r>
-                        <a:rPr lang="de-CH" sz="1800" dirty="0">
-                          <a:effectLst/>
-                        </a:rPr>
-                        <a:t>CNN</a:t>
-                      </a:r>
-                      <a:endParaRPr lang="de-CH" sz="1800" dirty="0">
-                        <a:effectLst/>
-                        <a:latin typeface="Arial" panose="020B0604020202020204" pitchFamily="34" charset="0"/>
-                        <a:ea typeface="Calibri" panose="020F0502020204030204" pitchFamily="34" charset="0"/>
-                        <a:cs typeface="Times New Roman" panose="02020603050405020304" pitchFamily="18" charset="0"/>
-                      </a:endParaRPr>
-                    </a:p>
-                  </a:txBody>
-                  <a:tcPr marL="68580" marR="68580" marT="0" marB="0"/>
-                </a:tc>
-                <a:tc>
-                  <a:txBody>
-                    <a:bodyPr/>
-                    <a:lstStyle/>
-                    <a:p>
-                      <a:pPr algn="just">
-                        <a:lnSpc>
-                          <a:spcPct val="107000"/>
-                        </a:lnSpc>
-                        <a:spcAft>
-                          <a:spcPts val="0"/>
-                        </a:spcAft>
-                      </a:pPr>
-                      <a:r>
-                        <a:rPr lang="de-CH" sz="1800">
-                          <a:effectLst/>
-                        </a:rPr>
-                        <a:t>0.0427</a:t>
-                      </a:r>
-                      <a:endParaRPr lang="de-CH" sz="1800">
-                        <a:effectLst/>
-                        <a:latin typeface="Arial" panose="020B0604020202020204" pitchFamily="34" charset="0"/>
-                        <a:ea typeface="Calibri" panose="020F0502020204030204" pitchFamily="34" charset="0"/>
-                        <a:cs typeface="Times New Roman" panose="02020603050405020304" pitchFamily="18" charset="0"/>
-                      </a:endParaRPr>
-                    </a:p>
-                  </a:txBody>
-                  <a:tcPr marL="68580" marR="68580" marT="0" marB="0"/>
-                </a:tc>
-                <a:tc>
-                  <a:txBody>
-                    <a:bodyPr/>
-                    <a:lstStyle/>
-                    <a:p>
-                      <a:pPr algn="just">
-                        <a:lnSpc>
-                          <a:spcPct val="107000"/>
-                        </a:lnSpc>
-                        <a:spcAft>
-                          <a:spcPts val="0"/>
-                        </a:spcAft>
-                      </a:pPr>
-                      <a:r>
-                        <a:rPr lang="de-CH" sz="1800">
-                          <a:effectLst/>
-                        </a:rPr>
-                        <a:t>15.9702s</a:t>
-                      </a:r>
-                      <a:endParaRPr lang="de-CH" sz="1800">
-                        <a:effectLst/>
-                        <a:latin typeface="Arial" panose="020B0604020202020204" pitchFamily="34" charset="0"/>
-                        <a:ea typeface="Calibri" panose="020F0502020204030204" pitchFamily="34" charset="0"/>
-                        <a:cs typeface="Times New Roman" panose="02020603050405020304" pitchFamily="18" charset="0"/>
-                      </a:endParaRPr>
-                    </a:p>
-                  </a:txBody>
-                  <a:tcPr marL="68580" marR="68580" marT="0" marB="0"/>
-                </a:tc>
-                <a:tc>
-                  <a:txBody>
-                    <a:bodyPr/>
-                    <a:lstStyle/>
-                    <a:p>
-                      <a:pPr algn="just">
-                        <a:lnSpc>
-                          <a:spcPct val="107000"/>
-                        </a:lnSpc>
-                        <a:spcAft>
-                          <a:spcPts val="0"/>
-                        </a:spcAft>
-                      </a:pPr>
-                      <a:r>
-                        <a:rPr lang="de-CH" sz="1800" dirty="0">
-                          <a:effectLst/>
-                        </a:rPr>
-                        <a:t>0.0747s</a:t>
-                      </a:r>
-                      <a:endParaRPr lang="de-CH" sz="1800" dirty="0">
-                        <a:effectLst/>
-                        <a:latin typeface="Arial" panose="020B0604020202020204" pitchFamily="34" charset="0"/>
-                        <a:ea typeface="Calibri" panose="020F0502020204030204" pitchFamily="34" charset="0"/>
-                        <a:cs typeface="Times New Roman" panose="02020603050405020304" pitchFamily="18" charset="0"/>
-                      </a:endParaRPr>
-                    </a:p>
-                  </a:txBody>
-                  <a:tcPr marL="68580" marR="68580" marT="0" marB="0"/>
-                </a:tc>
-                <a:extLst>
-                  <a:ext uri="{0D108BD9-81ED-4DB2-BD59-A6C34878D82A}">
-                    <a16:rowId xmlns:a16="http://schemas.microsoft.com/office/drawing/2014/main" val="498525516"/>
-                  </a:ext>
-                </a:extLst>
-              </a:tr>
-              <a:tr h="452698">
-                <a:tc>
-                  <a:txBody>
-                    <a:bodyPr/>
-                    <a:lstStyle/>
-                    <a:p>
-                      <a:pPr algn="just">
-                        <a:lnSpc>
-                          <a:spcPct val="107000"/>
-                        </a:lnSpc>
-                        <a:spcAft>
-                          <a:spcPts val="0"/>
-                        </a:spcAft>
-                      </a:pPr>
-                      <a:r>
-                        <a:rPr lang="de-CH" sz="1800">
-                          <a:effectLst/>
-                        </a:rPr>
-                        <a:t>LSTM</a:t>
-                      </a:r>
-                      <a:endParaRPr lang="de-CH" sz="1800">
-                        <a:effectLst/>
-                        <a:latin typeface="Arial" panose="020B0604020202020204" pitchFamily="34" charset="0"/>
-                        <a:ea typeface="Calibri" panose="020F0502020204030204" pitchFamily="34" charset="0"/>
-                        <a:cs typeface="Times New Roman" panose="02020603050405020304" pitchFamily="18" charset="0"/>
-                      </a:endParaRPr>
-                    </a:p>
-                  </a:txBody>
-                  <a:tcPr marL="68580" marR="68580" marT="0" marB="0"/>
-                </a:tc>
-                <a:tc>
-                  <a:txBody>
-                    <a:bodyPr/>
-                    <a:lstStyle/>
-                    <a:p>
-                      <a:pPr algn="just">
-                        <a:lnSpc>
-                          <a:spcPct val="107000"/>
-                        </a:lnSpc>
-                        <a:spcAft>
-                          <a:spcPts val="0"/>
-                        </a:spcAft>
-                      </a:pPr>
-                      <a:r>
-                        <a:rPr lang="de-CH" sz="1800" dirty="0">
-                          <a:effectLst/>
-                        </a:rPr>
-                        <a:t>0.0205</a:t>
-                      </a:r>
-                      <a:endParaRPr lang="de-CH" sz="1800" dirty="0">
-                        <a:effectLst/>
-                        <a:latin typeface="Arial" panose="020B0604020202020204" pitchFamily="34" charset="0"/>
-                        <a:ea typeface="Calibri" panose="020F0502020204030204" pitchFamily="34" charset="0"/>
-                        <a:cs typeface="Times New Roman" panose="02020603050405020304" pitchFamily="18" charset="0"/>
-                      </a:endParaRPr>
-                    </a:p>
-                  </a:txBody>
-                  <a:tcPr marL="68580" marR="68580" marT="0" marB="0"/>
-                </a:tc>
-                <a:tc>
-                  <a:txBody>
-                    <a:bodyPr/>
-                    <a:lstStyle/>
-                    <a:p>
-                      <a:pPr algn="just">
-                        <a:lnSpc>
-                          <a:spcPct val="107000"/>
-                        </a:lnSpc>
-                        <a:spcAft>
-                          <a:spcPts val="0"/>
-                        </a:spcAft>
-                      </a:pPr>
-                      <a:r>
-                        <a:rPr lang="de-CH" sz="1800" dirty="0">
-                          <a:effectLst/>
-                        </a:rPr>
-                        <a:t>57.6358s</a:t>
-                      </a:r>
-                      <a:endParaRPr lang="de-CH" sz="1800" dirty="0">
-                        <a:effectLst/>
-                        <a:latin typeface="Arial" panose="020B0604020202020204" pitchFamily="34" charset="0"/>
-                        <a:ea typeface="Calibri" panose="020F0502020204030204" pitchFamily="34" charset="0"/>
-                        <a:cs typeface="Times New Roman" panose="02020603050405020304" pitchFamily="18" charset="0"/>
-                      </a:endParaRPr>
-                    </a:p>
-                  </a:txBody>
-                  <a:tcPr marL="68580" marR="68580" marT="0" marB="0"/>
-                </a:tc>
-                <a:tc>
-                  <a:txBody>
-                    <a:bodyPr/>
-                    <a:lstStyle/>
-                    <a:p>
-                      <a:pPr algn="just">
-                        <a:lnSpc>
-                          <a:spcPct val="107000"/>
-                        </a:lnSpc>
-                        <a:spcAft>
-                          <a:spcPts val="0"/>
-                        </a:spcAft>
-                      </a:pPr>
-                      <a:r>
-                        <a:rPr lang="de-CH" sz="1800" dirty="0">
-                          <a:effectLst/>
-                        </a:rPr>
-                        <a:t>0.1137s</a:t>
-                      </a:r>
-                      <a:endParaRPr lang="de-CH" sz="1800" dirty="0">
-                        <a:effectLst/>
-                        <a:latin typeface="Arial" panose="020B0604020202020204" pitchFamily="34" charset="0"/>
-                        <a:ea typeface="Calibri" panose="020F0502020204030204" pitchFamily="34" charset="0"/>
-                        <a:cs typeface="Times New Roman" panose="02020603050405020304" pitchFamily="18" charset="0"/>
-                      </a:endParaRPr>
-                    </a:p>
-                  </a:txBody>
-                  <a:tcPr marL="68580" marR="68580" marT="0" marB="0"/>
-                </a:tc>
-                <a:extLst>
-                  <a:ext uri="{0D108BD9-81ED-4DB2-BD59-A6C34878D82A}">
-                    <a16:rowId xmlns:a16="http://schemas.microsoft.com/office/drawing/2014/main" val="1389607507"/>
-                  </a:ext>
-                </a:extLst>
-              </a:tr>
-            </a:tbl>
-          </a:graphicData>
-        </a:graphic>
-      </p:graphicFrame>
-    </p:spTree>
-    <p:extLst>
-      <p:ext uri="{BB962C8B-B14F-4D97-AF65-F5344CB8AC3E}">
-        <p14:creationId xmlns:p14="http://schemas.microsoft.com/office/powerpoint/2010/main" val="3526250692"/>
-      </p:ext>
-    </p:extLst>
-  </p:cSld>
-  <p:clrMapOvr>
-    <a:masterClrMapping/>
-  </p:clrMapOvr>
-</p:sld>
-</file>
-
-<file path=ppt/slides/slide8.xml><?xml version="1.0" encoding="utf-8"?>
-<p:sld xmlns:a="http://schemas.openxmlformats.org/drawingml/2006/main" xmlns:r="http://schemas.openxmlformats.org/officeDocument/2006/relationships" xmlns:p="http://schemas.openxmlformats.org/presentationml/2006/main">
-  <p:cSld>
-    <p:spTree>
-      <p:nvGrpSpPr>
-        <p:cNvPr id="1" name=""/>
-        <p:cNvGrpSpPr/>
-        <p:nvPr/>
-      </p:nvGrpSpPr>
-      <p:grpSpPr>
-        <a:xfrm>
-          <a:off x="0" y="0"/>
-          <a:ext cx="0" cy="0"/>
-          <a:chOff x="0" y="0"/>
-          <a:chExt cx="0" cy="0"/>
-        </a:xfrm>
-      </p:grpSpPr>
-      <p:sp>
-        <p:nvSpPr>
-          <p:cNvPr id="2" name="Titel 1">
-            <a:extLst>
-              <a:ext uri="{FF2B5EF4-FFF2-40B4-BE49-F238E27FC236}">
-                <a16:creationId xmlns:a16="http://schemas.microsoft.com/office/drawing/2014/main" id="{A3DDBA2A-18F6-4139-9239-BEA1D2127AC8}"/>
-              </a:ext>
-            </a:extLst>
-          </p:cNvPr>
-          <p:cNvSpPr>
-            <a:spLocks noGrp="1"/>
-          </p:cNvSpPr>
-          <p:nvPr>
-            <p:ph type="title"/>
-          </p:nvPr>
-        </p:nvSpPr>
-        <p:spPr/>
-        <p:txBody>
-          <a:bodyPr/>
-          <a:lstStyle/>
-          <a:p>
-            <a:r>
-              <a:rPr lang="de-CH" dirty="0"/>
-              <a:t>DISKUSSION DER RESULTATE</a:t>
-            </a:r>
-          </a:p>
-        </p:txBody>
-      </p:sp>
-      <p:sp>
-        <p:nvSpPr>
-          <p:cNvPr id="3" name="Inhaltsplatzhalter 2">
-            <a:extLst>
-              <a:ext uri="{FF2B5EF4-FFF2-40B4-BE49-F238E27FC236}">
-                <a16:creationId xmlns:a16="http://schemas.microsoft.com/office/drawing/2014/main" id="{0955E298-DDBC-410B-887A-97CB08965ACF}"/>
-              </a:ext>
-            </a:extLst>
-          </p:cNvPr>
-          <p:cNvSpPr>
-            <a:spLocks noGrp="1"/>
-          </p:cNvSpPr>
-          <p:nvPr>
-            <p:ph idx="1"/>
-          </p:nvPr>
-        </p:nvSpPr>
-        <p:spPr>
-          <a:xfrm>
-            <a:off x="1251678" y="2286001"/>
-            <a:ext cx="8249674" cy="3593591"/>
-          </a:xfrm>
-        </p:spPr>
-        <p:txBody>
-          <a:bodyPr/>
-          <a:lstStyle/>
-          <a:p>
-            <a:r>
-              <a:rPr lang="de-CH" dirty="0"/>
-              <a:t>Reihenfolge Performance</a:t>
-            </a:r>
-          </a:p>
-          <a:p>
-            <a:pPr marL="800100" lvl="1" indent="-342900">
-              <a:buFont typeface="+mj-lt"/>
-              <a:buAutoNum type="arabicPeriod"/>
-            </a:pPr>
-            <a:r>
-              <a:rPr lang="de-CH" dirty="0"/>
-              <a:t>LSTM</a:t>
-            </a:r>
-          </a:p>
-          <a:p>
-            <a:pPr marL="800100" lvl="1" indent="-342900">
-              <a:buFont typeface="+mj-lt"/>
-              <a:buAutoNum type="arabicPeriod"/>
-            </a:pPr>
-            <a:r>
-              <a:rPr lang="de-CH" dirty="0"/>
-              <a:t>Polynomiale Regression</a:t>
-            </a:r>
-          </a:p>
-          <a:p>
-            <a:pPr marL="800100" lvl="1" indent="-342900">
-              <a:buFont typeface="+mj-lt"/>
-              <a:buAutoNum type="arabicPeriod"/>
-            </a:pPr>
-            <a:r>
-              <a:rPr lang="de-CH" dirty="0"/>
-              <a:t>CNN</a:t>
-            </a:r>
-          </a:p>
-          <a:p>
-            <a:pPr marL="800100" lvl="1" indent="-342900">
-              <a:buFont typeface="+mj-lt"/>
-              <a:buAutoNum type="arabicPeriod"/>
-            </a:pPr>
-            <a:endParaRPr lang="de-CH" dirty="0"/>
-          </a:p>
-          <a:p>
-            <a:r>
-              <a:rPr lang="de-CH" dirty="0"/>
-              <a:t>Reihenfolge Laufzeit</a:t>
-            </a:r>
-          </a:p>
-          <a:p>
-            <a:pPr marL="800100" lvl="1" indent="-342900">
-              <a:buFont typeface="+mj-lt"/>
-              <a:buAutoNum type="arabicPeriod"/>
-            </a:pPr>
-            <a:r>
-              <a:rPr lang="de-CH" dirty="0"/>
-              <a:t>Polynomiale Regression</a:t>
-            </a:r>
-          </a:p>
-          <a:p>
-            <a:pPr marL="800100" lvl="1" indent="-342900">
-              <a:buFont typeface="+mj-lt"/>
-              <a:buAutoNum type="arabicPeriod"/>
-            </a:pPr>
-            <a:r>
-              <a:rPr lang="de-CH" dirty="0"/>
-              <a:t>CNN</a:t>
-            </a:r>
-          </a:p>
-          <a:p>
-            <a:pPr marL="800100" lvl="1" indent="-342900">
-              <a:buFont typeface="+mj-lt"/>
-              <a:buAutoNum type="arabicPeriod"/>
-            </a:pPr>
-            <a:r>
-              <a:rPr lang="de-CH" dirty="0"/>
-              <a:t>LSTM</a:t>
-            </a:r>
-          </a:p>
-          <a:p>
-            <a:endParaRPr lang="de-CH" dirty="0"/>
-          </a:p>
-          <a:p>
-            <a:endParaRPr lang="de-CH" dirty="0"/>
-          </a:p>
-        </p:txBody>
-      </p:sp>
-    </p:spTree>
-    <p:extLst>
-      <p:ext uri="{BB962C8B-B14F-4D97-AF65-F5344CB8AC3E}">
-        <p14:creationId xmlns:p14="http://schemas.microsoft.com/office/powerpoint/2010/main" val="1600617015"/>
-      </p:ext>
-    </p:extLst>
-  </p:cSld>
-  <p:clrMapOvr>
-    <a:masterClrMapping/>
-  </p:clrMapOvr>
-</p:sld>
-</file>
-
-<file path=ppt/slides/slide9.xml><?xml version="1.0" encoding="utf-8"?>
 <p:sld xmlns:a="http://schemas.openxmlformats.org/drawingml/2006/main" xmlns:r="http://schemas.openxmlformats.org/officeDocument/2006/relationships" xmlns:p="http://schemas.openxmlformats.org/presentationml/2006/main">
   <p:cSld>
     <p:bg>
@@ -17148,6 +13646,3607 @@
     <p:extLst>
       <p:ext uri="{BB962C8B-B14F-4D97-AF65-F5344CB8AC3E}">
         <p14:creationId xmlns:p14="http://schemas.microsoft.com/office/powerpoint/2010/main" val="2067219748"/>
+      </p:ext>
+    </p:extLst>
+  </p:cSld>
+  <p:clrMapOvr>
+    <a:masterClrMapping/>
+  </p:clrMapOvr>
+</p:sld>
+</file>
+
+<file path=ppt/slides/slide11.xml><?xml version="1.0" encoding="utf-8"?>
+<p:sld xmlns:a="http://schemas.openxmlformats.org/drawingml/2006/main" xmlns:r="http://schemas.openxmlformats.org/officeDocument/2006/relationships" xmlns:p="http://schemas.openxmlformats.org/presentationml/2006/main">
+  <p:cSld>
+    <p:bg>
+      <p:bgPr>
+        <a:solidFill>
+          <a:schemeClr val="bg1"/>
+        </a:solidFill>
+        <a:effectLst/>
+      </p:bgPr>
+    </p:bg>
+    <p:spTree>
+      <p:nvGrpSpPr>
+        <p:cNvPr id="1" name=""/>
+        <p:cNvGrpSpPr/>
+        <p:nvPr/>
+      </p:nvGrpSpPr>
+      <p:grpSpPr>
+        <a:xfrm>
+          <a:off x="0" y="0"/>
+          <a:ext cx="0" cy="0"/>
+          <a:chOff x="0" y="0"/>
+          <a:chExt cx="0" cy="0"/>
+        </a:xfrm>
+      </p:grpSpPr>
+      <p:sp>
+        <p:nvSpPr>
+          <p:cNvPr id="10" name="Freihandform 6">
+            <a:extLst>
+              <a:ext uri="{FF2B5EF4-FFF2-40B4-BE49-F238E27FC236}">
+                <a16:creationId xmlns:a16="http://schemas.microsoft.com/office/drawing/2014/main" id="{B217C2AD-51B4-40CE-A71F-F5D3F846D97B}"/>
+              </a:ext>
+              <a:ext uri="{C183D7F6-B498-43B3-948B-1728B52AA6E4}">
+                <adec:decorative xmlns:adec="http://schemas.microsoft.com/office/drawing/2017/decorative" val="1"/>
+              </a:ext>
+            </a:extLst>
+          </p:cNvPr>
+          <p:cNvSpPr>
+            <a:spLocks noGrp="1" noRot="1" noChangeAspect="1" noMove="1" noResize="1" noEditPoints="1" noAdjustHandles="1" noChangeArrowheads="1" noChangeShapeType="1" noTextEdit="1"/>
+          </p:cNvSpPr>
+          <p:nvPr>
+            <p:extLst>
+              <p:ext uri="{386F3935-93C4-4BCD-93E2-E3B085C9AB24}">
+                <p16:designElem xmlns:p16="http://schemas.microsoft.com/office/powerpoint/2015/main" val="1"/>
+              </p:ext>
+            </p:extLst>
+          </p:nvPr>
+        </p:nvSpPr>
+        <p:spPr bwMode="auto">
+          <a:xfrm>
+            <a:off x="3557016" y="630936"/>
+            <a:ext cx="5235575" cy="5229225"/>
+          </a:xfrm>
+          <a:custGeom>
+            <a:avLst/>
+            <a:gdLst/>
+            <a:ahLst/>
+            <a:cxnLst/>
+            <a:rect l="0" t="0" r="r" b="b"/>
+            <a:pathLst>
+              <a:path w="3298" h="3294">
+                <a:moveTo>
+                  <a:pt x="1649" y="0"/>
+                </a:moveTo>
+                <a:lnTo>
+                  <a:pt x="1681" y="3"/>
+                </a:lnTo>
+                <a:lnTo>
+                  <a:pt x="1712" y="11"/>
+                </a:lnTo>
+                <a:lnTo>
+                  <a:pt x="1742" y="23"/>
+                </a:lnTo>
+                <a:lnTo>
+                  <a:pt x="1773" y="38"/>
+                </a:lnTo>
+                <a:lnTo>
+                  <a:pt x="1802" y="55"/>
+                </a:lnTo>
+                <a:lnTo>
+                  <a:pt x="1832" y="73"/>
+                </a:lnTo>
+                <a:lnTo>
+                  <a:pt x="1862" y="89"/>
+                </a:lnTo>
+                <a:lnTo>
+                  <a:pt x="1892" y="105"/>
+                </a:lnTo>
+                <a:lnTo>
+                  <a:pt x="1921" y="117"/>
+                </a:lnTo>
+                <a:lnTo>
+                  <a:pt x="1953" y="125"/>
+                </a:lnTo>
+                <a:lnTo>
+                  <a:pt x="1984" y="129"/>
+                </a:lnTo>
+                <a:lnTo>
+                  <a:pt x="2017" y="129"/>
+                </a:lnTo>
+                <a:lnTo>
+                  <a:pt x="2051" y="127"/>
+                </a:lnTo>
+                <a:lnTo>
+                  <a:pt x="2085" y="123"/>
+                </a:lnTo>
+                <a:lnTo>
+                  <a:pt x="2119" y="118"/>
+                </a:lnTo>
+                <a:lnTo>
+                  <a:pt x="2153" y="114"/>
+                </a:lnTo>
+                <a:lnTo>
+                  <a:pt x="2187" y="111"/>
+                </a:lnTo>
+                <a:lnTo>
+                  <a:pt x="2219" y="112"/>
+                </a:lnTo>
+                <a:lnTo>
+                  <a:pt x="2250" y="116"/>
+                </a:lnTo>
+                <a:lnTo>
+                  <a:pt x="2280" y="125"/>
+                </a:lnTo>
+                <a:lnTo>
+                  <a:pt x="2305" y="138"/>
+                </a:lnTo>
+                <a:lnTo>
+                  <a:pt x="2329" y="155"/>
+                </a:lnTo>
+                <a:lnTo>
+                  <a:pt x="2350" y="175"/>
+                </a:lnTo>
+                <a:lnTo>
+                  <a:pt x="2371" y="198"/>
+                </a:lnTo>
+                <a:lnTo>
+                  <a:pt x="2390" y="222"/>
+                </a:lnTo>
+                <a:lnTo>
+                  <a:pt x="2409" y="247"/>
+                </a:lnTo>
+                <a:lnTo>
+                  <a:pt x="2428" y="272"/>
+                </a:lnTo>
+                <a:lnTo>
+                  <a:pt x="2447" y="296"/>
+                </a:lnTo>
+                <a:lnTo>
+                  <a:pt x="2467" y="319"/>
+                </a:lnTo>
+                <a:lnTo>
+                  <a:pt x="2490" y="339"/>
+                </a:lnTo>
+                <a:lnTo>
+                  <a:pt x="2512" y="357"/>
+                </a:lnTo>
+                <a:lnTo>
+                  <a:pt x="2537" y="371"/>
+                </a:lnTo>
+                <a:lnTo>
+                  <a:pt x="2564" y="383"/>
+                </a:lnTo>
+                <a:lnTo>
+                  <a:pt x="2593" y="393"/>
+                </a:lnTo>
+                <a:lnTo>
+                  <a:pt x="2623" y="402"/>
+                </a:lnTo>
+                <a:lnTo>
+                  <a:pt x="2653" y="410"/>
+                </a:lnTo>
+                <a:lnTo>
+                  <a:pt x="2684" y="418"/>
+                </a:lnTo>
+                <a:lnTo>
+                  <a:pt x="2713" y="427"/>
+                </a:lnTo>
+                <a:lnTo>
+                  <a:pt x="2742" y="437"/>
+                </a:lnTo>
+                <a:lnTo>
+                  <a:pt x="2769" y="449"/>
+                </a:lnTo>
+                <a:lnTo>
+                  <a:pt x="2793" y="464"/>
+                </a:lnTo>
+                <a:lnTo>
+                  <a:pt x="2815" y="482"/>
+                </a:lnTo>
+                <a:lnTo>
+                  <a:pt x="2833" y="504"/>
+                </a:lnTo>
+                <a:lnTo>
+                  <a:pt x="2848" y="528"/>
+                </a:lnTo>
+                <a:lnTo>
+                  <a:pt x="2860" y="555"/>
+                </a:lnTo>
+                <a:lnTo>
+                  <a:pt x="2870" y="584"/>
+                </a:lnTo>
+                <a:lnTo>
+                  <a:pt x="2879" y="613"/>
+                </a:lnTo>
+                <a:lnTo>
+                  <a:pt x="2887" y="644"/>
+                </a:lnTo>
+                <a:lnTo>
+                  <a:pt x="2895" y="674"/>
+                </a:lnTo>
+                <a:lnTo>
+                  <a:pt x="2904" y="704"/>
+                </a:lnTo>
+                <a:lnTo>
+                  <a:pt x="2914" y="733"/>
+                </a:lnTo>
+                <a:lnTo>
+                  <a:pt x="2926" y="760"/>
+                </a:lnTo>
+                <a:lnTo>
+                  <a:pt x="2940" y="785"/>
+                </a:lnTo>
+                <a:lnTo>
+                  <a:pt x="2958" y="807"/>
+                </a:lnTo>
+                <a:lnTo>
+                  <a:pt x="2978" y="830"/>
+                </a:lnTo>
+                <a:lnTo>
+                  <a:pt x="3001" y="850"/>
+                </a:lnTo>
+                <a:lnTo>
+                  <a:pt x="3025" y="869"/>
+                </a:lnTo>
+                <a:lnTo>
+                  <a:pt x="3051" y="888"/>
+                </a:lnTo>
+                <a:lnTo>
+                  <a:pt x="3076" y="907"/>
+                </a:lnTo>
+                <a:lnTo>
+                  <a:pt x="3100" y="926"/>
+                </a:lnTo>
+                <a:lnTo>
+                  <a:pt x="3123" y="947"/>
+                </a:lnTo>
+                <a:lnTo>
+                  <a:pt x="3143" y="968"/>
+                </a:lnTo>
+                <a:lnTo>
+                  <a:pt x="3160" y="992"/>
+                </a:lnTo>
+                <a:lnTo>
+                  <a:pt x="3173" y="1017"/>
+                </a:lnTo>
+                <a:lnTo>
+                  <a:pt x="3182" y="1047"/>
+                </a:lnTo>
+                <a:lnTo>
+                  <a:pt x="3186" y="1078"/>
+                </a:lnTo>
+                <a:lnTo>
+                  <a:pt x="3187" y="1110"/>
+                </a:lnTo>
+                <a:lnTo>
+                  <a:pt x="3184" y="1144"/>
+                </a:lnTo>
+                <a:lnTo>
+                  <a:pt x="3180" y="1178"/>
+                </a:lnTo>
+                <a:lnTo>
+                  <a:pt x="3175" y="1212"/>
+                </a:lnTo>
+                <a:lnTo>
+                  <a:pt x="3171" y="1246"/>
+                </a:lnTo>
+                <a:lnTo>
+                  <a:pt x="3169" y="1280"/>
+                </a:lnTo>
+                <a:lnTo>
+                  <a:pt x="3169" y="1313"/>
+                </a:lnTo>
+                <a:lnTo>
+                  <a:pt x="3173" y="1344"/>
+                </a:lnTo>
+                <a:lnTo>
+                  <a:pt x="3181" y="1375"/>
+                </a:lnTo>
+                <a:lnTo>
+                  <a:pt x="3193" y="1404"/>
+                </a:lnTo>
+                <a:lnTo>
+                  <a:pt x="3209" y="1434"/>
+                </a:lnTo>
+                <a:lnTo>
+                  <a:pt x="3225" y="1464"/>
+                </a:lnTo>
+                <a:lnTo>
+                  <a:pt x="3243" y="1494"/>
+                </a:lnTo>
+                <a:lnTo>
+                  <a:pt x="3260" y="1523"/>
+                </a:lnTo>
+                <a:lnTo>
+                  <a:pt x="3275" y="1554"/>
+                </a:lnTo>
+                <a:lnTo>
+                  <a:pt x="3287" y="1584"/>
+                </a:lnTo>
+                <a:lnTo>
+                  <a:pt x="3295" y="1615"/>
+                </a:lnTo>
+                <a:lnTo>
+                  <a:pt x="3298" y="1647"/>
+                </a:lnTo>
+                <a:lnTo>
+                  <a:pt x="3295" y="1679"/>
+                </a:lnTo>
+                <a:lnTo>
+                  <a:pt x="3287" y="1710"/>
+                </a:lnTo>
+                <a:lnTo>
+                  <a:pt x="3275" y="1740"/>
+                </a:lnTo>
+                <a:lnTo>
+                  <a:pt x="3260" y="1771"/>
+                </a:lnTo>
+                <a:lnTo>
+                  <a:pt x="3243" y="1800"/>
+                </a:lnTo>
+                <a:lnTo>
+                  <a:pt x="3225" y="1830"/>
+                </a:lnTo>
+                <a:lnTo>
+                  <a:pt x="3209" y="1860"/>
+                </a:lnTo>
+                <a:lnTo>
+                  <a:pt x="3193" y="1890"/>
+                </a:lnTo>
+                <a:lnTo>
+                  <a:pt x="3181" y="1919"/>
+                </a:lnTo>
+                <a:lnTo>
+                  <a:pt x="3173" y="1950"/>
+                </a:lnTo>
+                <a:lnTo>
+                  <a:pt x="3169" y="1981"/>
+                </a:lnTo>
+                <a:lnTo>
+                  <a:pt x="3169" y="2014"/>
+                </a:lnTo>
+                <a:lnTo>
+                  <a:pt x="3171" y="2048"/>
+                </a:lnTo>
+                <a:lnTo>
+                  <a:pt x="3175" y="2082"/>
+                </a:lnTo>
+                <a:lnTo>
+                  <a:pt x="3180" y="2116"/>
+                </a:lnTo>
+                <a:lnTo>
+                  <a:pt x="3184" y="2150"/>
+                </a:lnTo>
+                <a:lnTo>
+                  <a:pt x="3187" y="2184"/>
+                </a:lnTo>
+                <a:lnTo>
+                  <a:pt x="3186" y="2216"/>
+                </a:lnTo>
+                <a:lnTo>
+                  <a:pt x="3182" y="2247"/>
+                </a:lnTo>
+                <a:lnTo>
+                  <a:pt x="3173" y="2277"/>
+                </a:lnTo>
+                <a:lnTo>
+                  <a:pt x="3160" y="2302"/>
+                </a:lnTo>
+                <a:lnTo>
+                  <a:pt x="3143" y="2326"/>
+                </a:lnTo>
+                <a:lnTo>
+                  <a:pt x="3123" y="2347"/>
+                </a:lnTo>
+                <a:lnTo>
+                  <a:pt x="3100" y="2368"/>
+                </a:lnTo>
+                <a:lnTo>
+                  <a:pt x="3076" y="2387"/>
+                </a:lnTo>
+                <a:lnTo>
+                  <a:pt x="3051" y="2406"/>
+                </a:lnTo>
+                <a:lnTo>
+                  <a:pt x="3025" y="2425"/>
+                </a:lnTo>
+                <a:lnTo>
+                  <a:pt x="3001" y="2444"/>
+                </a:lnTo>
+                <a:lnTo>
+                  <a:pt x="2978" y="2464"/>
+                </a:lnTo>
+                <a:lnTo>
+                  <a:pt x="2958" y="2487"/>
+                </a:lnTo>
+                <a:lnTo>
+                  <a:pt x="2940" y="2509"/>
+                </a:lnTo>
+                <a:lnTo>
+                  <a:pt x="2926" y="2534"/>
+                </a:lnTo>
+                <a:lnTo>
+                  <a:pt x="2914" y="2561"/>
+                </a:lnTo>
+                <a:lnTo>
+                  <a:pt x="2904" y="2590"/>
+                </a:lnTo>
+                <a:lnTo>
+                  <a:pt x="2895" y="2620"/>
+                </a:lnTo>
+                <a:lnTo>
+                  <a:pt x="2887" y="2650"/>
+                </a:lnTo>
+                <a:lnTo>
+                  <a:pt x="2879" y="2681"/>
+                </a:lnTo>
+                <a:lnTo>
+                  <a:pt x="2870" y="2710"/>
+                </a:lnTo>
+                <a:lnTo>
+                  <a:pt x="2860" y="2739"/>
+                </a:lnTo>
+                <a:lnTo>
+                  <a:pt x="2848" y="2766"/>
+                </a:lnTo>
+                <a:lnTo>
+                  <a:pt x="2833" y="2790"/>
+                </a:lnTo>
+                <a:lnTo>
+                  <a:pt x="2815" y="2812"/>
+                </a:lnTo>
+                <a:lnTo>
+                  <a:pt x="2793" y="2830"/>
+                </a:lnTo>
+                <a:lnTo>
+                  <a:pt x="2769" y="2845"/>
+                </a:lnTo>
+                <a:lnTo>
+                  <a:pt x="2742" y="2857"/>
+                </a:lnTo>
+                <a:lnTo>
+                  <a:pt x="2713" y="2867"/>
+                </a:lnTo>
+                <a:lnTo>
+                  <a:pt x="2684" y="2876"/>
+                </a:lnTo>
+                <a:lnTo>
+                  <a:pt x="2653" y="2884"/>
+                </a:lnTo>
+                <a:lnTo>
+                  <a:pt x="2623" y="2892"/>
+                </a:lnTo>
+                <a:lnTo>
+                  <a:pt x="2593" y="2901"/>
+                </a:lnTo>
+                <a:lnTo>
+                  <a:pt x="2564" y="2911"/>
+                </a:lnTo>
+                <a:lnTo>
+                  <a:pt x="2537" y="2923"/>
+                </a:lnTo>
+                <a:lnTo>
+                  <a:pt x="2512" y="2937"/>
+                </a:lnTo>
+                <a:lnTo>
+                  <a:pt x="2490" y="2955"/>
+                </a:lnTo>
+                <a:lnTo>
+                  <a:pt x="2467" y="2975"/>
+                </a:lnTo>
+                <a:lnTo>
+                  <a:pt x="2447" y="2998"/>
+                </a:lnTo>
+                <a:lnTo>
+                  <a:pt x="2428" y="3022"/>
+                </a:lnTo>
+                <a:lnTo>
+                  <a:pt x="2409" y="3047"/>
+                </a:lnTo>
+                <a:lnTo>
+                  <a:pt x="2390" y="3072"/>
+                </a:lnTo>
+                <a:lnTo>
+                  <a:pt x="2371" y="3096"/>
+                </a:lnTo>
+                <a:lnTo>
+                  <a:pt x="2350" y="3119"/>
+                </a:lnTo>
+                <a:lnTo>
+                  <a:pt x="2329" y="3139"/>
+                </a:lnTo>
+                <a:lnTo>
+                  <a:pt x="2305" y="3156"/>
+                </a:lnTo>
+                <a:lnTo>
+                  <a:pt x="2280" y="3169"/>
+                </a:lnTo>
+                <a:lnTo>
+                  <a:pt x="2250" y="3178"/>
+                </a:lnTo>
+                <a:lnTo>
+                  <a:pt x="2219" y="3182"/>
+                </a:lnTo>
+                <a:lnTo>
+                  <a:pt x="2187" y="3183"/>
+                </a:lnTo>
+                <a:lnTo>
+                  <a:pt x="2153" y="3180"/>
+                </a:lnTo>
+                <a:lnTo>
+                  <a:pt x="2119" y="3176"/>
+                </a:lnTo>
+                <a:lnTo>
+                  <a:pt x="2085" y="3171"/>
+                </a:lnTo>
+                <a:lnTo>
+                  <a:pt x="2051" y="3167"/>
+                </a:lnTo>
+                <a:lnTo>
+                  <a:pt x="2017" y="3165"/>
+                </a:lnTo>
+                <a:lnTo>
+                  <a:pt x="1984" y="3165"/>
+                </a:lnTo>
+                <a:lnTo>
+                  <a:pt x="1953" y="3169"/>
+                </a:lnTo>
+                <a:lnTo>
+                  <a:pt x="1921" y="3177"/>
+                </a:lnTo>
+                <a:lnTo>
+                  <a:pt x="1892" y="3189"/>
+                </a:lnTo>
+                <a:lnTo>
+                  <a:pt x="1862" y="3205"/>
+                </a:lnTo>
+                <a:lnTo>
+                  <a:pt x="1832" y="3221"/>
+                </a:lnTo>
+                <a:lnTo>
+                  <a:pt x="1802" y="3239"/>
+                </a:lnTo>
+                <a:lnTo>
+                  <a:pt x="1773" y="3256"/>
+                </a:lnTo>
+                <a:lnTo>
+                  <a:pt x="1742" y="3271"/>
+                </a:lnTo>
+                <a:lnTo>
+                  <a:pt x="1712" y="3283"/>
+                </a:lnTo>
+                <a:lnTo>
+                  <a:pt x="1681" y="3291"/>
+                </a:lnTo>
+                <a:lnTo>
+                  <a:pt x="1649" y="3294"/>
+                </a:lnTo>
+                <a:lnTo>
+                  <a:pt x="1617" y="3291"/>
+                </a:lnTo>
+                <a:lnTo>
+                  <a:pt x="1586" y="3283"/>
+                </a:lnTo>
+                <a:lnTo>
+                  <a:pt x="1556" y="3271"/>
+                </a:lnTo>
+                <a:lnTo>
+                  <a:pt x="1525" y="3256"/>
+                </a:lnTo>
+                <a:lnTo>
+                  <a:pt x="1496" y="3239"/>
+                </a:lnTo>
+                <a:lnTo>
+                  <a:pt x="1466" y="3221"/>
+                </a:lnTo>
+                <a:lnTo>
+                  <a:pt x="1436" y="3205"/>
+                </a:lnTo>
+                <a:lnTo>
+                  <a:pt x="1406" y="3189"/>
+                </a:lnTo>
+                <a:lnTo>
+                  <a:pt x="1376" y="3177"/>
+                </a:lnTo>
+                <a:lnTo>
+                  <a:pt x="1345" y="3169"/>
+                </a:lnTo>
+                <a:lnTo>
+                  <a:pt x="1314" y="3165"/>
+                </a:lnTo>
+                <a:lnTo>
+                  <a:pt x="1281" y="3165"/>
+                </a:lnTo>
+                <a:lnTo>
+                  <a:pt x="1247" y="3167"/>
+                </a:lnTo>
+                <a:lnTo>
+                  <a:pt x="1213" y="3171"/>
+                </a:lnTo>
+                <a:lnTo>
+                  <a:pt x="1179" y="3176"/>
+                </a:lnTo>
+                <a:lnTo>
+                  <a:pt x="1145" y="3180"/>
+                </a:lnTo>
+                <a:lnTo>
+                  <a:pt x="1111" y="3183"/>
+                </a:lnTo>
+                <a:lnTo>
+                  <a:pt x="1079" y="3182"/>
+                </a:lnTo>
+                <a:lnTo>
+                  <a:pt x="1048" y="3178"/>
+                </a:lnTo>
+                <a:lnTo>
+                  <a:pt x="1018" y="3169"/>
+                </a:lnTo>
+                <a:lnTo>
+                  <a:pt x="993" y="3156"/>
+                </a:lnTo>
+                <a:lnTo>
+                  <a:pt x="969" y="3139"/>
+                </a:lnTo>
+                <a:lnTo>
+                  <a:pt x="948" y="3119"/>
+                </a:lnTo>
+                <a:lnTo>
+                  <a:pt x="927" y="3096"/>
+                </a:lnTo>
+                <a:lnTo>
+                  <a:pt x="908" y="3072"/>
+                </a:lnTo>
+                <a:lnTo>
+                  <a:pt x="889" y="3047"/>
+                </a:lnTo>
+                <a:lnTo>
+                  <a:pt x="870" y="3022"/>
+                </a:lnTo>
+                <a:lnTo>
+                  <a:pt x="851" y="2998"/>
+                </a:lnTo>
+                <a:lnTo>
+                  <a:pt x="831" y="2975"/>
+                </a:lnTo>
+                <a:lnTo>
+                  <a:pt x="808" y="2955"/>
+                </a:lnTo>
+                <a:lnTo>
+                  <a:pt x="786" y="2937"/>
+                </a:lnTo>
+                <a:lnTo>
+                  <a:pt x="761" y="2923"/>
+                </a:lnTo>
+                <a:lnTo>
+                  <a:pt x="734" y="2911"/>
+                </a:lnTo>
+                <a:lnTo>
+                  <a:pt x="705" y="2901"/>
+                </a:lnTo>
+                <a:lnTo>
+                  <a:pt x="675" y="2892"/>
+                </a:lnTo>
+                <a:lnTo>
+                  <a:pt x="645" y="2884"/>
+                </a:lnTo>
+                <a:lnTo>
+                  <a:pt x="614" y="2876"/>
+                </a:lnTo>
+                <a:lnTo>
+                  <a:pt x="585" y="2867"/>
+                </a:lnTo>
+                <a:lnTo>
+                  <a:pt x="556" y="2857"/>
+                </a:lnTo>
+                <a:lnTo>
+                  <a:pt x="529" y="2845"/>
+                </a:lnTo>
+                <a:lnTo>
+                  <a:pt x="505" y="2830"/>
+                </a:lnTo>
+                <a:lnTo>
+                  <a:pt x="483" y="2812"/>
+                </a:lnTo>
+                <a:lnTo>
+                  <a:pt x="465" y="2790"/>
+                </a:lnTo>
+                <a:lnTo>
+                  <a:pt x="450" y="2766"/>
+                </a:lnTo>
+                <a:lnTo>
+                  <a:pt x="438" y="2739"/>
+                </a:lnTo>
+                <a:lnTo>
+                  <a:pt x="428" y="2710"/>
+                </a:lnTo>
+                <a:lnTo>
+                  <a:pt x="419" y="2681"/>
+                </a:lnTo>
+                <a:lnTo>
+                  <a:pt x="411" y="2650"/>
+                </a:lnTo>
+                <a:lnTo>
+                  <a:pt x="403" y="2620"/>
+                </a:lnTo>
+                <a:lnTo>
+                  <a:pt x="394" y="2590"/>
+                </a:lnTo>
+                <a:lnTo>
+                  <a:pt x="384" y="2561"/>
+                </a:lnTo>
+                <a:lnTo>
+                  <a:pt x="372" y="2534"/>
+                </a:lnTo>
+                <a:lnTo>
+                  <a:pt x="358" y="2509"/>
+                </a:lnTo>
+                <a:lnTo>
+                  <a:pt x="340" y="2487"/>
+                </a:lnTo>
+                <a:lnTo>
+                  <a:pt x="320" y="2464"/>
+                </a:lnTo>
+                <a:lnTo>
+                  <a:pt x="297" y="2444"/>
+                </a:lnTo>
+                <a:lnTo>
+                  <a:pt x="272" y="2425"/>
+                </a:lnTo>
+                <a:lnTo>
+                  <a:pt x="247" y="2406"/>
+                </a:lnTo>
+                <a:lnTo>
+                  <a:pt x="222" y="2387"/>
+                </a:lnTo>
+                <a:lnTo>
+                  <a:pt x="198" y="2368"/>
+                </a:lnTo>
+                <a:lnTo>
+                  <a:pt x="175" y="2347"/>
+                </a:lnTo>
+                <a:lnTo>
+                  <a:pt x="155" y="2326"/>
+                </a:lnTo>
+                <a:lnTo>
+                  <a:pt x="138" y="2302"/>
+                </a:lnTo>
+                <a:lnTo>
+                  <a:pt x="125" y="2277"/>
+                </a:lnTo>
+                <a:lnTo>
+                  <a:pt x="116" y="2247"/>
+                </a:lnTo>
+                <a:lnTo>
+                  <a:pt x="112" y="2216"/>
+                </a:lnTo>
+                <a:lnTo>
+                  <a:pt x="111" y="2184"/>
+                </a:lnTo>
+                <a:lnTo>
+                  <a:pt x="114" y="2150"/>
+                </a:lnTo>
+                <a:lnTo>
+                  <a:pt x="118" y="2116"/>
+                </a:lnTo>
+                <a:lnTo>
+                  <a:pt x="123" y="2082"/>
+                </a:lnTo>
+                <a:lnTo>
+                  <a:pt x="127" y="2048"/>
+                </a:lnTo>
+                <a:lnTo>
+                  <a:pt x="129" y="2014"/>
+                </a:lnTo>
+                <a:lnTo>
+                  <a:pt x="129" y="1981"/>
+                </a:lnTo>
+                <a:lnTo>
+                  <a:pt x="125" y="1950"/>
+                </a:lnTo>
+                <a:lnTo>
+                  <a:pt x="117" y="1919"/>
+                </a:lnTo>
+                <a:lnTo>
+                  <a:pt x="105" y="1890"/>
+                </a:lnTo>
+                <a:lnTo>
+                  <a:pt x="90" y="1860"/>
+                </a:lnTo>
+                <a:lnTo>
+                  <a:pt x="73" y="1830"/>
+                </a:lnTo>
+                <a:lnTo>
+                  <a:pt x="55" y="1800"/>
+                </a:lnTo>
+                <a:lnTo>
+                  <a:pt x="38" y="1771"/>
+                </a:lnTo>
+                <a:lnTo>
+                  <a:pt x="23" y="1740"/>
+                </a:lnTo>
+                <a:lnTo>
+                  <a:pt x="11" y="1710"/>
+                </a:lnTo>
+                <a:lnTo>
+                  <a:pt x="3" y="1679"/>
+                </a:lnTo>
+                <a:lnTo>
+                  <a:pt x="0" y="1647"/>
+                </a:lnTo>
+                <a:lnTo>
+                  <a:pt x="3" y="1615"/>
+                </a:lnTo>
+                <a:lnTo>
+                  <a:pt x="11" y="1584"/>
+                </a:lnTo>
+                <a:lnTo>
+                  <a:pt x="23" y="1554"/>
+                </a:lnTo>
+                <a:lnTo>
+                  <a:pt x="38" y="1523"/>
+                </a:lnTo>
+                <a:lnTo>
+                  <a:pt x="55" y="1494"/>
+                </a:lnTo>
+                <a:lnTo>
+                  <a:pt x="73" y="1464"/>
+                </a:lnTo>
+                <a:lnTo>
+                  <a:pt x="90" y="1434"/>
+                </a:lnTo>
+                <a:lnTo>
+                  <a:pt x="105" y="1404"/>
+                </a:lnTo>
+                <a:lnTo>
+                  <a:pt x="117" y="1375"/>
+                </a:lnTo>
+                <a:lnTo>
+                  <a:pt x="125" y="1344"/>
+                </a:lnTo>
+                <a:lnTo>
+                  <a:pt x="129" y="1313"/>
+                </a:lnTo>
+                <a:lnTo>
+                  <a:pt x="129" y="1280"/>
+                </a:lnTo>
+                <a:lnTo>
+                  <a:pt x="127" y="1246"/>
+                </a:lnTo>
+                <a:lnTo>
+                  <a:pt x="123" y="1212"/>
+                </a:lnTo>
+                <a:lnTo>
+                  <a:pt x="118" y="1178"/>
+                </a:lnTo>
+                <a:lnTo>
+                  <a:pt x="114" y="1144"/>
+                </a:lnTo>
+                <a:lnTo>
+                  <a:pt x="111" y="1110"/>
+                </a:lnTo>
+                <a:lnTo>
+                  <a:pt x="112" y="1078"/>
+                </a:lnTo>
+                <a:lnTo>
+                  <a:pt x="116" y="1047"/>
+                </a:lnTo>
+                <a:lnTo>
+                  <a:pt x="125" y="1017"/>
+                </a:lnTo>
+                <a:lnTo>
+                  <a:pt x="138" y="992"/>
+                </a:lnTo>
+                <a:lnTo>
+                  <a:pt x="155" y="968"/>
+                </a:lnTo>
+                <a:lnTo>
+                  <a:pt x="175" y="947"/>
+                </a:lnTo>
+                <a:lnTo>
+                  <a:pt x="198" y="926"/>
+                </a:lnTo>
+                <a:lnTo>
+                  <a:pt x="222" y="907"/>
+                </a:lnTo>
+                <a:lnTo>
+                  <a:pt x="247" y="888"/>
+                </a:lnTo>
+                <a:lnTo>
+                  <a:pt x="272" y="869"/>
+                </a:lnTo>
+                <a:lnTo>
+                  <a:pt x="297" y="850"/>
+                </a:lnTo>
+                <a:lnTo>
+                  <a:pt x="320" y="830"/>
+                </a:lnTo>
+                <a:lnTo>
+                  <a:pt x="340" y="807"/>
+                </a:lnTo>
+                <a:lnTo>
+                  <a:pt x="358" y="785"/>
+                </a:lnTo>
+                <a:lnTo>
+                  <a:pt x="372" y="760"/>
+                </a:lnTo>
+                <a:lnTo>
+                  <a:pt x="384" y="733"/>
+                </a:lnTo>
+                <a:lnTo>
+                  <a:pt x="394" y="704"/>
+                </a:lnTo>
+                <a:lnTo>
+                  <a:pt x="403" y="674"/>
+                </a:lnTo>
+                <a:lnTo>
+                  <a:pt x="411" y="644"/>
+                </a:lnTo>
+                <a:lnTo>
+                  <a:pt x="419" y="613"/>
+                </a:lnTo>
+                <a:lnTo>
+                  <a:pt x="428" y="584"/>
+                </a:lnTo>
+                <a:lnTo>
+                  <a:pt x="438" y="555"/>
+                </a:lnTo>
+                <a:lnTo>
+                  <a:pt x="450" y="528"/>
+                </a:lnTo>
+                <a:lnTo>
+                  <a:pt x="465" y="504"/>
+                </a:lnTo>
+                <a:lnTo>
+                  <a:pt x="483" y="482"/>
+                </a:lnTo>
+                <a:lnTo>
+                  <a:pt x="505" y="464"/>
+                </a:lnTo>
+                <a:lnTo>
+                  <a:pt x="529" y="449"/>
+                </a:lnTo>
+                <a:lnTo>
+                  <a:pt x="556" y="437"/>
+                </a:lnTo>
+                <a:lnTo>
+                  <a:pt x="585" y="427"/>
+                </a:lnTo>
+                <a:lnTo>
+                  <a:pt x="614" y="418"/>
+                </a:lnTo>
+                <a:lnTo>
+                  <a:pt x="645" y="410"/>
+                </a:lnTo>
+                <a:lnTo>
+                  <a:pt x="675" y="402"/>
+                </a:lnTo>
+                <a:lnTo>
+                  <a:pt x="705" y="393"/>
+                </a:lnTo>
+                <a:lnTo>
+                  <a:pt x="734" y="383"/>
+                </a:lnTo>
+                <a:lnTo>
+                  <a:pt x="761" y="371"/>
+                </a:lnTo>
+                <a:lnTo>
+                  <a:pt x="786" y="357"/>
+                </a:lnTo>
+                <a:lnTo>
+                  <a:pt x="808" y="339"/>
+                </a:lnTo>
+                <a:lnTo>
+                  <a:pt x="831" y="319"/>
+                </a:lnTo>
+                <a:lnTo>
+                  <a:pt x="851" y="296"/>
+                </a:lnTo>
+                <a:lnTo>
+                  <a:pt x="870" y="272"/>
+                </a:lnTo>
+                <a:lnTo>
+                  <a:pt x="889" y="247"/>
+                </a:lnTo>
+                <a:lnTo>
+                  <a:pt x="908" y="222"/>
+                </a:lnTo>
+                <a:lnTo>
+                  <a:pt x="927" y="198"/>
+                </a:lnTo>
+                <a:lnTo>
+                  <a:pt x="948" y="175"/>
+                </a:lnTo>
+                <a:lnTo>
+                  <a:pt x="969" y="155"/>
+                </a:lnTo>
+                <a:lnTo>
+                  <a:pt x="993" y="138"/>
+                </a:lnTo>
+                <a:lnTo>
+                  <a:pt x="1018" y="125"/>
+                </a:lnTo>
+                <a:lnTo>
+                  <a:pt x="1048" y="116"/>
+                </a:lnTo>
+                <a:lnTo>
+                  <a:pt x="1079" y="112"/>
+                </a:lnTo>
+                <a:lnTo>
+                  <a:pt x="1111" y="111"/>
+                </a:lnTo>
+                <a:lnTo>
+                  <a:pt x="1145" y="114"/>
+                </a:lnTo>
+                <a:lnTo>
+                  <a:pt x="1179" y="118"/>
+                </a:lnTo>
+                <a:lnTo>
+                  <a:pt x="1213" y="123"/>
+                </a:lnTo>
+                <a:lnTo>
+                  <a:pt x="1247" y="127"/>
+                </a:lnTo>
+                <a:lnTo>
+                  <a:pt x="1281" y="129"/>
+                </a:lnTo>
+                <a:lnTo>
+                  <a:pt x="1314" y="129"/>
+                </a:lnTo>
+                <a:lnTo>
+                  <a:pt x="1345" y="125"/>
+                </a:lnTo>
+                <a:lnTo>
+                  <a:pt x="1376" y="117"/>
+                </a:lnTo>
+                <a:lnTo>
+                  <a:pt x="1406" y="105"/>
+                </a:lnTo>
+                <a:lnTo>
+                  <a:pt x="1436" y="89"/>
+                </a:lnTo>
+                <a:lnTo>
+                  <a:pt x="1466" y="73"/>
+                </a:lnTo>
+                <a:lnTo>
+                  <a:pt x="1496" y="55"/>
+                </a:lnTo>
+                <a:lnTo>
+                  <a:pt x="1525" y="38"/>
+                </a:lnTo>
+                <a:lnTo>
+                  <a:pt x="1556" y="23"/>
+                </a:lnTo>
+                <a:lnTo>
+                  <a:pt x="1586" y="11"/>
+                </a:lnTo>
+                <a:lnTo>
+                  <a:pt x="1617" y="3"/>
+                </a:lnTo>
+                <a:lnTo>
+                  <a:pt x="1649" y="0"/>
+                </a:lnTo>
+                <a:close/>
+              </a:path>
+            </a:pathLst>
+          </a:custGeom>
+          <a:solidFill>
+            <a:schemeClr val="bg2"/>
+          </a:solidFill>
+          <a:ln w="0">
+            <a:noFill/>
+            <a:prstDash val="solid"/>
+            <a:round/>
+            <a:headEnd/>
+            <a:tailEnd/>
+          </a:ln>
+        </p:spPr>
+      </p:sp>
+      <p:sp>
+        <p:nvSpPr>
+          <p:cNvPr id="12" name="Rechteck 11">
+            <a:extLst>
+              <a:ext uri="{FF2B5EF4-FFF2-40B4-BE49-F238E27FC236}">
+                <a16:creationId xmlns:a16="http://schemas.microsoft.com/office/drawing/2014/main" id="{6F1BF92E-23CF-4BFE-9E1F-C359BACFA3C5}"/>
+              </a:ext>
+              <a:ext uri="{C183D7F6-B498-43B3-948B-1728B52AA6E4}">
+                <adec:decorative xmlns:adec="http://schemas.microsoft.com/office/drawing/2017/decorative" val="1"/>
+              </a:ext>
+            </a:extLst>
+          </p:cNvPr>
+          <p:cNvSpPr>
+            <a:spLocks noGrp="1" noRot="1" noChangeAspect="1" noMove="1" noResize="1" noEditPoints="1" noAdjustHandles="1" noChangeArrowheads="1" noChangeShapeType="1" noTextEdit="1"/>
+          </p:cNvSpPr>
+          <p:nvPr>
+            <p:extLst>
+              <p:ext uri="{386F3935-93C4-4BCD-93E2-E3B085C9AB24}">
+                <p16:designElem xmlns:p16="http://schemas.microsoft.com/office/powerpoint/2015/main" val="1"/>
+              </p:ext>
+            </p:extLst>
+          </p:nvPr>
+        </p:nvSpPr>
+        <p:spPr>
+          <a:xfrm>
+            <a:off x="0" y="0"/>
+            <a:ext cx="283464" cy="6858000"/>
+          </a:xfrm>
+          <a:prstGeom prst="rect">
+            <a:avLst/>
+          </a:prstGeom>
+          <a:solidFill>
+            <a:schemeClr val="tx2"/>
+          </a:solidFill>
+          <a:ln>
+            <a:noFill/>
+          </a:ln>
+        </p:spPr>
+        <p:style>
+          <a:lnRef idx="2">
+            <a:schemeClr val="accent1">
+              <a:shade val="50000"/>
+            </a:schemeClr>
+          </a:lnRef>
+          <a:fillRef idx="1">
+            <a:schemeClr val="accent1"/>
+          </a:fillRef>
+          <a:effectRef idx="0">
+            <a:schemeClr val="accent1"/>
+          </a:effectRef>
+          <a:fontRef idx="minor">
+            <a:schemeClr val="lt1"/>
+          </a:fontRef>
+        </p:style>
+      </p:sp>
+      <p:sp useBgFill="1">
+        <p:nvSpPr>
+          <p:cNvPr id="14" name="Rechteck 13">
+            <a:extLst>
+              <a:ext uri="{FF2B5EF4-FFF2-40B4-BE49-F238E27FC236}">
+                <a16:creationId xmlns:a16="http://schemas.microsoft.com/office/drawing/2014/main" id="{B89090F2-B101-458B-9AFF-27327443BB09}"/>
+              </a:ext>
+              <a:ext uri="{C183D7F6-B498-43B3-948B-1728B52AA6E4}">
+                <adec:decorative xmlns:adec="http://schemas.microsoft.com/office/drawing/2017/decorative" val="1"/>
+              </a:ext>
+            </a:extLst>
+          </p:cNvPr>
+          <p:cNvSpPr>
+            <a:spLocks noGrp="1" noRot="1" noChangeAspect="1" noMove="1" noResize="1" noEditPoints="1" noAdjustHandles="1" noChangeArrowheads="1" noChangeShapeType="1" noTextEdit="1"/>
+          </p:cNvSpPr>
+          <p:nvPr>
+            <p:extLst>
+              <p:ext uri="{386F3935-93C4-4BCD-93E2-E3B085C9AB24}">
+                <p16:designElem xmlns:p16="http://schemas.microsoft.com/office/powerpoint/2015/main" val="1"/>
+              </p:ext>
+            </p:extLst>
+          </p:nvPr>
+        </p:nvSpPr>
+        <p:spPr bwMode="white">
+          <a:xfrm>
+            <a:off x="0" y="0"/>
+            <a:ext cx="12192000" cy="6858000"/>
+          </a:xfrm>
+          <a:prstGeom prst="rect">
+            <a:avLst/>
+          </a:prstGeom>
+          <a:ln>
+            <a:noFill/>
+          </a:ln>
+        </p:spPr>
+        <p:style>
+          <a:lnRef idx="2">
+            <a:schemeClr val="accent1">
+              <a:shade val="50000"/>
+            </a:schemeClr>
+          </a:lnRef>
+          <a:fillRef idx="1">
+            <a:schemeClr val="accent1"/>
+          </a:fillRef>
+          <a:effectRef idx="0">
+            <a:schemeClr val="accent1"/>
+          </a:effectRef>
+          <a:fontRef idx="minor">
+            <a:schemeClr val="lt1"/>
+          </a:fontRef>
+        </p:style>
+        <p:txBody>
+          <a:bodyPr rot="0" spcFirstLastPara="0" vert="horz" wrap="square" lIns="91440" tIns="45720" rIns="91440" bIns="45720" numCol="1" spcCol="0" rtlCol="0" fromWordArt="0" anchor="ctr" anchorCtr="0" forceAA="0" compatLnSpc="1">
+            <a:prstTxWarp prst="textNoShape">
+              <a:avLst/>
+            </a:prstTxWarp>
+            <a:noAutofit/>
+          </a:bodyPr>
+          <a:lstStyle>
+            <a:defPPr>
+              <a:defRPr lang="en-US"/>
+            </a:defPPr>
+            <a:lvl1pPr marL="0" algn="l" defTabSz="914400" rtl="0" eaLnBrk="1" latinLnBrk="0" hangingPunct="1">
+              <a:defRPr sz="1800" kern="1200">
+                <a:solidFill>
+                  <a:schemeClr val="lt1"/>
+                </a:solidFill>
+                <a:latin typeface="+mn-lt"/>
+                <a:ea typeface="+mn-ea"/>
+                <a:cs typeface="+mn-cs"/>
+              </a:defRPr>
+            </a:lvl1pPr>
+            <a:lvl2pPr marL="457200" algn="l" defTabSz="914400" rtl="0" eaLnBrk="1" latinLnBrk="0" hangingPunct="1">
+              <a:defRPr sz="1800" kern="1200">
+                <a:solidFill>
+                  <a:schemeClr val="lt1"/>
+                </a:solidFill>
+                <a:latin typeface="+mn-lt"/>
+                <a:ea typeface="+mn-ea"/>
+                <a:cs typeface="+mn-cs"/>
+              </a:defRPr>
+            </a:lvl2pPr>
+            <a:lvl3pPr marL="914400" algn="l" defTabSz="914400" rtl="0" eaLnBrk="1" latinLnBrk="0" hangingPunct="1">
+              <a:defRPr sz="1800" kern="1200">
+                <a:solidFill>
+                  <a:schemeClr val="lt1"/>
+                </a:solidFill>
+                <a:latin typeface="+mn-lt"/>
+                <a:ea typeface="+mn-ea"/>
+                <a:cs typeface="+mn-cs"/>
+              </a:defRPr>
+            </a:lvl3pPr>
+            <a:lvl4pPr marL="1371600" algn="l" defTabSz="914400" rtl="0" eaLnBrk="1" latinLnBrk="0" hangingPunct="1">
+              <a:defRPr sz="1800" kern="1200">
+                <a:solidFill>
+                  <a:schemeClr val="lt1"/>
+                </a:solidFill>
+                <a:latin typeface="+mn-lt"/>
+                <a:ea typeface="+mn-ea"/>
+                <a:cs typeface="+mn-cs"/>
+              </a:defRPr>
+            </a:lvl4pPr>
+            <a:lvl5pPr marL="1828800" algn="l" defTabSz="914400" rtl="0" eaLnBrk="1" latinLnBrk="0" hangingPunct="1">
+              <a:defRPr sz="1800" kern="1200">
+                <a:solidFill>
+                  <a:schemeClr val="lt1"/>
+                </a:solidFill>
+                <a:latin typeface="+mn-lt"/>
+                <a:ea typeface="+mn-ea"/>
+                <a:cs typeface="+mn-cs"/>
+              </a:defRPr>
+            </a:lvl5pPr>
+            <a:lvl6pPr marL="2286000" algn="l" defTabSz="914400" rtl="0" eaLnBrk="1" latinLnBrk="0" hangingPunct="1">
+              <a:defRPr sz="1800" kern="1200">
+                <a:solidFill>
+                  <a:schemeClr val="lt1"/>
+                </a:solidFill>
+                <a:latin typeface="+mn-lt"/>
+                <a:ea typeface="+mn-ea"/>
+                <a:cs typeface="+mn-cs"/>
+              </a:defRPr>
+            </a:lvl6pPr>
+            <a:lvl7pPr marL="2743200" algn="l" defTabSz="914400" rtl="0" eaLnBrk="1" latinLnBrk="0" hangingPunct="1">
+              <a:defRPr sz="1800" kern="1200">
+                <a:solidFill>
+                  <a:schemeClr val="lt1"/>
+                </a:solidFill>
+                <a:latin typeface="+mn-lt"/>
+                <a:ea typeface="+mn-ea"/>
+                <a:cs typeface="+mn-cs"/>
+              </a:defRPr>
+            </a:lvl7pPr>
+            <a:lvl8pPr marL="3200400" algn="l" defTabSz="914400" rtl="0" eaLnBrk="1" latinLnBrk="0" hangingPunct="1">
+              <a:defRPr sz="1800" kern="1200">
+                <a:solidFill>
+                  <a:schemeClr val="lt1"/>
+                </a:solidFill>
+                <a:latin typeface="+mn-lt"/>
+                <a:ea typeface="+mn-ea"/>
+                <a:cs typeface="+mn-cs"/>
+              </a:defRPr>
+            </a:lvl8pPr>
+            <a:lvl9pPr marL="3657600" algn="l" defTabSz="914400" rtl="0" eaLnBrk="1" latinLnBrk="0" hangingPunct="1">
+              <a:defRPr sz="1800" kern="1200">
+                <a:solidFill>
+                  <a:schemeClr val="lt1"/>
+                </a:solidFill>
+                <a:latin typeface="+mn-lt"/>
+                <a:ea typeface="+mn-ea"/>
+                <a:cs typeface="+mn-cs"/>
+              </a:defRPr>
+            </a:lvl9pPr>
+          </a:lstStyle>
+          <a:p>
+            <a:pPr algn="ctr" rtl="0"/>
+            <a:endParaRPr lang="de-DE"/>
+          </a:p>
+        </p:txBody>
+      </p:sp>
+      <p:sp>
+        <p:nvSpPr>
+          <p:cNvPr id="16" name="Freihandform 6">
+            <a:extLst>
+              <a:ext uri="{FF2B5EF4-FFF2-40B4-BE49-F238E27FC236}">
+                <a16:creationId xmlns:a16="http://schemas.microsoft.com/office/drawing/2014/main" id="{526C103B-17BD-4B48-AB6F-0D9EF826AAC4}"/>
+              </a:ext>
+              <a:ext uri="{C183D7F6-B498-43B3-948B-1728B52AA6E4}">
+                <adec:decorative xmlns:adec="http://schemas.microsoft.com/office/drawing/2017/decorative" val="1"/>
+              </a:ext>
+            </a:extLst>
+          </p:cNvPr>
+          <p:cNvSpPr>
+            <a:spLocks noGrp="1" noRot="1" noChangeAspect="1" noMove="1" noResize="1" noEditPoints="1" noAdjustHandles="1" noChangeArrowheads="1" noChangeShapeType="1" noTextEdit="1"/>
+          </p:cNvSpPr>
+          <p:nvPr>
+            <p:extLst>
+              <p:ext uri="{386F3935-93C4-4BCD-93E2-E3B085C9AB24}">
+                <p16:designElem xmlns:p16="http://schemas.microsoft.com/office/powerpoint/2015/main" val="1"/>
+              </p:ext>
+            </p:extLst>
+          </p:nvPr>
+        </p:nvSpPr>
+        <p:spPr bwMode="auto">
+          <a:xfrm>
+            <a:off x="0" y="0"/>
+            <a:ext cx="885825" cy="6858000"/>
+          </a:xfrm>
+          <a:custGeom>
+            <a:avLst/>
+            <a:gdLst/>
+            <a:ahLst/>
+            <a:cxnLst/>
+            <a:rect l="0" t="0" r="r" b="b"/>
+            <a:pathLst>
+              <a:path w="558" h="4320">
+                <a:moveTo>
+                  <a:pt x="0" y="0"/>
+                </a:moveTo>
+                <a:lnTo>
+                  <a:pt x="447" y="0"/>
+                </a:lnTo>
+                <a:lnTo>
+                  <a:pt x="448" y="43"/>
+                </a:lnTo>
+                <a:lnTo>
+                  <a:pt x="453" y="81"/>
+                </a:lnTo>
+                <a:lnTo>
+                  <a:pt x="460" y="114"/>
+                </a:lnTo>
+                <a:lnTo>
+                  <a:pt x="469" y="143"/>
+                </a:lnTo>
+                <a:lnTo>
+                  <a:pt x="479" y="169"/>
+                </a:lnTo>
+                <a:lnTo>
+                  <a:pt x="491" y="192"/>
+                </a:lnTo>
+                <a:lnTo>
+                  <a:pt x="503" y="216"/>
+                </a:lnTo>
+                <a:lnTo>
+                  <a:pt x="515" y="240"/>
+                </a:lnTo>
+                <a:lnTo>
+                  <a:pt x="525" y="263"/>
+                </a:lnTo>
+                <a:lnTo>
+                  <a:pt x="535" y="289"/>
+                </a:lnTo>
+                <a:lnTo>
+                  <a:pt x="545" y="318"/>
+                </a:lnTo>
+                <a:lnTo>
+                  <a:pt x="552" y="351"/>
+                </a:lnTo>
+                <a:lnTo>
+                  <a:pt x="556" y="389"/>
+                </a:lnTo>
+                <a:lnTo>
+                  <a:pt x="558" y="432"/>
+                </a:lnTo>
+                <a:lnTo>
+                  <a:pt x="556" y="475"/>
+                </a:lnTo>
+                <a:lnTo>
+                  <a:pt x="552" y="513"/>
+                </a:lnTo>
+                <a:lnTo>
+                  <a:pt x="545" y="546"/>
+                </a:lnTo>
+                <a:lnTo>
+                  <a:pt x="535" y="575"/>
+                </a:lnTo>
+                <a:lnTo>
+                  <a:pt x="525" y="601"/>
+                </a:lnTo>
+                <a:lnTo>
+                  <a:pt x="515" y="624"/>
+                </a:lnTo>
+                <a:lnTo>
+                  <a:pt x="503" y="648"/>
+                </a:lnTo>
+                <a:lnTo>
+                  <a:pt x="491" y="672"/>
+                </a:lnTo>
+                <a:lnTo>
+                  <a:pt x="479" y="695"/>
+                </a:lnTo>
+                <a:lnTo>
+                  <a:pt x="469" y="721"/>
+                </a:lnTo>
+                <a:lnTo>
+                  <a:pt x="460" y="750"/>
+                </a:lnTo>
+                <a:lnTo>
+                  <a:pt x="453" y="783"/>
+                </a:lnTo>
+                <a:lnTo>
+                  <a:pt x="448" y="821"/>
+                </a:lnTo>
+                <a:lnTo>
+                  <a:pt x="447" y="864"/>
+                </a:lnTo>
+                <a:lnTo>
+                  <a:pt x="448" y="907"/>
+                </a:lnTo>
+                <a:lnTo>
+                  <a:pt x="453" y="945"/>
+                </a:lnTo>
+                <a:lnTo>
+                  <a:pt x="460" y="978"/>
+                </a:lnTo>
+                <a:lnTo>
+                  <a:pt x="469" y="1007"/>
+                </a:lnTo>
+                <a:lnTo>
+                  <a:pt x="479" y="1033"/>
+                </a:lnTo>
+                <a:lnTo>
+                  <a:pt x="491" y="1056"/>
+                </a:lnTo>
+                <a:lnTo>
+                  <a:pt x="503" y="1080"/>
+                </a:lnTo>
+                <a:lnTo>
+                  <a:pt x="515" y="1104"/>
+                </a:lnTo>
+                <a:lnTo>
+                  <a:pt x="525" y="1127"/>
+                </a:lnTo>
+                <a:lnTo>
+                  <a:pt x="535" y="1153"/>
+                </a:lnTo>
+                <a:lnTo>
+                  <a:pt x="545" y="1182"/>
+                </a:lnTo>
+                <a:lnTo>
+                  <a:pt x="552" y="1215"/>
+                </a:lnTo>
+                <a:lnTo>
+                  <a:pt x="556" y="1253"/>
+                </a:lnTo>
+                <a:lnTo>
+                  <a:pt x="558" y="1296"/>
+                </a:lnTo>
+                <a:lnTo>
+                  <a:pt x="556" y="1339"/>
+                </a:lnTo>
+                <a:lnTo>
+                  <a:pt x="552" y="1377"/>
+                </a:lnTo>
+                <a:lnTo>
+                  <a:pt x="545" y="1410"/>
+                </a:lnTo>
+                <a:lnTo>
+                  <a:pt x="535" y="1439"/>
+                </a:lnTo>
+                <a:lnTo>
+                  <a:pt x="525" y="1465"/>
+                </a:lnTo>
+                <a:lnTo>
+                  <a:pt x="515" y="1488"/>
+                </a:lnTo>
+                <a:lnTo>
+                  <a:pt x="503" y="1512"/>
+                </a:lnTo>
+                <a:lnTo>
+                  <a:pt x="491" y="1536"/>
+                </a:lnTo>
+                <a:lnTo>
+                  <a:pt x="479" y="1559"/>
+                </a:lnTo>
+                <a:lnTo>
+                  <a:pt x="469" y="1585"/>
+                </a:lnTo>
+                <a:lnTo>
+                  <a:pt x="460" y="1614"/>
+                </a:lnTo>
+                <a:lnTo>
+                  <a:pt x="453" y="1647"/>
+                </a:lnTo>
+                <a:lnTo>
+                  <a:pt x="448" y="1685"/>
+                </a:lnTo>
+                <a:lnTo>
+                  <a:pt x="447" y="1728"/>
+                </a:lnTo>
+                <a:lnTo>
+                  <a:pt x="448" y="1771"/>
+                </a:lnTo>
+                <a:lnTo>
+                  <a:pt x="453" y="1809"/>
+                </a:lnTo>
+                <a:lnTo>
+                  <a:pt x="460" y="1842"/>
+                </a:lnTo>
+                <a:lnTo>
+                  <a:pt x="469" y="1871"/>
+                </a:lnTo>
+                <a:lnTo>
+                  <a:pt x="479" y="1897"/>
+                </a:lnTo>
+                <a:lnTo>
+                  <a:pt x="491" y="1920"/>
+                </a:lnTo>
+                <a:lnTo>
+                  <a:pt x="503" y="1944"/>
+                </a:lnTo>
+                <a:lnTo>
+                  <a:pt x="515" y="1968"/>
+                </a:lnTo>
+                <a:lnTo>
+                  <a:pt x="525" y="1991"/>
+                </a:lnTo>
+                <a:lnTo>
+                  <a:pt x="535" y="2017"/>
+                </a:lnTo>
+                <a:lnTo>
+                  <a:pt x="545" y="2046"/>
+                </a:lnTo>
+                <a:lnTo>
+                  <a:pt x="552" y="2079"/>
+                </a:lnTo>
+                <a:lnTo>
+                  <a:pt x="556" y="2117"/>
+                </a:lnTo>
+                <a:lnTo>
+                  <a:pt x="558" y="2159"/>
+                </a:lnTo>
+                <a:lnTo>
+                  <a:pt x="556" y="2203"/>
+                </a:lnTo>
+                <a:lnTo>
+                  <a:pt x="552" y="2241"/>
+                </a:lnTo>
+                <a:lnTo>
+                  <a:pt x="545" y="2274"/>
+                </a:lnTo>
+                <a:lnTo>
+                  <a:pt x="535" y="2303"/>
+                </a:lnTo>
+                <a:lnTo>
+                  <a:pt x="525" y="2329"/>
+                </a:lnTo>
+                <a:lnTo>
+                  <a:pt x="515" y="2352"/>
+                </a:lnTo>
+                <a:lnTo>
+                  <a:pt x="503" y="2376"/>
+                </a:lnTo>
+                <a:lnTo>
+                  <a:pt x="491" y="2400"/>
+                </a:lnTo>
+                <a:lnTo>
+                  <a:pt x="479" y="2423"/>
+                </a:lnTo>
+                <a:lnTo>
+                  <a:pt x="469" y="2449"/>
+                </a:lnTo>
+                <a:lnTo>
+                  <a:pt x="460" y="2478"/>
+                </a:lnTo>
+                <a:lnTo>
+                  <a:pt x="453" y="2511"/>
+                </a:lnTo>
+                <a:lnTo>
+                  <a:pt x="448" y="2549"/>
+                </a:lnTo>
+                <a:lnTo>
+                  <a:pt x="447" y="2592"/>
+                </a:lnTo>
+                <a:lnTo>
+                  <a:pt x="448" y="2635"/>
+                </a:lnTo>
+                <a:lnTo>
+                  <a:pt x="453" y="2673"/>
+                </a:lnTo>
+                <a:lnTo>
+                  <a:pt x="460" y="2706"/>
+                </a:lnTo>
+                <a:lnTo>
+                  <a:pt x="469" y="2735"/>
+                </a:lnTo>
+                <a:lnTo>
+                  <a:pt x="479" y="2761"/>
+                </a:lnTo>
+                <a:lnTo>
+                  <a:pt x="491" y="2784"/>
+                </a:lnTo>
+                <a:lnTo>
+                  <a:pt x="515" y="2832"/>
+                </a:lnTo>
+                <a:lnTo>
+                  <a:pt x="525" y="2855"/>
+                </a:lnTo>
+                <a:lnTo>
+                  <a:pt x="535" y="2881"/>
+                </a:lnTo>
+                <a:lnTo>
+                  <a:pt x="545" y="2910"/>
+                </a:lnTo>
+                <a:lnTo>
+                  <a:pt x="552" y="2943"/>
+                </a:lnTo>
+                <a:lnTo>
+                  <a:pt x="556" y="2981"/>
+                </a:lnTo>
+                <a:lnTo>
+                  <a:pt x="558" y="3024"/>
+                </a:lnTo>
+                <a:lnTo>
+                  <a:pt x="556" y="3067"/>
+                </a:lnTo>
+                <a:lnTo>
+                  <a:pt x="552" y="3105"/>
+                </a:lnTo>
+                <a:lnTo>
+                  <a:pt x="545" y="3138"/>
+                </a:lnTo>
+                <a:lnTo>
+                  <a:pt x="535" y="3167"/>
+                </a:lnTo>
+                <a:lnTo>
+                  <a:pt x="525" y="3193"/>
+                </a:lnTo>
+                <a:lnTo>
+                  <a:pt x="515" y="3216"/>
+                </a:lnTo>
+                <a:lnTo>
+                  <a:pt x="503" y="3240"/>
+                </a:lnTo>
+                <a:lnTo>
+                  <a:pt x="491" y="3264"/>
+                </a:lnTo>
+                <a:lnTo>
+                  <a:pt x="479" y="3287"/>
+                </a:lnTo>
+                <a:lnTo>
+                  <a:pt x="469" y="3313"/>
+                </a:lnTo>
+                <a:lnTo>
+                  <a:pt x="460" y="3342"/>
+                </a:lnTo>
+                <a:lnTo>
+                  <a:pt x="453" y="3375"/>
+                </a:lnTo>
+                <a:lnTo>
+                  <a:pt x="448" y="3413"/>
+                </a:lnTo>
+                <a:lnTo>
+                  <a:pt x="447" y="3456"/>
+                </a:lnTo>
+                <a:lnTo>
+                  <a:pt x="448" y="3499"/>
+                </a:lnTo>
+                <a:lnTo>
+                  <a:pt x="453" y="3537"/>
+                </a:lnTo>
+                <a:lnTo>
+                  <a:pt x="460" y="3570"/>
+                </a:lnTo>
+                <a:lnTo>
+                  <a:pt x="469" y="3599"/>
+                </a:lnTo>
+                <a:lnTo>
+                  <a:pt x="479" y="3625"/>
+                </a:lnTo>
+                <a:lnTo>
+                  <a:pt x="491" y="3648"/>
+                </a:lnTo>
+                <a:lnTo>
+                  <a:pt x="503" y="3672"/>
+                </a:lnTo>
+                <a:lnTo>
+                  <a:pt x="515" y="3696"/>
+                </a:lnTo>
+                <a:lnTo>
+                  <a:pt x="525" y="3719"/>
+                </a:lnTo>
+                <a:lnTo>
+                  <a:pt x="535" y="3745"/>
+                </a:lnTo>
+                <a:lnTo>
+                  <a:pt x="545" y="3774"/>
+                </a:lnTo>
+                <a:lnTo>
+                  <a:pt x="552" y="3807"/>
+                </a:lnTo>
+                <a:lnTo>
+                  <a:pt x="556" y="3845"/>
+                </a:lnTo>
+                <a:lnTo>
+                  <a:pt x="558" y="3888"/>
+                </a:lnTo>
+                <a:lnTo>
+                  <a:pt x="556" y="3931"/>
+                </a:lnTo>
+                <a:lnTo>
+                  <a:pt x="552" y="3969"/>
+                </a:lnTo>
+                <a:lnTo>
+                  <a:pt x="545" y="4002"/>
+                </a:lnTo>
+                <a:lnTo>
+                  <a:pt x="535" y="4031"/>
+                </a:lnTo>
+                <a:lnTo>
+                  <a:pt x="525" y="4057"/>
+                </a:lnTo>
+                <a:lnTo>
+                  <a:pt x="515" y="4080"/>
+                </a:lnTo>
+                <a:lnTo>
+                  <a:pt x="503" y="4104"/>
+                </a:lnTo>
+                <a:lnTo>
+                  <a:pt x="491" y="4128"/>
+                </a:lnTo>
+                <a:lnTo>
+                  <a:pt x="479" y="4151"/>
+                </a:lnTo>
+                <a:lnTo>
+                  <a:pt x="469" y="4177"/>
+                </a:lnTo>
+                <a:lnTo>
+                  <a:pt x="460" y="4206"/>
+                </a:lnTo>
+                <a:lnTo>
+                  <a:pt x="453" y="4239"/>
+                </a:lnTo>
+                <a:lnTo>
+                  <a:pt x="448" y="4277"/>
+                </a:lnTo>
+                <a:lnTo>
+                  <a:pt x="447" y="4320"/>
+                </a:lnTo>
+                <a:lnTo>
+                  <a:pt x="0" y="4320"/>
+                </a:lnTo>
+                <a:lnTo>
+                  <a:pt x="0" y="0"/>
+                </a:lnTo>
+                <a:close/>
+              </a:path>
+            </a:pathLst>
+          </a:custGeom>
+          <a:solidFill>
+            <a:schemeClr val="tx2"/>
+          </a:solidFill>
+          <a:ln w="0">
+            <a:noFill/>
+            <a:prstDash val="solid"/>
+            <a:round/>
+            <a:headEnd/>
+            <a:tailEnd/>
+          </a:ln>
+        </p:spPr>
+      </p:sp>
+      <p:pic>
+        <p:nvPicPr>
+          <p:cNvPr id="7" name="Grafik 6" descr="Fragezeichen">
+            <a:extLst>
+              <a:ext uri="{FF2B5EF4-FFF2-40B4-BE49-F238E27FC236}">
+                <a16:creationId xmlns:a16="http://schemas.microsoft.com/office/drawing/2014/main" id="{ACAAF5D7-299C-47E0-BF58-5B55CABE4EA9}"/>
+              </a:ext>
+            </a:extLst>
+          </p:cNvPr>
+          <p:cNvPicPr>
+            <a:picLocks noChangeAspect="1"/>
+          </p:cNvPicPr>
+          <p:nvPr/>
+        </p:nvPicPr>
+        <p:blipFill>
+          <a:blip r:embed="rId3">
+            <a:extLst>
+              <a:ext uri="{28A0092B-C50C-407E-A947-70E740481C1C}">
+                <a14:useLocalDpi xmlns:a14="http://schemas.microsoft.com/office/drawing/2010/main" val="0"/>
+              </a:ext>
+              <a:ext uri="{96DAC541-7B7A-43D3-8B79-37D633B846F1}">
+                <asvg:svgBlip xmlns:asvg="http://schemas.microsoft.com/office/drawing/2016/SVG/main" r:embed="rId4"/>
+              </a:ext>
+            </a:extLst>
+          </a:blip>
+          <a:stretch>
+            <a:fillRect/>
+          </a:stretch>
+        </p:blipFill>
+        <p:spPr>
+          <a:xfrm>
+            <a:off x="1240971" y="1709603"/>
+            <a:ext cx="3398085" cy="3398085"/>
+          </a:xfrm>
+          <a:prstGeom prst="rect">
+            <a:avLst/>
+          </a:prstGeom>
+        </p:spPr>
+      </p:pic>
+      <p:sp>
+        <p:nvSpPr>
+          <p:cNvPr id="18" name="Rechteck 17">
+            <a:extLst>
+              <a:ext uri="{FF2B5EF4-FFF2-40B4-BE49-F238E27FC236}">
+                <a16:creationId xmlns:a16="http://schemas.microsoft.com/office/drawing/2014/main" id="{E9EC3243-CA25-4485-A7FE-8B0141923844}"/>
+              </a:ext>
+              <a:ext uri="{C183D7F6-B498-43B3-948B-1728B52AA6E4}">
+                <adec:decorative xmlns:adec="http://schemas.microsoft.com/office/drawing/2017/decorative" val="1"/>
+              </a:ext>
+            </a:extLst>
+          </p:cNvPr>
+          <p:cNvSpPr>
+            <a:spLocks noGrp="1" noRot="1" noChangeAspect="1" noMove="1" noResize="1" noEditPoints="1" noAdjustHandles="1" noChangeArrowheads="1" noChangeShapeType="1" noTextEdit="1"/>
+          </p:cNvSpPr>
+          <p:nvPr>
+            <p:extLst>
+              <p:ext uri="{386F3935-93C4-4BCD-93E2-E3B085C9AB24}">
+                <p16:designElem xmlns:p16="http://schemas.microsoft.com/office/powerpoint/2015/main" val="1"/>
+              </p:ext>
+            </p:extLst>
+          </p:nvPr>
+        </p:nvSpPr>
+        <p:spPr>
+          <a:xfrm>
+            <a:off x="11908536" y="0"/>
+            <a:ext cx="283464" cy="6858000"/>
+          </a:xfrm>
+          <a:prstGeom prst="rect">
+            <a:avLst/>
+          </a:prstGeom>
+          <a:solidFill>
+            <a:schemeClr val="accent1"/>
+          </a:solidFill>
+          <a:ln>
+            <a:noFill/>
+          </a:ln>
+        </p:spPr>
+        <p:style>
+          <a:lnRef idx="2">
+            <a:schemeClr val="accent1">
+              <a:shade val="50000"/>
+            </a:schemeClr>
+          </a:lnRef>
+          <a:fillRef idx="1">
+            <a:schemeClr val="accent1"/>
+          </a:fillRef>
+          <a:effectRef idx="0">
+            <a:schemeClr val="accent1"/>
+          </a:effectRef>
+          <a:fontRef idx="minor">
+            <a:schemeClr val="lt1"/>
+          </a:fontRef>
+        </p:style>
+      </p:sp>
+      <p:sp>
+        <p:nvSpPr>
+          <p:cNvPr id="2" name="Titel 1">
+            <a:extLst>
+              <a:ext uri="{FF2B5EF4-FFF2-40B4-BE49-F238E27FC236}">
+                <a16:creationId xmlns:a16="http://schemas.microsoft.com/office/drawing/2014/main" id="{E2BA12E3-E0DD-4573-B106-10742AA3E12D}"/>
+              </a:ext>
+            </a:extLst>
+          </p:cNvPr>
+          <p:cNvSpPr>
+            <a:spLocks noGrp="1"/>
+          </p:cNvSpPr>
+          <p:nvPr>
+            <p:ph type="title"/>
+          </p:nvPr>
+        </p:nvSpPr>
+        <p:spPr>
+          <a:xfrm>
+            <a:off x="4914900" y="1235847"/>
+            <a:ext cx="6548882" cy="3325266"/>
+          </a:xfrm>
+        </p:spPr>
+        <p:txBody>
+          <a:bodyPr vert="horz" lIns="91440" tIns="45720" rIns="91440" bIns="45720" rtlCol="0" anchor="ctr">
+            <a:noAutofit/>
+          </a:bodyPr>
+          <a:lstStyle/>
+          <a:p>
+            <a:pPr algn="ctr" rtl="0"/>
+            <a:r>
+              <a:rPr lang="de-DE" sz="4000" spc="800" dirty="0">
+                <a:latin typeface="Bodoni MT" panose="02070603080606020203" pitchFamily="18" charset="0"/>
+              </a:rPr>
+              <a:t>FRAGEN</a:t>
+            </a:r>
+          </a:p>
+        </p:txBody>
+      </p:sp>
+    </p:spTree>
+    <p:extLst>
+      <p:ext uri="{BB962C8B-B14F-4D97-AF65-F5344CB8AC3E}">
+        <p14:creationId xmlns:p14="http://schemas.microsoft.com/office/powerpoint/2010/main" val="1630570103"/>
+      </p:ext>
+    </p:extLst>
+  </p:cSld>
+  <p:clrMapOvr>
+    <a:masterClrMapping/>
+  </p:clrMapOvr>
+</p:sld>
+</file>
+
+<file path=ppt/slides/slide12.xml><?xml version="1.0" encoding="utf-8"?>
+<p:sld xmlns:a="http://schemas.openxmlformats.org/drawingml/2006/main" xmlns:r="http://schemas.openxmlformats.org/officeDocument/2006/relationships" xmlns:p="http://schemas.openxmlformats.org/presentationml/2006/main">
+  <p:cSld>
+    <p:spTree>
+      <p:nvGrpSpPr>
+        <p:cNvPr id="1" name=""/>
+        <p:cNvGrpSpPr/>
+        <p:nvPr/>
+      </p:nvGrpSpPr>
+      <p:grpSpPr>
+        <a:xfrm>
+          <a:off x="0" y="0"/>
+          <a:ext cx="0" cy="0"/>
+          <a:chOff x="0" y="0"/>
+          <a:chExt cx="0" cy="0"/>
+        </a:xfrm>
+      </p:grpSpPr>
+      <p:sp>
+        <p:nvSpPr>
+          <p:cNvPr id="6" name="Textfeld 5">
+            <a:extLst>
+              <a:ext uri="{FF2B5EF4-FFF2-40B4-BE49-F238E27FC236}">
+                <a16:creationId xmlns:a16="http://schemas.microsoft.com/office/drawing/2014/main" id="{51CA1257-66A3-465A-A773-E2D1F421929F}"/>
+              </a:ext>
+            </a:extLst>
+          </p:cNvPr>
+          <p:cNvSpPr txBox="1"/>
+          <p:nvPr/>
+        </p:nvSpPr>
+        <p:spPr>
+          <a:xfrm>
+            <a:off x="3513005" y="2360809"/>
+            <a:ext cx="8487104" cy="707886"/>
+          </a:xfrm>
+          <a:prstGeom prst="rect">
+            <a:avLst/>
+          </a:prstGeom>
+          <a:noFill/>
+        </p:spPr>
+        <p:txBody>
+          <a:bodyPr wrap="square" rtlCol="0">
+            <a:spAutoFit/>
+          </a:bodyPr>
+          <a:lstStyle/>
+          <a:p>
+            <a:pPr rtl="0"/>
+            <a:r>
+              <a:rPr lang="de-DE" sz="4000" dirty="0">
+                <a:latin typeface="Bodoni MT" panose="02070603080606020203" pitchFamily="18" charset="0"/>
+              </a:rPr>
+              <a:t>Danke fürs Zuhören</a:t>
+            </a:r>
+            <a:endParaRPr lang="de-DE" sz="900" dirty="0"/>
+          </a:p>
+        </p:txBody>
+      </p:sp>
+    </p:spTree>
+    <p:extLst>
+      <p:ext uri="{BB962C8B-B14F-4D97-AF65-F5344CB8AC3E}">
+        <p14:creationId xmlns:p14="http://schemas.microsoft.com/office/powerpoint/2010/main" val="1059349071"/>
+      </p:ext>
+    </p:extLst>
+  </p:cSld>
+  <p:clrMapOvr>
+    <a:masterClrMapping/>
+  </p:clrMapOvr>
+</p:sld>
+</file>
+
+<file path=ppt/slides/slide2.xml><?xml version="1.0" encoding="utf-8"?>
+<p:sld xmlns:a="http://schemas.openxmlformats.org/drawingml/2006/main" xmlns:r="http://schemas.openxmlformats.org/officeDocument/2006/relationships" xmlns:p="http://schemas.openxmlformats.org/presentationml/2006/main">
+  <p:cSld>
+    <p:spTree>
+      <p:nvGrpSpPr>
+        <p:cNvPr id="1" name=""/>
+        <p:cNvGrpSpPr/>
+        <p:nvPr/>
+      </p:nvGrpSpPr>
+      <p:grpSpPr>
+        <a:xfrm>
+          <a:off x="0" y="0"/>
+          <a:ext cx="0" cy="0"/>
+          <a:chOff x="0" y="0"/>
+          <a:chExt cx="0" cy="0"/>
+        </a:xfrm>
+      </p:grpSpPr>
+      <p:sp>
+        <p:nvSpPr>
+          <p:cNvPr id="2" name="Titel 1">
+            <a:extLst>
+              <a:ext uri="{FF2B5EF4-FFF2-40B4-BE49-F238E27FC236}">
+                <a16:creationId xmlns:a16="http://schemas.microsoft.com/office/drawing/2014/main" id="{EFB0F45A-7CCC-49F3-8070-6478AD6094E6}"/>
+              </a:ext>
+            </a:extLst>
+          </p:cNvPr>
+          <p:cNvSpPr>
+            <a:spLocks noGrp="1"/>
+          </p:cNvSpPr>
+          <p:nvPr>
+            <p:ph type="title"/>
+          </p:nvPr>
+        </p:nvSpPr>
+        <p:spPr>
+          <a:xfrm>
+            <a:off x="1251678" y="413916"/>
+            <a:ext cx="10178322" cy="1492132"/>
+          </a:xfrm>
+        </p:spPr>
+        <p:txBody>
+          <a:bodyPr/>
+          <a:lstStyle/>
+          <a:p>
+            <a:r>
+              <a:rPr lang="de-CH" dirty="0" err="1"/>
+              <a:t>agENDA</a:t>
+            </a:r>
+            <a:endParaRPr lang="de-CH" dirty="0"/>
+          </a:p>
+        </p:txBody>
+      </p:sp>
+      <p:sp>
+        <p:nvSpPr>
+          <p:cNvPr id="3" name="Inhaltsplatzhalter 2">
+            <a:extLst>
+              <a:ext uri="{FF2B5EF4-FFF2-40B4-BE49-F238E27FC236}">
+                <a16:creationId xmlns:a16="http://schemas.microsoft.com/office/drawing/2014/main" id="{742F6E21-6E3E-481C-A494-3221F8274A41}"/>
+              </a:ext>
+            </a:extLst>
+          </p:cNvPr>
+          <p:cNvSpPr>
+            <a:spLocks noGrp="1"/>
+          </p:cNvSpPr>
+          <p:nvPr>
+            <p:ph idx="1"/>
+          </p:nvPr>
+        </p:nvSpPr>
+        <p:spPr/>
+        <p:txBody>
+          <a:bodyPr>
+            <a:normAutofit/>
+          </a:bodyPr>
+          <a:lstStyle/>
+          <a:p>
+            <a:r>
+              <a:rPr lang="de-CH" dirty="0"/>
+              <a:t>Ziel des Projekts</a:t>
+            </a:r>
+          </a:p>
+          <a:p>
+            <a:r>
+              <a:rPr lang="de-CH" dirty="0"/>
+              <a:t>Methodik / Organisation</a:t>
+            </a:r>
+          </a:p>
+          <a:p>
+            <a:r>
+              <a:rPr lang="de-CH" dirty="0"/>
+              <a:t>Umsetzung</a:t>
+            </a:r>
+          </a:p>
+          <a:p>
+            <a:r>
+              <a:rPr lang="de-CH" dirty="0"/>
+              <a:t>Demo</a:t>
+            </a:r>
+          </a:p>
+          <a:p>
+            <a:r>
+              <a:rPr lang="de-CH" dirty="0"/>
+              <a:t>Resultate</a:t>
+            </a:r>
+          </a:p>
+          <a:p>
+            <a:r>
+              <a:rPr lang="de-CH" dirty="0"/>
+              <a:t>Diskussion der Resultate</a:t>
+            </a:r>
+          </a:p>
+          <a:p>
+            <a:r>
+              <a:rPr lang="de-CH" dirty="0"/>
+              <a:t>Erkenntnisse</a:t>
+            </a:r>
+          </a:p>
+          <a:p>
+            <a:r>
+              <a:rPr lang="de-CH" dirty="0"/>
+              <a:t>Fragen</a:t>
+            </a:r>
+          </a:p>
+        </p:txBody>
+      </p:sp>
+    </p:spTree>
+    <p:extLst>
+      <p:ext uri="{BB962C8B-B14F-4D97-AF65-F5344CB8AC3E}">
+        <p14:creationId xmlns:p14="http://schemas.microsoft.com/office/powerpoint/2010/main" val="3362584694"/>
+      </p:ext>
+    </p:extLst>
+  </p:cSld>
+  <p:clrMapOvr>
+    <a:masterClrMapping/>
+  </p:clrMapOvr>
+</p:sld>
+</file>
+
+<file path=ppt/slides/slide3.xml><?xml version="1.0" encoding="utf-8"?>
+<p:sld xmlns:a="http://schemas.openxmlformats.org/drawingml/2006/main" xmlns:r="http://schemas.openxmlformats.org/officeDocument/2006/relationships" xmlns:p="http://schemas.openxmlformats.org/presentationml/2006/main">
+  <p:cSld>
+    <p:spTree>
+      <p:nvGrpSpPr>
+        <p:cNvPr id="1" name=""/>
+        <p:cNvGrpSpPr/>
+        <p:nvPr/>
+      </p:nvGrpSpPr>
+      <p:grpSpPr>
+        <a:xfrm>
+          <a:off x="0" y="0"/>
+          <a:ext cx="0" cy="0"/>
+          <a:chOff x="0" y="0"/>
+          <a:chExt cx="0" cy="0"/>
+        </a:xfrm>
+      </p:grpSpPr>
+      <p:sp>
+        <p:nvSpPr>
+          <p:cNvPr id="2" name="Titel 1">
+            <a:extLst>
+              <a:ext uri="{FF2B5EF4-FFF2-40B4-BE49-F238E27FC236}">
+                <a16:creationId xmlns:a16="http://schemas.microsoft.com/office/drawing/2014/main" id="{729DD543-30C5-44EB-915D-CCBFFBF7F482}"/>
+              </a:ext>
+            </a:extLst>
+          </p:cNvPr>
+          <p:cNvSpPr>
+            <a:spLocks noGrp="1"/>
+          </p:cNvSpPr>
+          <p:nvPr>
+            <p:ph type="title"/>
+          </p:nvPr>
+        </p:nvSpPr>
+        <p:spPr/>
+        <p:txBody>
+          <a:bodyPr/>
+          <a:lstStyle/>
+          <a:p>
+            <a:r>
+              <a:rPr lang="de-CH" dirty="0"/>
+              <a:t>ZIEL des </a:t>
+            </a:r>
+            <a:r>
+              <a:rPr lang="de-CH" dirty="0" err="1"/>
+              <a:t>projekts</a:t>
+            </a:r>
+            <a:endParaRPr lang="de-CH" dirty="0"/>
+          </a:p>
+        </p:txBody>
+      </p:sp>
+      <p:sp>
+        <p:nvSpPr>
+          <p:cNvPr id="3" name="Inhaltsplatzhalter 2">
+            <a:extLst>
+              <a:ext uri="{FF2B5EF4-FFF2-40B4-BE49-F238E27FC236}">
+                <a16:creationId xmlns:a16="http://schemas.microsoft.com/office/drawing/2014/main" id="{7696C733-AC19-49EF-A7CB-82EEC17E7EC5}"/>
+              </a:ext>
+            </a:extLst>
+          </p:cNvPr>
+          <p:cNvSpPr>
+            <a:spLocks noGrp="1"/>
+          </p:cNvSpPr>
+          <p:nvPr>
+            <p:ph idx="1"/>
+          </p:nvPr>
+        </p:nvSpPr>
+        <p:spPr/>
+        <p:txBody>
+          <a:bodyPr/>
+          <a:lstStyle/>
+          <a:p>
+            <a:r>
+              <a:rPr lang="de-CH" dirty="0"/>
+              <a:t>Vergleich von verschiedenen Modellen zur Vorhersage der Covid-19 Fallzahlen</a:t>
+            </a:r>
+          </a:p>
+          <a:p>
+            <a:r>
+              <a:rPr lang="de-CH" dirty="0"/>
+              <a:t>Pro Modell Mean </a:t>
+            </a:r>
+            <a:r>
+              <a:rPr lang="de-CH" dirty="0" err="1"/>
+              <a:t>Squared</a:t>
+            </a:r>
+            <a:r>
+              <a:rPr lang="de-CH" dirty="0"/>
+              <a:t> Error (MSE), Dauer für Training und </a:t>
+            </a:r>
+            <a:r>
+              <a:rPr lang="de-CH" dirty="0" err="1"/>
+              <a:t>Prediction</a:t>
+            </a:r>
+            <a:r>
+              <a:rPr lang="de-CH" dirty="0"/>
+              <a:t> messen und vergleichen</a:t>
+            </a:r>
+          </a:p>
+          <a:p>
+            <a:endParaRPr lang="de-CH" dirty="0"/>
+          </a:p>
+        </p:txBody>
+      </p:sp>
+      <p:pic>
+        <p:nvPicPr>
+          <p:cNvPr id="8" name="Grafik 7">
+            <a:extLst>
+              <a:ext uri="{FF2B5EF4-FFF2-40B4-BE49-F238E27FC236}">
+                <a16:creationId xmlns:a16="http://schemas.microsoft.com/office/drawing/2014/main" id="{42F50EC9-2BBE-4D90-A911-EFA78016452B}"/>
+              </a:ext>
+            </a:extLst>
+          </p:cNvPr>
+          <p:cNvPicPr>
+            <a:picLocks noChangeAspect="1"/>
+          </p:cNvPicPr>
+          <p:nvPr/>
+        </p:nvPicPr>
+        <p:blipFill>
+          <a:blip r:embed="rId3"/>
+          <a:stretch>
+            <a:fillRect/>
+          </a:stretch>
+        </p:blipFill>
+        <p:spPr>
+          <a:xfrm>
+            <a:off x="1982402" y="3597152"/>
+            <a:ext cx="8227195" cy="2878463"/>
+          </a:xfrm>
+          <a:prstGeom prst="rect">
+            <a:avLst/>
+          </a:prstGeom>
+          <a:ln>
+            <a:noFill/>
+          </a:ln>
+          <a:effectLst>
+            <a:outerShdw blurRad="190500" algn="tl" rotWithShape="0">
+              <a:srgbClr val="000000">
+                <a:alpha val="70000"/>
+              </a:srgbClr>
+            </a:outerShdw>
+          </a:effectLst>
+        </p:spPr>
+      </p:pic>
+    </p:spTree>
+    <p:extLst>
+      <p:ext uri="{BB962C8B-B14F-4D97-AF65-F5344CB8AC3E}">
+        <p14:creationId xmlns:p14="http://schemas.microsoft.com/office/powerpoint/2010/main" val="1526621726"/>
+      </p:ext>
+    </p:extLst>
+  </p:cSld>
+  <p:clrMapOvr>
+    <a:masterClrMapping/>
+  </p:clrMapOvr>
+</p:sld>
+</file>
+
+<file path=ppt/slides/slide4.xml><?xml version="1.0" encoding="utf-8"?>
+<p:sld xmlns:a="http://schemas.openxmlformats.org/drawingml/2006/main" xmlns:r="http://schemas.openxmlformats.org/officeDocument/2006/relationships" xmlns:p="http://schemas.openxmlformats.org/presentationml/2006/main">
+  <p:cSld>
+    <p:spTree>
+      <p:nvGrpSpPr>
+        <p:cNvPr id="1" name=""/>
+        <p:cNvGrpSpPr/>
+        <p:nvPr/>
+      </p:nvGrpSpPr>
+      <p:grpSpPr>
+        <a:xfrm>
+          <a:off x="0" y="0"/>
+          <a:ext cx="0" cy="0"/>
+          <a:chOff x="0" y="0"/>
+          <a:chExt cx="0" cy="0"/>
+        </a:xfrm>
+      </p:grpSpPr>
+      <p:sp>
+        <p:nvSpPr>
+          <p:cNvPr id="2" name="Titel 1">
+            <a:extLst>
+              <a:ext uri="{FF2B5EF4-FFF2-40B4-BE49-F238E27FC236}">
+                <a16:creationId xmlns:a16="http://schemas.microsoft.com/office/drawing/2014/main" id="{B8658500-05DF-4E31-8CAE-7FD1D57C0258}"/>
+              </a:ext>
+            </a:extLst>
+          </p:cNvPr>
+          <p:cNvSpPr>
+            <a:spLocks noGrp="1"/>
+          </p:cNvSpPr>
+          <p:nvPr>
+            <p:ph type="title"/>
+          </p:nvPr>
+        </p:nvSpPr>
+        <p:spPr/>
+        <p:txBody>
+          <a:bodyPr/>
+          <a:lstStyle/>
+          <a:p>
+            <a:r>
+              <a:rPr lang="de-CH" dirty="0"/>
+              <a:t>Methodik / Organisation</a:t>
+            </a:r>
+          </a:p>
+        </p:txBody>
+      </p:sp>
+      <p:sp>
+        <p:nvSpPr>
+          <p:cNvPr id="3" name="Inhaltsplatzhalter 2">
+            <a:extLst>
+              <a:ext uri="{FF2B5EF4-FFF2-40B4-BE49-F238E27FC236}">
+                <a16:creationId xmlns:a16="http://schemas.microsoft.com/office/drawing/2014/main" id="{C42D8B6C-9B59-4EF7-9692-8F252C391E40}"/>
+              </a:ext>
+            </a:extLst>
+          </p:cNvPr>
+          <p:cNvSpPr>
+            <a:spLocks noGrp="1"/>
+          </p:cNvSpPr>
+          <p:nvPr>
+            <p:ph idx="1"/>
+          </p:nvPr>
+        </p:nvSpPr>
+        <p:spPr/>
+        <p:txBody>
+          <a:bodyPr/>
+          <a:lstStyle/>
+          <a:p>
+            <a:r>
+              <a:rPr lang="de-CH" dirty="0"/>
+              <a:t>Code Verwaltungssystem: </a:t>
+            </a:r>
+            <a:r>
+              <a:rPr lang="de-CH" dirty="0">
+                <a:hlinkClick r:id="rId3"/>
+              </a:rPr>
+              <a:t>https://github.com/maggi71/ml-corona</a:t>
+            </a:r>
+            <a:r>
+              <a:rPr lang="de-CH" dirty="0"/>
+              <a:t> </a:t>
+            </a:r>
+          </a:p>
+          <a:p>
+            <a:r>
+              <a:rPr lang="de-CH" dirty="0"/>
+              <a:t>Entwicklungsumgebung: Visual Studio Code mit </a:t>
+            </a:r>
+            <a:r>
+              <a:rPr lang="de-CH" dirty="0" err="1"/>
+              <a:t>Anaconda</a:t>
+            </a:r>
+            <a:r>
+              <a:rPr lang="de-CH" dirty="0"/>
+              <a:t> Environment (Remote)</a:t>
+            </a:r>
+          </a:p>
+          <a:p>
+            <a:r>
+              <a:rPr lang="de-CH" dirty="0"/>
+              <a:t>Kommunikation:  Wöchentliche Videokonferenzen</a:t>
+            </a:r>
+          </a:p>
+          <a:p>
+            <a:r>
+              <a:rPr lang="de-CH" dirty="0"/>
+              <a:t>Qualitätssicherung: Gegenseitige Code Reviews</a:t>
+            </a:r>
+          </a:p>
+        </p:txBody>
+      </p:sp>
+    </p:spTree>
+    <p:extLst>
+      <p:ext uri="{BB962C8B-B14F-4D97-AF65-F5344CB8AC3E}">
+        <p14:creationId xmlns:p14="http://schemas.microsoft.com/office/powerpoint/2010/main" val="4109514122"/>
+      </p:ext>
+    </p:extLst>
+  </p:cSld>
+  <p:clrMapOvr>
+    <a:masterClrMapping/>
+  </p:clrMapOvr>
+</p:sld>
+</file>
+
+<file path=ppt/slides/slide5.xml><?xml version="1.0" encoding="utf-8"?>
+<p:sld xmlns:a="http://schemas.openxmlformats.org/drawingml/2006/main" xmlns:r="http://schemas.openxmlformats.org/officeDocument/2006/relationships" xmlns:p="http://schemas.openxmlformats.org/presentationml/2006/main">
+  <p:cSld>
+    <p:spTree>
+      <p:nvGrpSpPr>
+        <p:cNvPr id="1" name=""/>
+        <p:cNvGrpSpPr/>
+        <p:nvPr/>
+      </p:nvGrpSpPr>
+      <p:grpSpPr>
+        <a:xfrm>
+          <a:off x="0" y="0"/>
+          <a:ext cx="0" cy="0"/>
+          <a:chOff x="0" y="0"/>
+          <a:chExt cx="0" cy="0"/>
+        </a:xfrm>
+      </p:grpSpPr>
+      <p:sp>
+        <p:nvSpPr>
+          <p:cNvPr id="2" name="Titel 1">
+            <a:extLst>
+              <a:ext uri="{FF2B5EF4-FFF2-40B4-BE49-F238E27FC236}">
+                <a16:creationId xmlns:a16="http://schemas.microsoft.com/office/drawing/2014/main" id="{87AF0A59-4443-409D-A634-20253B78B2FB}"/>
+              </a:ext>
+            </a:extLst>
+          </p:cNvPr>
+          <p:cNvSpPr>
+            <a:spLocks noGrp="1"/>
+          </p:cNvSpPr>
+          <p:nvPr>
+            <p:ph type="title"/>
+          </p:nvPr>
+        </p:nvSpPr>
+        <p:spPr/>
+        <p:txBody>
+          <a:bodyPr/>
+          <a:lstStyle/>
+          <a:p>
+            <a:r>
+              <a:rPr lang="de-CH" dirty="0"/>
+              <a:t>UMSETZUNG</a:t>
+            </a:r>
+          </a:p>
+        </p:txBody>
+      </p:sp>
+      <p:sp>
+        <p:nvSpPr>
+          <p:cNvPr id="3" name="Inhaltsplatzhalter 2">
+            <a:extLst>
+              <a:ext uri="{FF2B5EF4-FFF2-40B4-BE49-F238E27FC236}">
+                <a16:creationId xmlns:a16="http://schemas.microsoft.com/office/drawing/2014/main" id="{4A47D760-3A82-4E5B-A602-9AF73EAFC8F7}"/>
+              </a:ext>
+            </a:extLst>
+          </p:cNvPr>
+          <p:cNvSpPr>
+            <a:spLocks noGrp="1"/>
+          </p:cNvSpPr>
+          <p:nvPr>
+            <p:ph idx="1"/>
+          </p:nvPr>
+        </p:nvSpPr>
+        <p:spPr/>
+        <p:txBody>
+          <a:bodyPr>
+            <a:normAutofit lnSpcReduction="10000"/>
+          </a:bodyPr>
+          <a:lstStyle/>
+          <a:p>
+            <a:r>
+              <a:rPr lang="de-CH" dirty="0"/>
+              <a:t>Download der Daten von </a:t>
+            </a:r>
+            <a:r>
+              <a:rPr lang="de-CH" dirty="0" err="1"/>
+              <a:t>Opendata</a:t>
+            </a:r>
+            <a:r>
+              <a:rPr lang="de-CH" dirty="0"/>
+              <a:t> Swiss </a:t>
+            </a:r>
+            <a:r>
+              <a:rPr lang="de-CH" dirty="0">
+                <a:hlinkClick r:id="rId3"/>
+              </a:rPr>
+              <a:t>https://opendata.swiss/de/dataset/covid-19-schweiz</a:t>
+            </a:r>
+            <a:r>
+              <a:rPr lang="de-CH" dirty="0"/>
+              <a:t> als CSV Dateien</a:t>
+            </a:r>
+          </a:p>
+          <a:p>
+            <a:r>
+              <a:rPr lang="de-CH" dirty="0"/>
+              <a:t>Datenanalyse</a:t>
+            </a:r>
+          </a:p>
+          <a:p>
+            <a:r>
+              <a:rPr lang="de-CH" dirty="0"/>
+              <a:t>Aufbereitung und Bereinigung der Daten</a:t>
+            </a:r>
+          </a:p>
+          <a:p>
+            <a:r>
+              <a:rPr lang="de-CH" dirty="0"/>
+              <a:t>Implementierung der Modelle</a:t>
+            </a:r>
+          </a:p>
+          <a:p>
+            <a:pPr lvl="1"/>
+            <a:r>
+              <a:rPr lang="de-CH" dirty="0"/>
+              <a:t>Polynomiale Regression</a:t>
+            </a:r>
+          </a:p>
+          <a:p>
+            <a:pPr lvl="1"/>
+            <a:r>
+              <a:rPr lang="de-CH" dirty="0" err="1"/>
+              <a:t>Convolutional</a:t>
+            </a:r>
+            <a:r>
+              <a:rPr lang="de-CH" dirty="0"/>
+              <a:t> </a:t>
+            </a:r>
+            <a:r>
+              <a:rPr lang="de-CH" dirty="0" err="1"/>
+              <a:t>Neural</a:t>
+            </a:r>
+            <a:r>
+              <a:rPr lang="de-CH" dirty="0"/>
+              <a:t> Network (CNN)</a:t>
+            </a:r>
+          </a:p>
+          <a:p>
+            <a:pPr lvl="1"/>
+            <a:r>
+              <a:rPr lang="en-US" dirty="0"/>
+              <a:t>Long short-term memory (LSTM)</a:t>
+            </a:r>
+            <a:endParaRPr lang="de-CH" dirty="0"/>
+          </a:p>
+          <a:p>
+            <a:r>
+              <a:rPr lang="de-CH" dirty="0"/>
+              <a:t>Optimierung der Hyperparameter mittels </a:t>
+            </a:r>
+            <a:r>
+              <a:rPr lang="de-CH" dirty="0" err="1"/>
+              <a:t>GridSearch</a:t>
+            </a:r>
+            <a:r>
+              <a:rPr lang="de-CH" dirty="0"/>
+              <a:t> und Cross Validation</a:t>
+            </a:r>
+          </a:p>
+        </p:txBody>
+      </p:sp>
+    </p:spTree>
+    <p:extLst>
+      <p:ext uri="{BB962C8B-B14F-4D97-AF65-F5344CB8AC3E}">
+        <p14:creationId xmlns:p14="http://schemas.microsoft.com/office/powerpoint/2010/main" val="1076976264"/>
+      </p:ext>
+    </p:extLst>
+  </p:cSld>
+  <p:clrMapOvr>
+    <a:masterClrMapping/>
+  </p:clrMapOvr>
+</p:sld>
+</file>
+
+<file path=ppt/slides/slide6.xml><?xml version="1.0" encoding="utf-8"?>
+<p:sld xmlns:a="http://schemas.openxmlformats.org/drawingml/2006/main" xmlns:r="http://schemas.openxmlformats.org/officeDocument/2006/relationships" xmlns:p="http://schemas.openxmlformats.org/presentationml/2006/main">
+  <p:cSld>
+    <p:spTree>
+      <p:nvGrpSpPr>
+        <p:cNvPr id="1" name=""/>
+        <p:cNvGrpSpPr/>
+        <p:nvPr/>
+      </p:nvGrpSpPr>
+      <p:grpSpPr>
+        <a:xfrm>
+          <a:off x="0" y="0"/>
+          <a:ext cx="0" cy="0"/>
+          <a:chOff x="0" y="0"/>
+          <a:chExt cx="0" cy="0"/>
+        </a:xfrm>
+      </p:grpSpPr>
+      <p:sp>
+        <p:nvSpPr>
+          <p:cNvPr id="2" name="Title 1">
+            <a:extLst>
+              <a:ext uri="{FF2B5EF4-FFF2-40B4-BE49-F238E27FC236}">
+                <a16:creationId xmlns:a16="http://schemas.microsoft.com/office/drawing/2014/main" id="{EDE1AAA0-16EC-FD43-893A-B9E08368B6F0}"/>
+              </a:ext>
+            </a:extLst>
+          </p:cNvPr>
+          <p:cNvSpPr>
+            <a:spLocks noGrp="1"/>
+          </p:cNvSpPr>
+          <p:nvPr>
+            <p:ph type="title"/>
+          </p:nvPr>
+        </p:nvSpPr>
+        <p:spPr/>
+        <p:txBody>
+          <a:bodyPr/>
+          <a:lstStyle/>
+          <a:p>
+            <a:r>
+              <a:rPr lang="en-CH" dirty="0"/>
+              <a:t>Hyperparameter</a:t>
+            </a:r>
+          </a:p>
+        </p:txBody>
+      </p:sp>
+      <p:sp>
+        <p:nvSpPr>
+          <p:cNvPr id="3" name="Content Placeholder 2">
+            <a:extLst>
+              <a:ext uri="{FF2B5EF4-FFF2-40B4-BE49-F238E27FC236}">
+                <a16:creationId xmlns:a16="http://schemas.microsoft.com/office/drawing/2014/main" id="{CE89E3EB-1F89-504C-B7FF-44A8E0039093}"/>
+              </a:ext>
+            </a:extLst>
+          </p:cNvPr>
+          <p:cNvSpPr>
+            <a:spLocks noGrp="1"/>
+          </p:cNvSpPr>
+          <p:nvPr>
+            <p:ph idx="1"/>
+          </p:nvPr>
+        </p:nvSpPr>
+        <p:spPr/>
+        <p:txBody>
+          <a:bodyPr/>
+          <a:lstStyle/>
+          <a:p>
+            <a:r>
+              <a:rPr lang="en-CH" dirty="0"/>
+              <a:t>Regression: Grad des Polynoms (n=2, n=3, …, n=12)</a:t>
+            </a:r>
+          </a:p>
+          <a:p>
+            <a:r>
+              <a:rPr lang="en-CH" dirty="0"/>
+              <a:t>CNN: n_filter, n_kernel, n_epoches, n_batch, pool_size, activation_conv, activation_dense, optimizer</a:t>
+            </a:r>
+          </a:p>
+          <a:p>
+            <a:r>
+              <a:rPr lang="en-CH" dirty="0"/>
+              <a:t>LSTM: (n_layers), n_neurons, n_epoches, n_batch, optimizer</a:t>
+            </a:r>
+          </a:p>
+        </p:txBody>
+      </p:sp>
+    </p:spTree>
+    <p:extLst>
+      <p:ext uri="{BB962C8B-B14F-4D97-AF65-F5344CB8AC3E}">
+        <p14:creationId xmlns:p14="http://schemas.microsoft.com/office/powerpoint/2010/main" val="5149256"/>
+      </p:ext>
+    </p:extLst>
+  </p:cSld>
+  <p:clrMapOvr>
+    <a:masterClrMapping/>
+  </p:clrMapOvr>
+</p:sld>
+</file>
+
+<file path=ppt/slides/slide7.xml><?xml version="1.0" encoding="utf-8"?>
+<p:sld xmlns:a="http://schemas.openxmlformats.org/drawingml/2006/main" xmlns:r="http://schemas.openxmlformats.org/officeDocument/2006/relationships" xmlns:p="http://schemas.openxmlformats.org/presentationml/2006/main">
+  <p:cSld>
+    <p:spTree>
+      <p:nvGrpSpPr>
+        <p:cNvPr id="1" name=""/>
+        <p:cNvGrpSpPr/>
+        <p:nvPr/>
+      </p:nvGrpSpPr>
+      <p:grpSpPr>
+        <a:xfrm>
+          <a:off x="0" y="0"/>
+          <a:ext cx="0" cy="0"/>
+          <a:chOff x="0" y="0"/>
+          <a:chExt cx="0" cy="0"/>
+        </a:xfrm>
+      </p:grpSpPr>
+      <p:sp>
+        <p:nvSpPr>
+          <p:cNvPr id="2" name="Titel 1">
+            <a:extLst>
+              <a:ext uri="{FF2B5EF4-FFF2-40B4-BE49-F238E27FC236}">
+                <a16:creationId xmlns:a16="http://schemas.microsoft.com/office/drawing/2014/main" id="{BBBA57B0-8B4B-41A0-82F6-3B990F72F6F7}"/>
+              </a:ext>
+            </a:extLst>
+          </p:cNvPr>
+          <p:cNvSpPr>
+            <a:spLocks noGrp="1"/>
+          </p:cNvSpPr>
+          <p:nvPr>
+            <p:ph type="title"/>
+          </p:nvPr>
+        </p:nvSpPr>
+        <p:spPr/>
+        <p:txBody>
+          <a:bodyPr/>
+          <a:lstStyle/>
+          <a:p>
+            <a:r>
+              <a:rPr lang="de-CH" dirty="0"/>
+              <a:t>DEMO</a:t>
+            </a:r>
+          </a:p>
+        </p:txBody>
+      </p:sp>
+      <p:sp>
+        <p:nvSpPr>
+          <p:cNvPr id="3" name="Inhaltsplatzhalter 2">
+            <a:extLst>
+              <a:ext uri="{FF2B5EF4-FFF2-40B4-BE49-F238E27FC236}">
+                <a16:creationId xmlns:a16="http://schemas.microsoft.com/office/drawing/2014/main" id="{AA4763DE-69D2-4160-8882-C246FAF79FFA}"/>
+              </a:ext>
+            </a:extLst>
+          </p:cNvPr>
+          <p:cNvSpPr>
+            <a:spLocks noGrp="1"/>
+          </p:cNvSpPr>
+          <p:nvPr>
+            <p:ph idx="1"/>
+          </p:nvPr>
+        </p:nvSpPr>
+        <p:spPr/>
+        <p:txBody>
+          <a:bodyPr/>
+          <a:lstStyle/>
+          <a:p>
+            <a:r>
+              <a:rPr lang="de-CH" dirty="0"/>
+              <a:t>Demo des LSTM Modells</a:t>
+            </a:r>
+          </a:p>
+          <a:p>
+            <a:pPr lvl="1"/>
+            <a:r>
+              <a:rPr lang="de-CH" dirty="0"/>
+              <a:t>Trainieren des Netzwerks</a:t>
+            </a:r>
+          </a:p>
+          <a:p>
+            <a:pPr lvl="1"/>
+            <a:r>
+              <a:rPr lang="de-CH" dirty="0" err="1"/>
+              <a:t>Prediction</a:t>
+            </a:r>
+            <a:endParaRPr lang="de-CH" dirty="0"/>
+          </a:p>
+          <a:p>
+            <a:pPr lvl="1"/>
+            <a:r>
+              <a:rPr lang="de-CH" dirty="0"/>
+              <a:t>Vergleich </a:t>
+            </a:r>
+            <a:r>
+              <a:rPr lang="de-CH" dirty="0" err="1"/>
+              <a:t>Prediction</a:t>
+            </a:r>
+            <a:r>
+              <a:rPr lang="de-CH" dirty="0"/>
+              <a:t> mit </a:t>
+            </a:r>
+            <a:r>
+              <a:rPr lang="de-CH" dirty="0" err="1"/>
+              <a:t>Ground</a:t>
+            </a:r>
+            <a:r>
+              <a:rPr lang="de-CH" dirty="0"/>
+              <a:t> </a:t>
+            </a:r>
+            <a:r>
+              <a:rPr lang="de-CH" dirty="0" err="1"/>
+              <a:t>Truth</a:t>
+            </a:r>
+            <a:endParaRPr lang="de-CH" dirty="0"/>
+          </a:p>
+        </p:txBody>
+      </p:sp>
+    </p:spTree>
+    <p:extLst>
+      <p:ext uri="{BB962C8B-B14F-4D97-AF65-F5344CB8AC3E}">
+        <p14:creationId xmlns:p14="http://schemas.microsoft.com/office/powerpoint/2010/main" val="1024991576"/>
+      </p:ext>
+    </p:extLst>
+  </p:cSld>
+  <p:clrMapOvr>
+    <a:masterClrMapping/>
+  </p:clrMapOvr>
+</p:sld>
+</file>
+
+<file path=ppt/slides/slide8.xml><?xml version="1.0" encoding="utf-8"?>
+<p:sld xmlns:a="http://schemas.openxmlformats.org/drawingml/2006/main" xmlns:r="http://schemas.openxmlformats.org/officeDocument/2006/relationships" xmlns:p="http://schemas.openxmlformats.org/presentationml/2006/main">
+  <p:cSld>
+    <p:spTree>
+      <p:nvGrpSpPr>
+        <p:cNvPr id="1" name=""/>
+        <p:cNvGrpSpPr/>
+        <p:nvPr/>
+      </p:nvGrpSpPr>
+      <p:grpSpPr>
+        <a:xfrm>
+          <a:off x="0" y="0"/>
+          <a:ext cx="0" cy="0"/>
+          <a:chOff x="0" y="0"/>
+          <a:chExt cx="0" cy="0"/>
+        </a:xfrm>
+      </p:grpSpPr>
+      <p:sp>
+        <p:nvSpPr>
+          <p:cNvPr id="2" name="Titel 1">
+            <a:extLst>
+              <a:ext uri="{FF2B5EF4-FFF2-40B4-BE49-F238E27FC236}">
+                <a16:creationId xmlns:a16="http://schemas.microsoft.com/office/drawing/2014/main" id="{0795DEED-BDAA-4916-8ADA-83FFA038BD53}"/>
+              </a:ext>
+            </a:extLst>
+          </p:cNvPr>
+          <p:cNvSpPr>
+            <a:spLocks noGrp="1"/>
+          </p:cNvSpPr>
+          <p:nvPr>
+            <p:ph type="title"/>
+          </p:nvPr>
+        </p:nvSpPr>
+        <p:spPr/>
+        <p:txBody>
+          <a:bodyPr/>
+          <a:lstStyle/>
+          <a:p>
+            <a:r>
+              <a:rPr lang="de-CH" dirty="0"/>
+              <a:t>Resultate</a:t>
+            </a:r>
+          </a:p>
+        </p:txBody>
+      </p:sp>
+      <p:graphicFrame>
+        <p:nvGraphicFramePr>
+          <p:cNvPr id="4" name="Inhaltsplatzhalter 3">
+            <a:extLst>
+              <a:ext uri="{FF2B5EF4-FFF2-40B4-BE49-F238E27FC236}">
+                <a16:creationId xmlns:a16="http://schemas.microsoft.com/office/drawing/2014/main" id="{39EFBA79-0AD6-4F3C-9892-AE31F6C807EF}"/>
+              </a:ext>
+            </a:extLst>
+          </p:cNvPr>
+          <p:cNvGraphicFramePr>
+            <a:graphicFrameLocks noGrp="1"/>
+          </p:cNvGraphicFramePr>
+          <p:nvPr>
+            <p:ph idx="1"/>
+            <p:extLst>
+              <p:ext uri="{D42A27DB-BD31-4B8C-83A1-F6EECF244321}">
+                <p14:modId xmlns:p14="http://schemas.microsoft.com/office/powerpoint/2010/main" val="2795193975"/>
+              </p:ext>
+            </p:extLst>
+          </p:nvPr>
+        </p:nvGraphicFramePr>
+        <p:xfrm>
+          <a:off x="1379956" y="2459421"/>
+          <a:ext cx="9921765" cy="2366334"/>
+        </p:xfrm>
+        <a:graphic>
+          <a:graphicData uri="http://schemas.openxmlformats.org/drawingml/2006/table">
+            <a:tbl>
+              <a:tblPr firstRow="1" firstCol="1" bandRow="1">
+                <a:tableStyleId>{5C22544A-7EE6-4342-B048-85BDC9FD1C3A}</a:tableStyleId>
+              </a:tblPr>
+              <a:tblGrid>
+                <a:gridCol w="2780552">
+                  <a:extLst>
+                    <a:ext uri="{9D8B030D-6E8A-4147-A177-3AD203B41FA5}">
+                      <a16:colId xmlns:a16="http://schemas.microsoft.com/office/drawing/2014/main" val="1981516642"/>
+                    </a:ext>
+                  </a:extLst>
+                </a:gridCol>
+                <a:gridCol w="2438972">
+                  <a:extLst>
+                    <a:ext uri="{9D8B030D-6E8A-4147-A177-3AD203B41FA5}">
+                      <a16:colId xmlns:a16="http://schemas.microsoft.com/office/drawing/2014/main" val="1586119989"/>
+                    </a:ext>
+                  </a:extLst>
+                </a:gridCol>
+                <a:gridCol w="2264497">
+                  <a:extLst>
+                    <a:ext uri="{9D8B030D-6E8A-4147-A177-3AD203B41FA5}">
+                      <a16:colId xmlns:a16="http://schemas.microsoft.com/office/drawing/2014/main" val="1533463363"/>
+                    </a:ext>
+                  </a:extLst>
+                </a:gridCol>
+                <a:gridCol w="2437744">
+                  <a:extLst>
+                    <a:ext uri="{9D8B030D-6E8A-4147-A177-3AD203B41FA5}">
+                      <a16:colId xmlns:a16="http://schemas.microsoft.com/office/drawing/2014/main" val="144784447"/>
+                    </a:ext>
+                  </a:extLst>
+                </a:gridCol>
+              </a:tblGrid>
+              <a:tr h="788276">
+                <a:tc>
+                  <a:txBody>
+                    <a:bodyPr/>
+                    <a:lstStyle/>
+                    <a:p>
+                      <a:pPr algn="l">
+                        <a:lnSpc>
+                          <a:spcPct val="107000"/>
+                        </a:lnSpc>
+                        <a:spcAft>
+                          <a:spcPts val="0"/>
+                        </a:spcAft>
+                      </a:pPr>
+                      <a:r>
+                        <a:rPr lang="de-CH" sz="1800" dirty="0">
+                          <a:effectLst/>
+                        </a:rPr>
+                        <a:t>Algorithmus</a:t>
+                      </a:r>
+                      <a:endParaRPr lang="de-CH" sz="1800" dirty="0">
+                        <a:effectLst/>
+                        <a:latin typeface="Arial" panose="020B0604020202020204" pitchFamily="34" charset="0"/>
+                        <a:ea typeface="Calibri" panose="020F0502020204030204" pitchFamily="34" charset="0"/>
+                        <a:cs typeface="Times New Roman" panose="02020603050405020304" pitchFamily="18" charset="0"/>
+                      </a:endParaRPr>
+                    </a:p>
+                  </a:txBody>
+                  <a:tcPr marL="68580" marR="68580" marT="0" marB="0"/>
+                </a:tc>
+                <a:tc>
+                  <a:txBody>
+                    <a:bodyPr/>
+                    <a:lstStyle/>
+                    <a:p>
+                      <a:pPr algn="l">
+                        <a:lnSpc>
+                          <a:spcPct val="107000"/>
+                        </a:lnSpc>
+                        <a:spcAft>
+                          <a:spcPts val="0"/>
+                        </a:spcAft>
+                      </a:pPr>
+                      <a:r>
+                        <a:rPr lang="de-CH" sz="1800" dirty="0">
+                          <a:effectLst/>
+                        </a:rPr>
+                        <a:t>Performance (MSE)</a:t>
+                      </a:r>
+                      <a:endParaRPr lang="de-CH" sz="1800" dirty="0">
+                        <a:effectLst/>
+                        <a:latin typeface="Arial" panose="020B0604020202020204" pitchFamily="34" charset="0"/>
+                        <a:ea typeface="Calibri" panose="020F0502020204030204" pitchFamily="34" charset="0"/>
+                        <a:cs typeface="Times New Roman" panose="02020603050405020304" pitchFamily="18" charset="0"/>
+                      </a:endParaRPr>
+                    </a:p>
+                  </a:txBody>
+                  <a:tcPr marL="68580" marR="68580" marT="0" marB="0"/>
+                </a:tc>
+                <a:tc>
+                  <a:txBody>
+                    <a:bodyPr/>
+                    <a:lstStyle/>
+                    <a:p>
+                      <a:pPr algn="l">
+                        <a:lnSpc>
+                          <a:spcPct val="107000"/>
+                        </a:lnSpc>
+                        <a:spcAft>
+                          <a:spcPts val="0"/>
+                        </a:spcAft>
+                      </a:pPr>
+                      <a:r>
+                        <a:rPr lang="de-CH" sz="1800">
+                          <a:effectLst/>
+                        </a:rPr>
+                        <a:t>Laufzeit für Training</a:t>
+                      </a:r>
+                      <a:endParaRPr lang="de-CH" sz="1800">
+                        <a:effectLst/>
+                        <a:latin typeface="Arial" panose="020B0604020202020204" pitchFamily="34" charset="0"/>
+                        <a:ea typeface="Calibri" panose="020F0502020204030204" pitchFamily="34" charset="0"/>
+                        <a:cs typeface="Times New Roman" panose="02020603050405020304" pitchFamily="18" charset="0"/>
+                      </a:endParaRPr>
+                    </a:p>
+                  </a:txBody>
+                  <a:tcPr marL="68580" marR="68580" marT="0" marB="0"/>
+                </a:tc>
+                <a:tc>
+                  <a:txBody>
+                    <a:bodyPr/>
+                    <a:lstStyle/>
+                    <a:p>
+                      <a:pPr algn="l">
+                        <a:lnSpc>
+                          <a:spcPct val="107000"/>
+                        </a:lnSpc>
+                        <a:spcAft>
+                          <a:spcPts val="0"/>
+                        </a:spcAft>
+                      </a:pPr>
+                      <a:r>
+                        <a:rPr lang="de-CH" sz="1800" dirty="0">
+                          <a:effectLst/>
+                        </a:rPr>
+                        <a:t>Laufzeit für </a:t>
+                      </a:r>
+                      <a:r>
+                        <a:rPr lang="de-CH" sz="1800" dirty="0" err="1">
+                          <a:effectLst/>
+                        </a:rPr>
+                        <a:t>Prediction</a:t>
+                      </a:r>
+                      <a:endParaRPr lang="de-CH" sz="1800" dirty="0">
+                        <a:effectLst/>
+                        <a:latin typeface="Arial" panose="020B0604020202020204" pitchFamily="34" charset="0"/>
+                        <a:ea typeface="Calibri" panose="020F0502020204030204" pitchFamily="34" charset="0"/>
+                        <a:cs typeface="Times New Roman" panose="02020603050405020304" pitchFamily="18" charset="0"/>
+                      </a:endParaRPr>
+                    </a:p>
+                  </a:txBody>
+                  <a:tcPr marL="68580" marR="68580" marT="0" marB="0"/>
+                </a:tc>
+                <a:extLst>
+                  <a:ext uri="{0D108BD9-81ED-4DB2-BD59-A6C34878D82A}">
+                    <a16:rowId xmlns:a16="http://schemas.microsoft.com/office/drawing/2014/main" val="2157604181"/>
+                  </a:ext>
+                </a:extLst>
+              </a:tr>
+              <a:tr h="672662">
+                <a:tc>
+                  <a:txBody>
+                    <a:bodyPr/>
+                    <a:lstStyle/>
+                    <a:p>
+                      <a:pPr algn="just">
+                        <a:lnSpc>
+                          <a:spcPct val="107000"/>
+                        </a:lnSpc>
+                        <a:spcAft>
+                          <a:spcPts val="0"/>
+                        </a:spcAft>
+                      </a:pPr>
+                      <a:r>
+                        <a:rPr lang="de-CH" sz="1800">
+                          <a:effectLst/>
+                        </a:rPr>
+                        <a:t>Polynomiale Regression</a:t>
+                      </a:r>
+                      <a:endParaRPr lang="de-CH" sz="1800">
+                        <a:effectLst/>
+                        <a:latin typeface="Arial" panose="020B0604020202020204" pitchFamily="34" charset="0"/>
+                        <a:ea typeface="Calibri" panose="020F0502020204030204" pitchFamily="34" charset="0"/>
+                        <a:cs typeface="Times New Roman" panose="02020603050405020304" pitchFamily="18" charset="0"/>
+                      </a:endParaRPr>
+                    </a:p>
+                  </a:txBody>
+                  <a:tcPr marL="68580" marR="68580" marT="0" marB="0"/>
+                </a:tc>
+                <a:tc>
+                  <a:txBody>
+                    <a:bodyPr/>
+                    <a:lstStyle/>
+                    <a:p>
+                      <a:pPr algn="just">
+                        <a:lnSpc>
+                          <a:spcPct val="107000"/>
+                        </a:lnSpc>
+                        <a:spcAft>
+                          <a:spcPts val="0"/>
+                        </a:spcAft>
+                      </a:pPr>
+                      <a:r>
+                        <a:rPr lang="de-CH" sz="1800" dirty="0">
+                          <a:effectLst/>
+                        </a:rPr>
+                        <a:t>0.0266</a:t>
+                      </a:r>
+                      <a:endParaRPr lang="de-CH" sz="1800" dirty="0">
+                        <a:effectLst/>
+                        <a:latin typeface="Arial" panose="020B0604020202020204" pitchFamily="34" charset="0"/>
+                        <a:ea typeface="Calibri" panose="020F0502020204030204" pitchFamily="34" charset="0"/>
+                        <a:cs typeface="Times New Roman" panose="02020603050405020304" pitchFamily="18" charset="0"/>
+                      </a:endParaRPr>
+                    </a:p>
+                  </a:txBody>
+                  <a:tcPr marL="68580" marR="68580" marT="0" marB="0"/>
+                </a:tc>
+                <a:tc>
+                  <a:txBody>
+                    <a:bodyPr/>
+                    <a:lstStyle/>
+                    <a:p>
+                      <a:pPr algn="just">
+                        <a:lnSpc>
+                          <a:spcPct val="107000"/>
+                        </a:lnSpc>
+                        <a:spcAft>
+                          <a:spcPts val="0"/>
+                        </a:spcAft>
+                      </a:pPr>
+                      <a:r>
+                        <a:rPr lang="de-CH" sz="1800">
+                          <a:effectLst/>
+                        </a:rPr>
+                        <a:t>0.0030s</a:t>
+                      </a:r>
+                      <a:endParaRPr lang="de-CH" sz="1800">
+                        <a:effectLst/>
+                        <a:latin typeface="Arial" panose="020B0604020202020204" pitchFamily="34" charset="0"/>
+                        <a:ea typeface="Calibri" panose="020F0502020204030204" pitchFamily="34" charset="0"/>
+                        <a:cs typeface="Times New Roman" panose="02020603050405020304" pitchFamily="18" charset="0"/>
+                      </a:endParaRPr>
+                    </a:p>
+                  </a:txBody>
+                  <a:tcPr marL="68580" marR="68580" marT="0" marB="0"/>
+                </a:tc>
+                <a:tc>
+                  <a:txBody>
+                    <a:bodyPr/>
+                    <a:lstStyle/>
+                    <a:p>
+                      <a:pPr algn="just">
+                        <a:lnSpc>
+                          <a:spcPct val="107000"/>
+                        </a:lnSpc>
+                        <a:spcAft>
+                          <a:spcPts val="0"/>
+                        </a:spcAft>
+                      </a:pPr>
+                      <a:r>
+                        <a:rPr lang="de-CH" sz="1800">
+                          <a:effectLst/>
+                        </a:rPr>
+                        <a:t>0.0116s</a:t>
+                      </a:r>
+                      <a:endParaRPr lang="de-CH" sz="1800">
+                        <a:effectLst/>
+                        <a:latin typeface="Arial" panose="020B0604020202020204" pitchFamily="34" charset="0"/>
+                        <a:ea typeface="Calibri" panose="020F0502020204030204" pitchFamily="34" charset="0"/>
+                        <a:cs typeface="Times New Roman" panose="02020603050405020304" pitchFamily="18" charset="0"/>
+                      </a:endParaRPr>
+                    </a:p>
+                  </a:txBody>
+                  <a:tcPr marL="68580" marR="68580" marT="0" marB="0"/>
+                </a:tc>
+                <a:extLst>
+                  <a:ext uri="{0D108BD9-81ED-4DB2-BD59-A6C34878D82A}">
+                    <a16:rowId xmlns:a16="http://schemas.microsoft.com/office/drawing/2014/main" val="2473326065"/>
+                  </a:ext>
+                </a:extLst>
+              </a:tr>
+              <a:tr h="452698">
+                <a:tc>
+                  <a:txBody>
+                    <a:bodyPr/>
+                    <a:lstStyle/>
+                    <a:p>
+                      <a:pPr algn="just">
+                        <a:lnSpc>
+                          <a:spcPct val="107000"/>
+                        </a:lnSpc>
+                        <a:spcAft>
+                          <a:spcPts val="0"/>
+                        </a:spcAft>
+                      </a:pPr>
+                      <a:r>
+                        <a:rPr lang="de-CH" sz="1800" dirty="0">
+                          <a:effectLst/>
+                        </a:rPr>
+                        <a:t>CNN</a:t>
+                      </a:r>
+                      <a:endParaRPr lang="de-CH" sz="1800" dirty="0">
+                        <a:effectLst/>
+                        <a:latin typeface="Arial" panose="020B0604020202020204" pitchFamily="34" charset="0"/>
+                        <a:ea typeface="Calibri" panose="020F0502020204030204" pitchFamily="34" charset="0"/>
+                        <a:cs typeface="Times New Roman" panose="02020603050405020304" pitchFamily="18" charset="0"/>
+                      </a:endParaRPr>
+                    </a:p>
+                  </a:txBody>
+                  <a:tcPr marL="68580" marR="68580" marT="0" marB="0"/>
+                </a:tc>
+                <a:tc>
+                  <a:txBody>
+                    <a:bodyPr/>
+                    <a:lstStyle/>
+                    <a:p>
+                      <a:pPr algn="just">
+                        <a:lnSpc>
+                          <a:spcPct val="107000"/>
+                        </a:lnSpc>
+                        <a:spcAft>
+                          <a:spcPts val="0"/>
+                        </a:spcAft>
+                      </a:pPr>
+                      <a:r>
+                        <a:rPr lang="de-CH" sz="1800">
+                          <a:effectLst/>
+                        </a:rPr>
+                        <a:t>0.0427</a:t>
+                      </a:r>
+                      <a:endParaRPr lang="de-CH" sz="1800">
+                        <a:effectLst/>
+                        <a:latin typeface="Arial" panose="020B0604020202020204" pitchFamily="34" charset="0"/>
+                        <a:ea typeface="Calibri" panose="020F0502020204030204" pitchFamily="34" charset="0"/>
+                        <a:cs typeface="Times New Roman" panose="02020603050405020304" pitchFamily="18" charset="0"/>
+                      </a:endParaRPr>
+                    </a:p>
+                  </a:txBody>
+                  <a:tcPr marL="68580" marR="68580" marT="0" marB="0"/>
+                </a:tc>
+                <a:tc>
+                  <a:txBody>
+                    <a:bodyPr/>
+                    <a:lstStyle/>
+                    <a:p>
+                      <a:pPr algn="just">
+                        <a:lnSpc>
+                          <a:spcPct val="107000"/>
+                        </a:lnSpc>
+                        <a:spcAft>
+                          <a:spcPts val="0"/>
+                        </a:spcAft>
+                      </a:pPr>
+                      <a:r>
+                        <a:rPr lang="de-CH" sz="1800">
+                          <a:effectLst/>
+                        </a:rPr>
+                        <a:t>15.9702s</a:t>
+                      </a:r>
+                      <a:endParaRPr lang="de-CH" sz="1800">
+                        <a:effectLst/>
+                        <a:latin typeface="Arial" panose="020B0604020202020204" pitchFamily="34" charset="0"/>
+                        <a:ea typeface="Calibri" panose="020F0502020204030204" pitchFamily="34" charset="0"/>
+                        <a:cs typeface="Times New Roman" panose="02020603050405020304" pitchFamily="18" charset="0"/>
+                      </a:endParaRPr>
+                    </a:p>
+                  </a:txBody>
+                  <a:tcPr marL="68580" marR="68580" marT="0" marB="0"/>
+                </a:tc>
+                <a:tc>
+                  <a:txBody>
+                    <a:bodyPr/>
+                    <a:lstStyle/>
+                    <a:p>
+                      <a:pPr algn="just">
+                        <a:lnSpc>
+                          <a:spcPct val="107000"/>
+                        </a:lnSpc>
+                        <a:spcAft>
+                          <a:spcPts val="0"/>
+                        </a:spcAft>
+                      </a:pPr>
+                      <a:r>
+                        <a:rPr lang="de-CH" sz="1800" dirty="0">
+                          <a:effectLst/>
+                        </a:rPr>
+                        <a:t>0.0747s</a:t>
+                      </a:r>
+                      <a:endParaRPr lang="de-CH" sz="1800" dirty="0">
+                        <a:effectLst/>
+                        <a:latin typeface="Arial" panose="020B0604020202020204" pitchFamily="34" charset="0"/>
+                        <a:ea typeface="Calibri" panose="020F0502020204030204" pitchFamily="34" charset="0"/>
+                        <a:cs typeface="Times New Roman" panose="02020603050405020304" pitchFamily="18" charset="0"/>
+                      </a:endParaRPr>
+                    </a:p>
+                  </a:txBody>
+                  <a:tcPr marL="68580" marR="68580" marT="0" marB="0"/>
+                </a:tc>
+                <a:extLst>
+                  <a:ext uri="{0D108BD9-81ED-4DB2-BD59-A6C34878D82A}">
+                    <a16:rowId xmlns:a16="http://schemas.microsoft.com/office/drawing/2014/main" val="498525516"/>
+                  </a:ext>
+                </a:extLst>
+              </a:tr>
+              <a:tr h="452698">
+                <a:tc>
+                  <a:txBody>
+                    <a:bodyPr/>
+                    <a:lstStyle/>
+                    <a:p>
+                      <a:pPr algn="just">
+                        <a:lnSpc>
+                          <a:spcPct val="107000"/>
+                        </a:lnSpc>
+                        <a:spcAft>
+                          <a:spcPts val="0"/>
+                        </a:spcAft>
+                      </a:pPr>
+                      <a:r>
+                        <a:rPr lang="de-CH" sz="1800">
+                          <a:effectLst/>
+                        </a:rPr>
+                        <a:t>LSTM</a:t>
+                      </a:r>
+                      <a:endParaRPr lang="de-CH" sz="1800">
+                        <a:effectLst/>
+                        <a:latin typeface="Arial" panose="020B0604020202020204" pitchFamily="34" charset="0"/>
+                        <a:ea typeface="Calibri" panose="020F0502020204030204" pitchFamily="34" charset="0"/>
+                        <a:cs typeface="Times New Roman" panose="02020603050405020304" pitchFamily="18" charset="0"/>
+                      </a:endParaRPr>
+                    </a:p>
+                  </a:txBody>
+                  <a:tcPr marL="68580" marR="68580" marT="0" marB="0"/>
+                </a:tc>
+                <a:tc>
+                  <a:txBody>
+                    <a:bodyPr/>
+                    <a:lstStyle/>
+                    <a:p>
+                      <a:pPr algn="just">
+                        <a:lnSpc>
+                          <a:spcPct val="107000"/>
+                        </a:lnSpc>
+                        <a:spcAft>
+                          <a:spcPts val="0"/>
+                        </a:spcAft>
+                      </a:pPr>
+                      <a:r>
+                        <a:rPr lang="de-CH" sz="1800" dirty="0">
+                          <a:effectLst/>
+                        </a:rPr>
+                        <a:t>0.0205</a:t>
+                      </a:r>
+                      <a:endParaRPr lang="de-CH" sz="1800" dirty="0">
+                        <a:effectLst/>
+                        <a:latin typeface="Arial" panose="020B0604020202020204" pitchFamily="34" charset="0"/>
+                        <a:ea typeface="Calibri" panose="020F0502020204030204" pitchFamily="34" charset="0"/>
+                        <a:cs typeface="Times New Roman" panose="02020603050405020304" pitchFamily="18" charset="0"/>
+                      </a:endParaRPr>
+                    </a:p>
+                  </a:txBody>
+                  <a:tcPr marL="68580" marR="68580" marT="0" marB="0"/>
+                </a:tc>
+                <a:tc>
+                  <a:txBody>
+                    <a:bodyPr/>
+                    <a:lstStyle/>
+                    <a:p>
+                      <a:pPr algn="just">
+                        <a:lnSpc>
+                          <a:spcPct val="107000"/>
+                        </a:lnSpc>
+                        <a:spcAft>
+                          <a:spcPts val="0"/>
+                        </a:spcAft>
+                      </a:pPr>
+                      <a:r>
+                        <a:rPr lang="de-CH" sz="1800" dirty="0">
+                          <a:effectLst/>
+                        </a:rPr>
+                        <a:t>57.6358s</a:t>
+                      </a:r>
+                      <a:endParaRPr lang="de-CH" sz="1800" dirty="0">
+                        <a:effectLst/>
+                        <a:latin typeface="Arial" panose="020B0604020202020204" pitchFamily="34" charset="0"/>
+                        <a:ea typeface="Calibri" panose="020F0502020204030204" pitchFamily="34" charset="0"/>
+                        <a:cs typeface="Times New Roman" panose="02020603050405020304" pitchFamily="18" charset="0"/>
+                      </a:endParaRPr>
+                    </a:p>
+                  </a:txBody>
+                  <a:tcPr marL="68580" marR="68580" marT="0" marB="0"/>
+                </a:tc>
+                <a:tc>
+                  <a:txBody>
+                    <a:bodyPr/>
+                    <a:lstStyle/>
+                    <a:p>
+                      <a:pPr algn="just">
+                        <a:lnSpc>
+                          <a:spcPct val="107000"/>
+                        </a:lnSpc>
+                        <a:spcAft>
+                          <a:spcPts val="0"/>
+                        </a:spcAft>
+                      </a:pPr>
+                      <a:r>
+                        <a:rPr lang="de-CH" sz="1800" dirty="0">
+                          <a:effectLst/>
+                        </a:rPr>
+                        <a:t>0.1137s</a:t>
+                      </a:r>
+                      <a:endParaRPr lang="de-CH" sz="1800" dirty="0">
+                        <a:effectLst/>
+                        <a:latin typeface="Arial" panose="020B0604020202020204" pitchFamily="34" charset="0"/>
+                        <a:ea typeface="Calibri" panose="020F0502020204030204" pitchFamily="34" charset="0"/>
+                        <a:cs typeface="Times New Roman" panose="02020603050405020304" pitchFamily="18" charset="0"/>
+                      </a:endParaRPr>
+                    </a:p>
+                  </a:txBody>
+                  <a:tcPr marL="68580" marR="68580" marT="0" marB="0"/>
+                </a:tc>
+                <a:extLst>
+                  <a:ext uri="{0D108BD9-81ED-4DB2-BD59-A6C34878D82A}">
+                    <a16:rowId xmlns:a16="http://schemas.microsoft.com/office/drawing/2014/main" val="1389607507"/>
+                  </a:ext>
+                </a:extLst>
+              </a:tr>
+            </a:tbl>
+          </a:graphicData>
+        </a:graphic>
+      </p:graphicFrame>
+    </p:spTree>
+    <p:extLst>
+      <p:ext uri="{BB962C8B-B14F-4D97-AF65-F5344CB8AC3E}">
+        <p14:creationId xmlns:p14="http://schemas.microsoft.com/office/powerpoint/2010/main" val="3526250692"/>
+      </p:ext>
+    </p:extLst>
+  </p:cSld>
+  <p:clrMapOvr>
+    <a:masterClrMapping/>
+  </p:clrMapOvr>
+</p:sld>
+</file>
+
+<file path=ppt/slides/slide9.xml><?xml version="1.0" encoding="utf-8"?>
+<p:sld xmlns:a="http://schemas.openxmlformats.org/drawingml/2006/main" xmlns:r="http://schemas.openxmlformats.org/officeDocument/2006/relationships" xmlns:p="http://schemas.openxmlformats.org/presentationml/2006/main">
+  <p:cSld>
+    <p:spTree>
+      <p:nvGrpSpPr>
+        <p:cNvPr id="1" name=""/>
+        <p:cNvGrpSpPr/>
+        <p:nvPr/>
+      </p:nvGrpSpPr>
+      <p:grpSpPr>
+        <a:xfrm>
+          <a:off x="0" y="0"/>
+          <a:ext cx="0" cy="0"/>
+          <a:chOff x="0" y="0"/>
+          <a:chExt cx="0" cy="0"/>
+        </a:xfrm>
+      </p:grpSpPr>
+      <p:sp>
+        <p:nvSpPr>
+          <p:cNvPr id="2" name="Titel 1">
+            <a:extLst>
+              <a:ext uri="{FF2B5EF4-FFF2-40B4-BE49-F238E27FC236}">
+                <a16:creationId xmlns:a16="http://schemas.microsoft.com/office/drawing/2014/main" id="{A3DDBA2A-18F6-4139-9239-BEA1D2127AC8}"/>
+              </a:ext>
+            </a:extLst>
+          </p:cNvPr>
+          <p:cNvSpPr>
+            <a:spLocks noGrp="1"/>
+          </p:cNvSpPr>
+          <p:nvPr>
+            <p:ph type="title"/>
+          </p:nvPr>
+        </p:nvSpPr>
+        <p:spPr/>
+        <p:txBody>
+          <a:bodyPr/>
+          <a:lstStyle/>
+          <a:p>
+            <a:r>
+              <a:rPr lang="de-CH" dirty="0"/>
+              <a:t>DISKUSSION DER RESULTATE</a:t>
+            </a:r>
+          </a:p>
+        </p:txBody>
+      </p:sp>
+      <p:sp>
+        <p:nvSpPr>
+          <p:cNvPr id="3" name="Inhaltsplatzhalter 2">
+            <a:extLst>
+              <a:ext uri="{FF2B5EF4-FFF2-40B4-BE49-F238E27FC236}">
+                <a16:creationId xmlns:a16="http://schemas.microsoft.com/office/drawing/2014/main" id="{0955E298-DDBC-410B-887A-97CB08965ACF}"/>
+              </a:ext>
+            </a:extLst>
+          </p:cNvPr>
+          <p:cNvSpPr>
+            <a:spLocks noGrp="1"/>
+          </p:cNvSpPr>
+          <p:nvPr>
+            <p:ph idx="1"/>
+          </p:nvPr>
+        </p:nvSpPr>
+        <p:spPr>
+          <a:xfrm>
+            <a:off x="1251678" y="2286001"/>
+            <a:ext cx="8249674" cy="3593591"/>
+          </a:xfrm>
+        </p:spPr>
+        <p:txBody>
+          <a:bodyPr/>
+          <a:lstStyle/>
+          <a:p>
+            <a:r>
+              <a:rPr lang="de-CH" dirty="0"/>
+              <a:t>Reihenfolge Performance</a:t>
+            </a:r>
+          </a:p>
+          <a:p>
+            <a:pPr marL="800100" lvl="1" indent="-342900">
+              <a:buFont typeface="+mj-lt"/>
+              <a:buAutoNum type="arabicPeriod"/>
+            </a:pPr>
+            <a:r>
+              <a:rPr lang="de-CH" dirty="0"/>
+              <a:t>LSTM</a:t>
+            </a:r>
+          </a:p>
+          <a:p>
+            <a:pPr marL="800100" lvl="1" indent="-342900">
+              <a:buFont typeface="+mj-lt"/>
+              <a:buAutoNum type="arabicPeriod"/>
+            </a:pPr>
+            <a:r>
+              <a:rPr lang="de-CH" dirty="0"/>
+              <a:t>Polynomiale Regression</a:t>
+            </a:r>
+          </a:p>
+          <a:p>
+            <a:pPr marL="800100" lvl="1" indent="-342900">
+              <a:buFont typeface="+mj-lt"/>
+              <a:buAutoNum type="arabicPeriod"/>
+            </a:pPr>
+            <a:r>
+              <a:rPr lang="de-CH" dirty="0"/>
+              <a:t>CNN</a:t>
+            </a:r>
+          </a:p>
+          <a:p>
+            <a:pPr marL="800100" lvl="1" indent="-342900">
+              <a:buFont typeface="+mj-lt"/>
+              <a:buAutoNum type="arabicPeriod"/>
+            </a:pPr>
+            <a:endParaRPr lang="de-CH" dirty="0"/>
+          </a:p>
+          <a:p>
+            <a:r>
+              <a:rPr lang="de-CH" dirty="0"/>
+              <a:t>Reihenfolge Laufzeit</a:t>
+            </a:r>
+          </a:p>
+          <a:p>
+            <a:pPr marL="800100" lvl="1" indent="-342900">
+              <a:buFont typeface="+mj-lt"/>
+              <a:buAutoNum type="arabicPeriod"/>
+            </a:pPr>
+            <a:r>
+              <a:rPr lang="de-CH" dirty="0"/>
+              <a:t>Polynomiale Regression</a:t>
+            </a:r>
+          </a:p>
+          <a:p>
+            <a:pPr marL="800100" lvl="1" indent="-342900">
+              <a:buFont typeface="+mj-lt"/>
+              <a:buAutoNum type="arabicPeriod"/>
+            </a:pPr>
+            <a:r>
+              <a:rPr lang="de-CH" dirty="0"/>
+              <a:t>CNN</a:t>
+            </a:r>
+          </a:p>
+          <a:p>
+            <a:pPr marL="800100" lvl="1" indent="-342900">
+              <a:buFont typeface="+mj-lt"/>
+              <a:buAutoNum type="arabicPeriod"/>
+            </a:pPr>
+            <a:r>
+              <a:rPr lang="de-CH" dirty="0"/>
+              <a:t>LSTM</a:t>
+            </a:r>
+          </a:p>
+          <a:p>
+            <a:endParaRPr lang="de-CH" dirty="0"/>
+          </a:p>
+          <a:p>
+            <a:endParaRPr lang="de-CH" dirty="0"/>
+          </a:p>
+        </p:txBody>
+      </p:sp>
+    </p:spTree>
+    <p:extLst>
+      <p:ext uri="{BB962C8B-B14F-4D97-AF65-F5344CB8AC3E}">
+        <p14:creationId xmlns:p14="http://schemas.microsoft.com/office/powerpoint/2010/main" val="1600617015"/>
       </p:ext>
     </p:extLst>
   </p:cSld>
